--- a/lessons/lesson-4/statistics-fundamentals-part-2.pptx
+++ b/lessons/lesson-4/statistics-fundamentals-part-2.pptx
@@ -13528,7 +13528,19 @@
                 <a:cs typeface="Arial" charset="0"/>
                 <a:sym typeface="Georgia"/>
               </a:rPr>
-              <a:t>Reid Offringa</a:t>
+              <a:t>Reid </a:t>
+            </a:r>
+            <a:r>
+              <a:rPr lang="en-US" sz="2800" b="0" i="1" u="none" strike="noStrike" cap="none" dirty="0" smtClean="0">
+                <a:solidFill>
+                  <a:srgbClr val="E52123"/>
+                </a:solidFill>
+                <a:latin typeface="Arial" charset="0"/>
+                <a:ea typeface="Arial" charset="0"/>
+                <a:cs typeface="Arial" charset="0"/>
+                <a:sym typeface="Georgia"/>
+              </a:rPr>
+              <a:t>Offringa, PhD</a:t>
             </a:r>
             <a:endParaRPr lang="en-US" sz="2800" b="0" i="1" u="none" strike="noStrike" cap="none" dirty="0">
               <a:solidFill>
@@ -13930,12 +13942,6 @@
               </a:rPr>
               <a:t>“False Negative”</a:t>
             </a:r>
-            <a:endParaRPr lang="en-US" sz="2800" dirty="0" smtClean="0">
-              <a:latin typeface="Arial" charset="0"/>
-              <a:ea typeface="Arial" charset="0"/>
-              <a:cs typeface="Arial" charset="0"/>
-              <a:sym typeface="Georgia"/>
-            </a:endParaRPr>
           </a:p>
           <a:p>
             <a:pPr marL="863600" lvl="1" indent="-256540">
@@ -14861,19 +14867,7 @@
                 <a:cs typeface="Arial" charset="0"/>
                 <a:sym typeface="Oswald"/>
               </a:rPr>
-              <a:t>Correlation and Regression </a:t>
-            </a:r>
-            <a:r>
-              <a:rPr lang="en-US" sz="9600" b="1" dirty="0" smtClean="0">
-                <a:solidFill>
-                  <a:srgbClr val="FFFFFF"/>
-                </a:solidFill>
-                <a:latin typeface="Arial" charset="0"/>
-                <a:ea typeface="Arial" charset="0"/>
-                <a:cs typeface="Arial" charset="0"/>
-                <a:sym typeface="Oswald"/>
-              </a:rPr>
-              <a:t>Introduction</a:t>
+              <a:t>Correlation and Regression Introduction</a:t>
             </a:r>
             <a:endParaRPr lang="en-US" sz="9600" b="1" dirty="0">
               <a:solidFill>
@@ -16184,10 +16178,10 @@
               <a:buNone/>
             </a:pPr>
             <a:r>
-              <a:rPr lang="en-US" sz="3200" b="1">
-                <a:latin typeface="Oswald"/>
-                <a:ea typeface="Oswald"/>
-                <a:cs typeface="Oswald"/>
+              <a:rPr lang="en-US" sz="3200" b="1" dirty="0">
+                <a:latin typeface="Arial" charset="0"/>
+                <a:ea typeface="Arial" charset="0"/>
+                <a:cs typeface="Arial" charset="0"/>
                 <a:sym typeface="Oswald"/>
               </a:rPr>
               <a:t>STATISTICS FUNDAMENTALS, PART 2</a:t>
@@ -16207,7 +16201,7 @@
         </p:nvSpPr>
         <p:spPr>
           <a:xfrm>
-            <a:off x="635006" y="1940250"/>
+            <a:off x="635000" y="2738535"/>
             <a:ext cx="11734800" cy="3809999"/>
           </a:xfrm>
           <a:prstGeom prst="rect">
@@ -16247,17 +16241,42 @@
               <a:buChar char="‣"/>
             </a:pPr>
             <a:r>
+              <a:rPr lang="en-US" sz="2800" dirty="0" smtClean="0">
+                <a:latin typeface="Arial" charset="0"/>
+                <a:ea typeface="Arial" charset="0"/>
+                <a:cs typeface="Arial" charset="0"/>
+                <a:sym typeface="Georgia"/>
+              </a:rPr>
+              <a:t>Review t-tests and Hypothesis testing</a:t>
+            </a:r>
+          </a:p>
+          <a:p>
+            <a:pPr marL="203200" indent="-256540">
+              <a:spcBef>
+                <a:spcPts val="1000"/>
+              </a:spcBef>
+              <a:buSzPct val="100000"/>
+              <a:buFont typeface="Georgia"/>
+              <a:buChar char="‣"/>
+            </a:pPr>
+            <a:r>
               <a:rPr lang="en-US" sz="2800" dirty="0">
                 <a:latin typeface="Arial" charset="0"/>
                 <a:ea typeface="Arial" charset="0"/>
                 <a:cs typeface="Arial" charset="0"/>
                 <a:sym typeface="Georgia"/>
               </a:rPr>
-              <a:t>Explain the difference between causation and correlation</a:t>
-            </a:r>
-          </a:p>
-          <a:p>
-            <a:pPr marL="203200" marR="0" lvl="0" indent="-256540" algn="l" rtl="0">
+              <a:t>Validate your findings using statistical analysis </a:t>
+            </a:r>
+            <a:endParaRPr lang="en-US" sz="2800" dirty="0" smtClean="0">
+              <a:latin typeface="Arial" charset="0"/>
+              <a:ea typeface="Arial" charset="0"/>
+              <a:cs typeface="Arial" charset="0"/>
+              <a:sym typeface="Georgia"/>
+            </a:endParaRPr>
+          </a:p>
+          <a:p>
+            <a:pPr marL="863600" lvl="1" indent="-256540">
               <a:spcBef>
                 <a:spcPts val="1000"/>
               </a:spcBef>
@@ -16265,6 +16284,15 @@
               <a:buFont typeface="Georgia"/>
               <a:buChar char="‣"/>
             </a:pPr>
+            <a:r>
+              <a:rPr lang="en-US" sz="2800" dirty="0" smtClean="0">
+                <a:latin typeface="Arial" charset="0"/>
+                <a:ea typeface="Arial" charset="0"/>
+                <a:cs typeface="Arial" charset="0"/>
+                <a:sym typeface="Georgia"/>
+              </a:rPr>
+              <a:t>(</a:t>
+            </a:r>
             <a:r>
               <a:rPr lang="en-US" sz="2800" dirty="0">
                 <a:latin typeface="Arial" charset="0"/>
@@ -16272,27 +16300,73 @@
                 <a:cs typeface="Arial" charset="0"/>
                 <a:sym typeface="Georgia"/>
               </a:rPr>
-              <a:t>Test a hypothesis within a sample case study</a:t>
-            </a:r>
-          </a:p>
-          <a:p>
-            <a:pPr marL="203200" marR="0" lvl="0" indent="-256540" algn="l" rtl="0">
-              <a:spcBef>
-                <a:spcPts val="1000"/>
-              </a:spcBef>
-              <a:buSzPct val="100000"/>
-              <a:buFont typeface="Georgia"/>
-              <a:buChar char="‣"/>
-            </a:pPr>
-            <a:r>
-              <a:rPr lang="en-US" sz="2800" dirty="0">
+              <a:t>p-values, confidence intervals</a:t>
+            </a:r>
+            <a:r>
+              <a:rPr lang="en-US" sz="2800" dirty="0" smtClean="0">
                 <a:latin typeface="Arial" charset="0"/>
                 <a:ea typeface="Arial" charset="0"/>
                 <a:cs typeface="Arial" charset="0"/>
                 <a:sym typeface="Georgia"/>
               </a:rPr>
-              <a:t>Validate your findings using statistical analysis (p-values, confidence intervals)</a:t>
-            </a:r>
+              <a:t>)</a:t>
+            </a:r>
+            <a:endParaRPr lang="en-US" sz="2800" dirty="0" smtClean="0">
+              <a:latin typeface="Arial" charset="0"/>
+              <a:ea typeface="Arial" charset="0"/>
+              <a:cs typeface="Arial" charset="0"/>
+              <a:sym typeface="Georgia"/>
+            </a:endParaRPr>
+          </a:p>
+          <a:p>
+            <a:pPr marL="203200" marR="0" lvl="0" indent="-256540" algn="l" rtl="0">
+              <a:spcBef>
+                <a:spcPts val="1000"/>
+              </a:spcBef>
+              <a:buSzPct val="100000"/>
+              <a:buFont typeface="Georgia"/>
+              <a:buChar char="‣"/>
+            </a:pPr>
+            <a:r>
+              <a:rPr lang="en-US" sz="2800" dirty="0" smtClean="0">
+                <a:latin typeface="Arial" charset="0"/>
+                <a:ea typeface="Arial" charset="0"/>
+                <a:cs typeface="Arial" charset="0"/>
+                <a:sym typeface="Georgia"/>
+              </a:rPr>
+              <a:t>Introduce Correlation and Linear Regression </a:t>
+            </a:r>
+            <a:endParaRPr lang="en-US" sz="2800" dirty="0">
+              <a:latin typeface="Arial" charset="0"/>
+              <a:ea typeface="Arial" charset="0"/>
+              <a:cs typeface="Arial" charset="0"/>
+              <a:sym typeface="Georgia"/>
+            </a:endParaRPr>
+          </a:p>
+          <a:p>
+            <a:pPr marL="203200" marR="0" lvl="0" indent="-256540" algn="l" rtl="0">
+              <a:spcBef>
+                <a:spcPts val="1000"/>
+              </a:spcBef>
+              <a:buSzPct val="100000"/>
+              <a:buFont typeface="Georgia"/>
+              <a:buChar char="‣"/>
+            </a:pPr>
+            <a:r>
+              <a:rPr lang="en-US" sz="2800" dirty="0" smtClean="0">
+                <a:latin typeface="Arial" charset="0"/>
+                <a:ea typeface="Arial" charset="0"/>
+                <a:cs typeface="Arial" charset="0"/>
+                <a:sym typeface="Georgia"/>
+              </a:rPr>
+              <a:t>Interpreting Results</a:t>
+            </a:r>
+            <a:endParaRPr lang="en-US" sz="2800" dirty="0" smtClean="0">
+              <a:latin typeface="Arial" charset="0"/>
+              <a:ea typeface="Arial" charset="0"/>
+              <a:cs typeface="Arial" charset="0"/>
+              <a:sym typeface="Georgia"/>
+            </a:endParaRPr>
           </a:p>
           <a:p>
             <a:pPr marR="0" lvl="0" algn="l" rtl="0">
@@ -16370,8 +16444,23 @@
                 <a:cs typeface="Arial" charset="0"/>
                 <a:sym typeface="Oswald"/>
               </a:rPr>
-              <a:t>LEARNING OBJECTIVES</a:t>
-            </a:r>
+              <a:t>LEARNING </a:t>
+            </a:r>
+            <a:r>
+              <a:rPr lang="en-US" sz="5400" b="1" dirty="0" smtClean="0">
+                <a:latin typeface="Arial" charset="0"/>
+                <a:ea typeface="Arial" charset="0"/>
+                <a:cs typeface="Arial" charset="0"/>
+                <a:sym typeface="Oswald"/>
+              </a:rPr>
+              <a:t>OBJECTIVES &amp; AGENDA</a:t>
+            </a:r>
+            <a:endParaRPr lang="en-US" sz="5400" b="1" dirty="0">
+              <a:latin typeface="Arial" charset="0"/>
+              <a:ea typeface="Arial" charset="0"/>
+              <a:cs typeface="Arial" charset="0"/>
+              <a:sym typeface="Oswald"/>
+            </a:endParaRPr>
           </a:p>
         </p:txBody>
       </p:sp>
@@ -20380,11 +20469,7 @@
             <a:pPr algn="ctr"/>
             <a:r>
               <a:rPr lang="en-US" sz="2400" dirty="0" smtClean="0"/>
-              <a:t>P</a:t>
-            </a:r>
-            <a:r>
-              <a:rPr lang="en-US" sz="2400" dirty="0" smtClean="0"/>
-              <a:t>ortion Size</a:t>
+              <a:t>Portion Size</a:t>
             </a:r>
             <a:endParaRPr lang="en-US" sz="2400" dirty="0"/>
           </a:p>
@@ -21448,23 +21533,8 @@
                 <a:cs typeface="Arial" charset="0"/>
                 <a:sym typeface="Georgia"/>
               </a:rPr>
-              <a:t>Can be an example of </a:t>
-            </a:r>
-            <a:r>
-              <a:rPr lang="en-US" sz="2800" dirty="0" smtClean="0">
-                <a:latin typeface="Arial" charset="0"/>
-                <a:ea typeface="Arial" charset="0"/>
-                <a:cs typeface="Arial" charset="0"/>
-                <a:sym typeface="Georgia"/>
-              </a:rPr>
-              <a:t>“moderation effect”</a:t>
-            </a:r>
-            <a:endParaRPr lang="en-US" sz="2800" dirty="0" smtClean="0">
-              <a:latin typeface="Arial" charset="0"/>
-              <a:ea typeface="Arial" charset="0"/>
-              <a:cs typeface="Arial" charset="0"/>
-              <a:sym typeface="Georgia"/>
-            </a:endParaRPr>
+              <a:t>Can be an example of “moderation effect”</a:t>
+            </a:r>
           </a:p>
           <a:p>
             <a:pPr marL="1320800" lvl="2" indent="-256540">
@@ -23625,7 +23695,51 @@
                 <a:cs typeface="Arial" charset="0"/>
                 <a:sym typeface="Georgia"/>
               </a:rPr>
-              <a:t>Research question: Is there a difference between two groups?</a:t>
+              <a:t>T-test is a common question in job interviews!</a:t>
+            </a:r>
+          </a:p>
+          <a:p>
+            <a:pPr marL="203200" marR="0" lvl="0" indent="-256540" algn="l" rtl="0">
+              <a:spcBef>
+                <a:spcPts val="0"/>
+              </a:spcBef>
+              <a:buSzPct val="100000"/>
+              <a:buFont typeface="Georgia"/>
+              <a:buChar char="‣"/>
+            </a:pPr>
+            <a:endParaRPr lang="en-US" sz="2800" dirty="0" smtClean="0">
+              <a:latin typeface="Arial" charset="0"/>
+              <a:ea typeface="Arial" charset="0"/>
+              <a:cs typeface="Arial" charset="0"/>
+              <a:sym typeface="Georgia"/>
+            </a:endParaRPr>
+          </a:p>
+          <a:p>
+            <a:pPr marL="203200" marR="0" lvl="0" indent="-256540" algn="l" rtl="0">
+              <a:spcBef>
+                <a:spcPts val="0"/>
+              </a:spcBef>
+              <a:buSzPct val="100000"/>
+              <a:buFont typeface="Georgia"/>
+              <a:buChar char="‣"/>
+            </a:pPr>
+            <a:r>
+              <a:rPr lang="en-US" sz="2800" dirty="0" smtClean="0">
+                <a:latin typeface="Arial" charset="0"/>
+                <a:ea typeface="Arial" charset="0"/>
+                <a:cs typeface="Arial" charset="0"/>
+                <a:sym typeface="Georgia"/>
+              </a:rPr>
+              <a:t>Research </a:t>
+            </a:r>
+            <a:r>
+              <a:rPr lang="en-US" sz="2800" dirty="0" smtClean="0">
+                <a:latin typeface="Arial" charset="0"/>
+                <a:ea typeface="Arial" charset="0"/>
+                <a:cs typeface="Arial" charset="0"/>
+                <a:sym typeface="Georgia"/>
+              </a:rPr>
+              <a:t>question: Is there a difference between two groups?</a:t>
             </a:r>
             <a:endParaRPr lang="en-US" sz="2800" dirty="0">
               <a:latin typeface="Arial" charset="0"/>

--- a/lessons/lesson-4/statistics-fundamentals-part-2.pptx
+++ b/lessons/lesson-4/statistics-fundamentals-part-2.pptx
@@ -5,47 +5,48 @@
     <p:sldMasterId id="2147483710" r:id="rId1"/>
   </p:sldMasterIdLst>
   <p:notesMasterIdLst>
-    <p:notesMasterId r:id="rId40"/>
+    <p:notesMasterId r:id="rId41"/>
   </p:notesMasterIdLst>
   <p:sldIdLst>
     <p:sldId id="259" r:id="rId2"/>
-    <p:sldId id="260" r:id="rId3"/>
-    <p:sldId id="263" r:id="rId4"/>
-    <p:sldId id="265" r:id="rId5"/>
-    <p:sldId id="324" r:id="rId6"/>
-    <p:sldId id="325" r:id="rId7"/>
-    <p:sldId id="326" r:id="rId8"/>
-    <p:sldId id="327" r:id="rId9"/>
-    <p:sldId id="328" r:id="rId10"/>
-    <p:sldId id="341" r:id="rId11"/>
-    <p:sldId id="329" r:id="rId12"/>
-    <p:sldId id="330" r:id="rId13"/>
-    <p:sldId id="331" r:id="rId14"/>
-    <p:sldId id="334" r:id="rId15"/>
-    <p:sldId id="335" r:id="rId16"/>
-    <p:sldId id="336" r:id="rId17"/>
-    <p:sldId id="337" r:id="rId18"/>
-    <p:sldId id="338" r:id="rId19"/>
-    <p:sldId id="339" r:id="rId20"/>
-    <p:sldId id="340" r:id="rId21"/>
-    <p:sldId id="332" r:id="rId22"/>
-    <p:sldId id="333" r:id="rId23"/>
-    <p:sldId id="266" r:id="rId24"/>
-    <p:sldId id="275" r:id="rId25"/>
-    <p:sldId id="277" r:id="rId26"/>
-    <p:sldId id="278" r:id="rId27"/>
-    <p:sldId id="280" r:id="rId28"/>
-    <p:sldId id="281" r:id="rId29"/>
-    <p:sldId id="282" r:id="rId30"/>
-    <p:sldId id="342" r:id="rId31"/>
-    <p:sldId id="343" r:id="rId32"/>
-    <p:sldId id="291" r:id="rId33"/>
-    <p:sldId id="292" r:id="rId34"/>
-    <p:sldId id="296" r:id="rId35"/>
-    <p:sldId id="318" r:id="rId36"/>
-    <p:sldId id="321" r:id="rId37"/>
-    <p:sldId id="322" r:id="rId38"/>
-    <p:sldId id="323" r:id="rId39"/>
+    <p:sldId id="344" r:id="rId3"/>
+    <p:sldId id="260" r:id="rId4"/>
+    <p:sldId id="263" r:id="rId5"/>
+    <p:sldId id="265" r:id="rId6"/>
+    <p:sldId id="324" r:id="rId7"/>
+    <p:sldId id="325" r:id="rId8"/>
+    <p:sldId id="326" r:id="rId9"/>
+    <p:sldId id="327" r:id="rId10"/>
+    <p:sldId id="328" r:id="rId11"/>
+    <p:sldId id="341" r:id="rId12"/>
+    <p:sldId id="329" r:id="rId13"/>
+    <p:sldId id="330" r:id="rId14"/>
+    <p:sldId id="331" r:id="rId15"/>
+    <p:sldId id="334" r:id="rId16"/>
+    <p:sldId id="335" r:id="rId17"/>
+    <p:sldId id="336" r:id="rId18"/>
+    <p:sldId id="337" r:id="rId19"/>
+    <p:sldId id="338" r:id="rId20"/>
+    <p:sldId id="339" r:id="rId21"/>
+    <p:sldId id="340" r:id="rId22"/>
+    <p:sldId id="332" r:id="rId23"/>
+    <p:sldId id="333" r:id="rId24"/>
+    <p:sldId id="266" r:id="rId25"/>
+    <p:sldId id="275" r:id="rId26"/>
+    <p:sldId id="277" r:id="rId27"/>
+    <p:sldId id="278" r:id="rId28"/>
+    <p:sldId id="280" r:id="rId29"/>
+    <p:sldId id="281" r:id="rId30"/>
+    <p:sldId id="282" r:id="rId31"/>
+    <p:sldId id="342" r:id="rId32"/>
+    <p:sldId id="343" r:id="rId33"/>
+    <p:sldId id="291" r:id="rId34"/>
+    <p:sldId id="292" r:id="rId35"/>
+    <p:sldId id="296" r:id="rId36"/>
+    <p:sldId id="318" r:id="rId37"/>
+    <p:sldId id="321" r:id="rId38"/>
+    <p:sldId id="322" r:id="rId39"/>
+    <p:sldId id="323" r:id="rId40"/>
   </p:sldIdLst>
   <p:sldSz cx="13004800" cy="7302500"/>
   <p:notesSz cx="6858000" cy="9144000"/>
@@ -716,6 +717,121 @@
     </p:spTree>
     <p:extLst>
       <p:ext uri="{BB962C8B-B14F-4D97-AF65-F5344CB8AC3E}">
+        <p14:creationId xmlns:p14="http://schemas.microsoft.com/office/powerpoint/2010/main" val="1018883341"/>
+      </p:ext>
+    </p:extLst>
+  </p:cSld>
+  <p:clrMapOvr>
+    <a:masterClrMapping/>
+  </p:clrMapOvr>
+</p:notes>
+</file>
+
+<file path=ppt/notesSlides/notesSlide11.xml><?xml version="1.0" encoding="utf-8"?>
+<p:notes xmlns:a="http://schemas.openxmlformats.org/drawingml/2006/main" xmlns:r="http://schemas.openxmlformats.org/officeDocument/2006/relationships" xmlns:p="http://schemas.openxmlformats.org/presentationml/2006/main" showMasterSp="0" showMasterPhAnim="0">
+  <p:cSld>
+    <p:spTree>
+      <p:nvGrpSpPr>
+        <p:cNvPr id="1" name="Shape 781"/>
+        <p:cNvGrpSpPr/>
+        <p:nvPr/>
+      </p:nvGrpSpPr>
+      <p:grpSpPr>
+        <a:xfrm>
+          <a:off x="0" y="0"/>
+          <a:ext cx="0" cy="0"/>
+          <a:chOff x="0" y="0"/>
+          <a:chExt cx="0" cy="0"/>
+        </a:xfrm>
+      </p:grpSpPr>
+      <p:sp>
+        <p:nvSpPr>
+          <p:cNvPr id="782" name="Shape 782"/>
+          <p:cNvSpPr>
+            <a:spLocks noGrp="1" noRot="1" noChangeAspect="1"/>
+          </p:cNvSpPr>
+          <p:nvPr>
+            <p:ph type="sldImg" idx="2"/>
+          </p:nvPr>
+        </p:nvSpPr>
+        <p:spPr>
+          <a:xfrm>
+            <a:off x="376238" y="685800"/>
+            <a:ext cx="6105525" cy="3429000"/>
+          </a:xfrm>
+          <a:custGeom>
+            <a:avLst/>
+            <a:gdLst/>
+            <a:ahLst/>
+            <a:cxnLst/>
+            <a:rect l="0" t="0" r="0" b="0"/>
+            <a:pathLst>
+              <a:path w="120000" h="120000" extrusionOk="0">
+                <a:moveTo>
+                  <a:pt x="0" y="0"/>
+                </a:moveTo>
+                <a:lnTo>
+                  <a:pt x="120000" y="0"/>
+                </a:lnTo>
+                <a:lnTo>
+                  <a:pt x="120000" y="120000"/>
+                </a:lnTo>
+                <a:lnTo>
+                  <a:pt x="0" y="120000"/>
+                </a:lnTo>
+                <a:close/>
+              </a:path>
+            </a:pathLst>
+          </a:custGeom>
+          <a:noFill/>
+          <a:ln>
+            <a:noFill/>
+          </a:ln>
+        </p:spPr>
+      </p:sp>
+      <p:sp>
+        <p:nvSpPr>
+          <p:cNvPr id="783" name="Shape 783"/>
+          <p:cNvSpPr txBox="1">
+            <a:spLocks noGrp="1"/>
+          </p:cNvSpPr>
+          <p:nvPr>
+            <p:ph type="body" idx="1"/>
+          </p:nvPr>
+        </p:nvSpPr>
+        <p:spPr>
+          <a:xfrm>
+            <a:off x="914400" y="4343400"/>
+            <a:ext cx="5029199" cy="4114800"/>
+          </a:xfrm>
+          <a:prstGeom prst="rect">
+            <a:avLst/>
+          </a:prstGeom>
+          <a:noFill/>
+          <a:ln>
+            <a:noFill/>
+          </a:ln>
+        </p:spPr>
+        <p:txBody>
+          <a:bodyPr lIns="91425" tIns="45700" rIns="91425" bIns="45700" anchor="t" anchorCtr="0">
+            <a:noAutofit/>
+          </a:bodyPr>
+          <a:lstStyle/>
+          <a:p>
+            <a:pPr marL="0" marR="0" lvl="0" indent="0" algn="l" rtl="0">
+              <a:spcBef>
+                <a:spcPts val="0"/>
+              </a:spcBef>
+              <a:buSzPct val="25000"/>
+              <a:buNone/>
+            </a:pPr>
+            <a:endParaRPr/>
+          </a:p>
+        </p:txBody>
+      </p:sp>
+    </p:spTree>
+    <p:extLst>
+      <p:ext uri="{BB962C8B-B14F-4D97-AF65-F5344CB8AC3E}">
         <p14:creationId xmlns:p14="http://schemas.microsoft.com/office/powerpoint/2010/main" val="1152769648"/>
       </p:ext>
     </p:extLst>
@@ -726,7 +842,7 @@
 </p:notes>
 </file>
 
-<file path=ppt/notesSlides/notesSlide11.xml><?xml version="1.0" encoding="utf-8"?>
+<file path=ppt/notesSlides/notesSlide12.xml><?xml version="1.0" encoding="utf-8"?>
 <p:notes xmlns:a="http://schemas.openxmlformats.org/drawingml/2006/main" xmlns:r="http://schemas.openxmlformats.org/officeDocument/2006/relationships" xmlns:p="http://schemas.openxmlformats.org/presentationml/2006/main" showMasterSp="0" showMasterPhAnim="0">
   <p:cSld>
     <p:spTree>
@@ -832,7 +948,7 @@
 </p:notes>
 </file>
 
-<file path=ppt/notesSlides/notesSlide12.xml><?xml version="1.0" encoding="utf-8"?>
+<file path=ppt/notesSlides/notesSlide13.xml><?xml version="1.0" encoding="utf-8"?>
 <p:notes xmlns:a="http://schemas.openxmlformats.org/drawingml/2006/main" xmlns:r="http://schemas.openxmlformats.org/officeDocument/2006/relationships" xmlns:p="http://schemas.openxmlformats.org/presentationml/2006/main" showMasterSp="0" showMasterPhAnim="0">
   <p:cSld>
     <p:spTree>
@@ -947,7 +1063,7 @@
 </p:notes>
 </file>
 
-<file path=ppt/notesSlides/notesSlide13.xml><?xml version="1.0" encoding="utf-8"?>
+<file path=ppt/notesSlides/notesSlide14.xml><?xml version="1.0" encoding="utf-8"?>
 <p:notes xmlns:a="http://schemas.openxmlformats.org/drawingml/2006/main" xmlns:r="http://schemas.openxmlformats.org/officeDocument/2006/relationships" xmlns:p="http://schemas.openxmlformats.org/presentationml/2006/main" showMasterSp="0" showMasterPhAnim="0">
   <p:cSld>
     <p:spTree>
@@ -1053,7 +1169,7 @@
 </p:notes>
 </file>
 
-<file path=ppt/notesSlides/notesSlide14.xml><?xml version="1.0" encoding="utf-8"?>
+<file path=ppt/notesSlides/notesSlide15.xml><?xml version="1.0" encoding="utf-8"?>
 <p:notes xmlns:a="http://schemas.openxmlformats.org/drawingml/2006/main" xmlns:r="http://schemas.openxmlformats.org/officeDocument/2006/relationships" xmlns:p="http://schemas.openxmlformats.org/presentationml/2006/main" showMasterSp="0" showMasterPhAnim="0">
   <p:cSld>
     <p:spTree>
@@ -1150,121 +1266,6 @@
     <p:extLst>
       <p:ext uri="{BB962C8B-B14F-4D97-AF65-F5344CB8AC3E}">
         <p14:creationId xmlns:p14="http://schemas.microsoft.com/office/powerpoint/2010/main" val="1147591438"/>
-      </p:ext>
-    </p:extLst>
-  </p:cSld>
-  <p:clrMapOvr>
-    <a:masterClrMapping/>
-  </p:clrMapOvr>
-</p:notes>
-</file>
-
-<file path=ppt/notesSlides/notesSlide15.xml><?xml version="1.0" encoding="utf-8"?>
-<p:notes xmlns:a="http://schemas.openxmlformats.org/drawingml/2006/main" xmlns:r="http://schemas.openxmlformats.org/officeDocument/2006/relationships" xmlns:p="http://schemas.openxmlformats.org/presentationml/2006/main" showMasterSp="0" showMasterPhAnim="0">
-  <p:cSld>
-    <p:spTree>
-      <p:nvGrpSpPr>
-        <p:cNvPr id="1" name="Shape 793"/>
-        <p:cNvGrpSpPr/>
-        <p:nvPr/>
-      </p:nvGrpSpPr>
-      <p:grpSpPr>
-        <a:xfrm>
-          <a:off x="0" y="0"/>
-          <a:ext cx="0" cy="0"/>
-          <a:chOff x="0" y="0"/>
-          <a:chExt cx="0" cy="0"/>
-        </a:xfrm>
-      </p:grpSpPr>
-      <p:sp>
-        <p:nvSpPr>
-          <p:cNvPr id="794" name="Shape 794"/>
-          <p:cNvSpPr>
-            <a:spLocks noGrp="1" noRot="1" noChangeAspect="1"/>
-          </p:cNvSpPr>
-          <p:nvPr>
-            <p:ph type="sldImg" idx="2"/>
-          </p:nvPr>
-        </p:nvSpPr>
-        <p:spPr>
-          <a:xfrm>
-            <a:off x="376238" y="685800"/>
-            <a:ext cx="6105525" cy="3429000"/>
-          </a:xfrm>
-          <a:custGeom>
-            <a:avLst/>
-            <a:gdLst/>
-            <a:ahLst/>
-            <a:cxnLst/>
-            <a:rect l="0" t="0" r="0" b="0"/>
-            <a:pathLst>
-              <a:path w="120000" h="120000" extrusionOk="0">
-                <a:moveTo>
-                  <a:pt x="0" y="0"/>
-                </a:moveTo>
-                <a:lnTo>
-                  <a:pt x="120000" y="0"/>
-                </a:lnTo>
-                <a:lnTo>
-                  <a:pt x="120000" y="120000"/>
-                </a:lnTo>
-                <a:lnTo>
-                  <a:pt x="0" y="120000"/>
-                </a:lnTo>
-                <a:close/>
-              </a:path>
-            </a:pathLst>
-          </a:custGeom>
-          <a:noFill/>
-          <a:ln>
-            <a:noFill/>
-          </a:ln>
-        </p:spPr>
-      </p:sp>
-      <p:sp>
-        <p:nvSpPr>
-          <p:cNvPr id="795" name="Shape 795"/>
-          <p:cNvSpPr txBox="1">
-            <a:spLocks noGrp="1"/>
-          </p:cNvSpPr>
-          <p:nvPr>
-            <p:ph type="body" idx="1"/>
-          </p:nvPr>
-        </p:nvSpPr>
-        <p:spPr>
-          <a:xfrm>
-            <a:off x="914400" y="4343400"/>
-            <a:ext cx="5029199" cy="4114800"/>
-          </a:xfrm>
-          <a:prstGeom prst="rect">
-            <a:avLst/>
-          </a:prstGeom>
-          <a:noFill/>
-          <a:ln>
-            <a:noFill/>
-          </a:ln>
-        </p:spPr>
-        <p:txBody>
-          <a:bodyPr lIns="91425" tIns="45700" rIns="91425" bIns="45700" anchor="t" anchorCtr="0">
-            <a:noAutofit/>
-          </a:bodyPr>
-          <a:lstStyle/>
-          <a:p>
-            <a:pPr marL="0" marR="0" lvl="0" indent="0" algn="l" rtl="0">
-              <a:spcBef>
-                <a:spcPts val="0"/>
-              </a:spcBef>
-              <a:buSzPct val="25000"/>
-              <a:buNone/>
-            </a:pPr>
-            <a:endParaRPr/>
-          </a:p>
-        </p:txBody>
-      </p:sp>
-    </p:spTree>
-    <p:extLst>
-      <p:ext uri="{BB962C8B-B14F-4D97-AF65-F5344CB8AC3E}">
-        <p14:creationId xmlns:p14="http://schemas.microsoft.com/office/powerpoint/2010/main" val="1854948471"/>
       </p:ext>
     </p:extLst>
   </p:cSld>
@@ -1379,7 +1380,7 @@
     </p:spTree>
     <p:extLst>
       <p:ext uri="{BB962C8B-B14F-4D97-AF65-F5344CB8AC3E}">
-        <p14:creationId xmlns:p14="http://schemas.microsoft.com/office/powerpoint/2010/main" val="268998715"/>
+        <p14:creationId xmlns:p14="http://schemas.microsoft.com/office/powerpoint/2010/main" val="1854948471"/>
       </p:ext>
     </p:extLst>
   </p:cSld>
@@ -1494,7 +1495,7 @@
     </p:spTree>
     <p:extLst>
       <p:ext uri="{BB962C8B-B14F-4D97-AF65-F5344CB8AC3E}">
-        <p14:creationId xmlns:p14="http://schemas.microsoft.com/office/powerpoint/2010/main" val="750123314"/>
+        <p14:creationId xmlns:p14="http://schemas.microsoft.com/office/powerpoint/2010/main" val="268998715"/>
       </p:ext>
     </p:extLst>
   </p:cSld>
@@ -1609,7 +1610,7 @@
     </p:spTree>
     <p:extLst>
       <p:ext uri="{BB962C8B-B14F-4D97-AF65-F5344CB8AC3E}">
-        <p14:creationId xmlns:p14="http://schemas.microsoft.com/office/powerpoint/2010/main" val="392832272"/>
+        <p14:creationId xmlns:p14="http://schemas.microsoft.com/office/powerpoint/2010/main" val="750123314"/>
       </p:ext>
     </p:extLst>
   </p:cSld>
@@ -1724,7 +1725,7 @@
     </p:spTree>
     <p:extLst>
       <p:ext uri="{BB962C8B-B14F-4D97-AF65-F5344CB8AC3E}">
-        <p14:creationId xmlns:p14="http://schemas.microsoft.com/office/powerpoint/2010/main" val="256762083"/>
+        <p14:creationId xmlns:p14="http://schemas.microsoft.com/office/powerpoint/2010/main" val="392832272"/>
       </p:ext>
     </p:extLst>
   </p:cSld>
@@ -1739,7 +1740,7 @@
   <p:cSld>
     <p:spTree>
       <p:nvGrpSpPr>
-        <p:cNvPr id="1" name="Shape 436"/>
+        <p:cNvPr id="1" name="Shape 430"/>
         <p:cNvGrpSpPr/>
         <p:nvPr/>
       </p:nvGrpSpPr>
@@ -1753,7 +1754,42 @@
       </p:grpSpPr>
       <p:sp>
         <p:nvSpPr>
-          <p:cNvPr id="437" name="Shape 437"/>
+          <p:cNvPr id="431" name="Shape 431"/>
+          <p:cNvSpPr txBox="1">
+            <a:spLocks noGrp="1"/>
+          </p:cNvSpPr>
+          <p:nvPr>
+            <p:ph type="body" idx="1"/>
+          </p:nvPr>
+        </p:nvSpPr>
+        <p:spPr>
+          <a:xfrm>
+            <a:off x="914400" y="4343400"/>
+            <a:ext cx="5029199" cy="4114800"/>
+          </a:xfrm>
+          <a:prstGeom prst="rect">
+            <a:avLst/>
+          </a:prstGeom>
+        </p:spPr>
+        <p:txBody>
+          <a:bodyPr lIns="91425" tIns="91425" rIns="91425" bIns="91425" anchor="t" anchorCtr="0">
+            <a:noAutofit/>
+          </a:bodyPr>
+          <a:lstStyle/>
+          <a:p>
+            <a:pPr lvl="0">
+              <a:spcBef>
+                <a:spcPts val="0"/>
+              </a:spcBef>
+              <a:buNone/>
+            </a:pPr>
+            <a:endParaRPr/>
+          </a:p>
+        </p:txBody>
+      </p:sp>
+      <p:sp>
+        <p:nvSpPr>
+          <p:cNvPr id="432" name="Shape 432"/>
           <p:cNvSpPr>
             <a:spLocks noGrp="1" noRot="1" noChangeAspect="1"/>
           </p:cNvSpPr>
@@ -1790,53 +1826,14 @@
               </a:path>
             </a:pathLst>
           </a:custGeom>
-          <a:noFill/>
-          <a:ln>
-            <a:noFill/>
-          </a:ln>
-        </p:spPr>
-      </p:sp>
-      <p:sp>
-        <p:nvSpPr>
-          <p:cNvPr id="438" name="Shape 438"/>
-          <p:cNvSpPr txBox="1">
-            <a:spLocks noGrp="1"/>
-          </p:cNvSpPr>
-          <p:nvPr>
-            <p:ph type="body" idx="1"/>
-          </p:nvPr>
-        </p:nvSpPr>
-        <p:spPr>
-          <a:xfrm>
-            <a:off x="914400" y="4343400"/>
-            <a:ext cx="5029199" cy="4114800"/>
-          </a:xfrm>
-          <a:prstGeom prst="rect">
-            <a:avLst/>
-          </a:prstGeom>
-          <a:noFill/>
-          <a:ln>
-            <a:noFill/>
-          </a:ln>
-        </p:spPr>
-        <p:txBody>
-          <a:bodyPr lIns="91425" tIns="45700" rIns="91425" bIns="45700" anchor="t" anchorCtr="0">
-            <a:noAutofit/>
-          </a:bodyPr>
-          <a:lstStyle/>
-          <a:p>
-            <a:pPr marL="0" marR="0" lvl="0" indent="0" algn="l" rtl="0">
-              <a:spcBef>
-                <a:spcPts val="0"/>
-              </a:spcBef>
-              <a:buSzPct val="25000"/>
-              <a:buNone/>
-            </a:pPr>
-            <a:endParaRPr/>
-          </a:p>
-        </p:txBody>
+        </p:spPr>
       </p:sp>
     </p:spTree>
+    <p:extLst>
+      <p:ext uri="{BB962C8B-B14F-4D97-AF65-F5344CB8AC3E}">
+        <p14:creationId xmlns:p14="http://schemas.microsoft.com/office/powerpoint/2010/main" val="1164172291"/>
+      </p:ext>
+    </p:extLst>
   </p:cSld>
   <p:clrMapOvr>
     <a:masterClrMapping/>
@@ -1949,6 +1946,121 @@
     </p:spTree>
     <p:extLst>
       <p:ext uri="{BB962C8B-B14F-4D97-AF65-F5344CB8AC3E}">
+        <p14:creationId xmlns:p14="http://schemas.microsoft.com/office/powerpoint/2010/main" val="256762083"/>
+      </p:ext>
+    </p:extLst>
+  </p:cSld>
+  <p:clrMapOvr>
+    <a:masterClrMapping/>
+  </p:clrMapOvr>
+</p:notes>
+</file>
+
+<file path=ppt/notesSlides/notesSlide21.xml><?xml version="1.0" encoding="utf-8"?>
+<p:notes xmlns:a="http://schemas.openxmlformats.org/drawingml/2006/main" xmlns:r="http://schemas.openxmlformats.org/officeDocument/2006/relationships" xmlns:p="http://schemas.openxmlformats.org/presentationml/2006/main" showMasterSp="0" showMasterPhAnim="0">
+  <p:cSld>
+    <p:spTree>
+      <p:nvGrpSpPr>
+        <p:cNvPr id="1" name="Shape 793"/>
+        <p:cNvGrpSpPr/>
+        <p:nvPr/>
+      </p:nvGrpSpPr>
+      <p:grpSpPr>
+        <a:xfrm>
+          <a:off x="0" y="0"/>
+          <a:ext cx="0" cy="0"/>
+          <a:chOff x="0" y="0"/>
+          <a:chExt cx="0" cy="0"/>
+        </a:xfrm>
+      </p:grpSpPr>
+      <p:sp>
+        <p:nvSpPr>
+          <p:cNvPr id="794" name="Shape 794"/>
+          <p:cNvSpPr>
+            <a:spLocks noGrp="1" noRot="1" noChangeAspect="1"/>
+          </p:cNvSpPr>
+          <p:nvPr>
+            <p:ph type="sldImg" idx="2"/>
+          </p:nvPr>
+        </p:nvSpPr>
+        <p:spPr>
+          <a:xfrm>
+            <a:off x="376238" y="685800"/>
+            <a:ext cx="6105525" cy="3429000"/>
+          </a:xfrm>
+          <a:custGeom>
+            <a:avLst/>
+            <a:gdLst/>
+            <a:ahLst/>
+            <a:cxnLst/>
+            <a:rect l="0" t="0" r="0" b="0"/>
+            <a:pathLst>
+              <a:path w="120000" h="120000" extrusionOk="0">
+                <a:moveTo>
+                  <a:pt x="0" y="0"/>
+                </a:moveTo>
+                <a:lnTo>
+                  <a:pt x="120000" y="0"/>
+                </a:lnTo>
+                <a:lnTo>
+                  <a:pt x="120000" y="120000"/>
+                </a:lnTo>
+                <a:lnTo>
+                  <a:pt x="0" y="120000"/>
+                </a:lnTo>
+                <a:close/>
+              </a:path>
+            </a:pathLst>
+          </a:custGeom>
+          <a:noFill/>
+          <a:ln>
+            <a:noFill/>
+          </a:ln>
+        </p:spPr>
+      </p:sp>
+      <p:sp>
+        <p:nvSpPr>
+          <p:cNvPr id="795" name="Shape 795"/>
+          <p:cNvSpPr txBox="1">
+            <a:spLocks noGrp="1"/>
+          </p:cNvSpPr>
+          <p:nvPr>
+            <p:ph type="body" idx="1"/>
+          </p:nvPr>
+        </p:nvSpPr>
+        <p:spPr>
+          <a:xfrm>
+            <a:off x="914400" y="4343400"/>
+            <a:ext cx="5029199" cy="4114800"/>
+          </a:xfrm>
+          <a:prstGeom prst="rect">
+            <a:avLst/>
+          </a:prstGeom>
+          <a:noFill/>
+          <a:ln>
+            <a:noFill/>
+          </a:ln>
+        </p:spPr>
+        <p:txBody>
+          <a:bodyPr lIns="91425" tIns="45700" rIns="91425" bIns="45700" anchor="t" anchorCtr="0">
+            <a:noAutofit/>
+          </a:bodyPr>
+          <a:lstStyle/>
+          <a:p>
+            <a:pPr marL="0" marR="0" lvl="0" indent="0" algn="l" rtl="0">
+              <a:spcBef>
+                <a:spcPts val="0"/>
+              </a:spcBef>
+              <a:buSzPct val="25000"/>
+              <a:buNone/>
+            </a:pPr>
+            <a:endParaRPr/>
+          </a:p>
+        </p:txBody>
+      </p:sp>
+    </p:spTree>
+    <p:extLst>
+      <p:ext uri="{BB962C8B-B14F-4D97-AF65-F5344CB8AC3E}">
         <p14:creationId xmlns:p14="http://schemas.microsoft.com/office/powerpoint/2010/main" val="577337327"/>
       </p:ext>
     </p:extLst>
@@ -1959,7 +2071,7 @@
 </p:notes>
 </file>
 
-<file path=ppt/notesSlides/notesSlide21.xml><?xml version="1.0" encoding="utf-8"?>
+<file path=ppt/notesSlides/notesSlide22.xml><?xml version="1.0" encoding="utf-8"?>
 <p:notes xmlns:a="http://schemas.openxmlformats.org/drawingml/2006/main" xmlns:r="http://schemas.openxmlformats.org/officeDocument/2006/relationships" xmlns:p="http://schemas.openxmlformats.org/presentationml/2006/main" showMasterSp="0" showMasterPhAnim="0">
   <p:cSld>
     <p:spTree>
@@ -2065,7 +2177,7 @@
 </p:notes>
 </file>
 
-<file path=ppt/notesSlides/notesSlide22.xml><?xml version="1.0" encoding="utf-8"?>
+<file path=ppt/notesSlides/notesSlide23.xml><?xml version="1.0" encoding="utf-8"?>
 <p:notes xmlns:a="http://schemas.openxmlformats.org/drawingml/2006/main" xmlns:r="http://schemas.openxmlformats.org/officeDocument/2006/relationships" xmlns:p="http://schemas.openxmlformats.org/presentationml/2006/main" showMasterSp="0" showMasterPhAnim="0">
   <p:cSld>
     <p:spTree>
@@ -2171,7 +2283,7 @@
 </p:notes>
 </file>
 
-<file path=ppt/notesSlides/notesSlide23.xml><?xml version="1.0" encoding="utf-8"?>
+<file path=ppt/notesSlides/notesSlide24.xml><?xml version="1.0" encoding="utf-8"?>
 <p:notes xmlns:a="http://schemas.openxmlformats.org/drawingml/2006/main" xmlns:r="http://schemas.openxmlformats.org/officeDocument/2006/relationships" xmlns:p="http://schemas.openxmlformats.org/presentationml/2006/main" showMasterSp="0" showMasterPhAnim="0">
   <p:cSld>
     <p:spTree>
@@ -2272,7 +2384,7 @@
 </p:notes>
 </file>
 
-<file path=ppt/notesSlides/notesSlide24.xml><?xml version="1.0" encoding="utf-8"?>
+<file path=ppt/notesSlides/notesSlide25.xml><?xml version="1.0" encoding="utf-8"?>
 <p:notes xmlns:a="http://schemas.openxmlformats.org/drawingml/2006/main" xmlns:r="http://schemas.openxmlformats.org/officeDocument/2006/relationships" xmlns:p="http://schemas.openxmlformats.org/presentationml/2006/main" showMasterSp="0" showMasterPhAnim="0">
   <p:cSld>
     <p:spTree>
@@ -2382,7 +2494,7 @@
 </p:notes>
 </file>
 
-<file path=ppt/notesSlides/notesSlide25.xml><?xml version="1.0" encoding="utf-8"?>
+<file path=ppt/notesSlides/notesSlide26.xml><?xml version="1.0" encoding="utf-8"?>
 <p:notes xmlns:a="http://schemas.openxmlformats.org/drawingml/2006/main" xmlns:r="http://schemas.openxmlformats.org/officeDocument/2006/relationships" xmlns:p="http://schemas.openxmlformats.org/presentationml/2006/main" showMasterSp="0" showMasterPhAnim="0">
   <p:cSld>
     <p:spTree>
@@ -2492,7 +2604,7 @@
 </p:notes>
 </file>
 
-<file path=ppt/notesSlides/notesSlide26.xml><?xml version="1.0" encoding="utf-8"?>
+<file path=ppt/notesSlides/notesSlide27.xml><?xml version="1.0" encoding="utf-8"?>
 <p:notes xmlns:a="http://schemas.openxmlformats.org/drawingml/2006/main" xmlns:r="http://schemas.openxmlformats.org/officeDocument/2006/relationships" xmlns:p="http://schemas.openxmlformats.org/presentationml/2006/main" showMasterSp="0" showMasterPhAnim="0">
   <p:cSld>
     <p:spTree>
@@ -2602,7 +2714,7 @@
 </p:notes>
 </file>
 
-<file path=ppt/notesSlides/notesSlide27.xml><?xml version="1.0" encoding="utf-8"?>
+<file path=ppt/notesSlides/notesSlide28.xml><?xml version="1.0" encoding="utf-8"?>
 <p:notes xmlns:a="http://schemas.openxmlformats.org/drawingml/2006/main" xmlns:r="http://schemas.openxmlformats.org/officeDocument/2006/relationships" xmlns:p="http://schemas.openxmlformats.org/presentationml/2006/main" showMasterSp="0" showMasterPhAnim="0">
   <p:cSld>
     <p:spTree>
@@ -2703,7 +2815,7 @@
 </p:notes>
 </file>
 
-<file path=ppt/notesSlides/notesSlide28.xml><?xml version="1.0" encoding="utf-8"?>
+<file path=ppt/notesSlides/notesSlide29.xml><?xml version="1.0" encoding="utf-8"?>
 <p:notes xmlns:a="http://schemas.openxmlformats.org/drawingml/2006/main" xmlns:r="http://schemas.openxmlformats.org/officeDocument/2006/relationships" xmlns:p="http://schemas.openxmlformats.org/presentationml/2006/main" showMasterSp="0" showMasterPhAnim="0">
   <p:cSld>
     <p:spTree>
@@ -2813,12 +2925,12 @@
 </p:notes>
 </file>
 
-<file path=ppt/notesSlides/notesSlide29.xml><?xml version="1.0" encoding="utf-8"?>
+<file path=ppt/notesSlides/notesSlide3.xml><?xml version="1.0" encoding="utf-8"?>
 <p:notes xmlns:a="http://schemas.openxmlformats.org/drawingml/2006/main" xmlns:r="http://schemas.openxmlformats.org/officeDocument/2006/relationships" xmlns:p="http://schemas.openxmlformats.org/presentationml/2006/main" showMasterSp="0" showMasterPhAnim="0">
   <p:cSld>
     <p:spTree>
       <p:nvGrpSpPr>
-        <p:cNvPr id="1" name="Shape 576"/>
+        <p:cNvPr id="1" name="Shape 436"/>
         <p:cNvGrpSpPr/>
         <p:nvPr/>
       </p:nvGrpSpPr>
@@ -2832,7 +2944,7 @@
       </p:grpSpPr>
       <p:sp>
         <p:nvSpPr>
-          <p:cNvPr id="577" name="Shape 577"/>
+          <p:cNvPr id="437" name="Shape 437"/>
           <p:cNvSpPr>
             <a:spLocks noGrp="1" noRot="1" noChangeAspect="1"/>
           </p:cNvSpPr>
@@ -2877,7 +2989,7 @@
       </p:sp>
       <p:sp>
         <p:nvSpPr>
-          <p:cNvPr id="578" name="Shape 578"/>
+          <p:cNvPr id="438" name="Shape 438"/>
           <p:cNvSpPr txBox="1">
             <a:spLocks noGrp="1"/>
           </p:cNvSpPr>
@@ -2914,107 +3026,6 @@
             <a:endParaRPr/>
           </a:p>
         </p:txBody>
-      </p:sp>
-    </p:spTree>
-  </p:cSld>
-  <p:clrMapOvr>
-    <a:masterClrMapping/>
-  </p:clrMapOvr>
-</p:notes>
-</file>
-
-<file path=ppt/notesSlides/notesSlide3.xml><?xml version="1.0" encoding="utf-8"?>
-<p:notes xmlns:a="http://schemas.openxmlformats.org/drawingml/2006/main" xmlns:r="http://schemas.openxmlformats.org/officeDocument/2006/relationships" xmlns:p="http://schemas.openxmlformats.org/presentationml/2006/main" showMasterSp="0" showMasterPhAnim="0">
-  <p:cSld>
-    <p:spTree>
-      <p:nvGrpSpPr>
-        <p:cNvPr id="1" name="Shape 455"/>
-        <p:cNvGrpSpPr/>
-        <p:nvPr/>
-      </p:nvGrpSpPr>
-      <p:grpSpPr>
-        <a:xfrm>
-          <a:off x="0" y="0"/>
-          <a:ext cx="0" cy="0"/>
-          <a:chOff x="0" y="0"/>
-          <a:chExt cx="0" cy="0"/>
-        </a:xfrm>
-      </p:grpSpPr>
-      <p:sp>
-        <p:nvSpPr>
-          <p:cNvPr id="456" name="Shape 456"/>
-          <p:cNvSpPr txBox="1">
-            <a:spLocks noGrp="1"/>
-          </p:cNvSpPr>
-          <p:nvPr>
-            <p:ph type="body" idx="1"/>
-          </p:nvPr>
-        </p:nvSpPr>
-        <p:spPr>
-          <a:xfrm>
-            <a:off x="914400" y="4343400"/>
-            <a:ext cx="5029199" cy="4114800"/>
-          </a:xfrm>
-          <a:prstGeom prst="rect">
-            <a:avLst/>
-          </a:prstGeom>
-        </p:spPr>
-        <p:txBody>
-          <a:bodyPr lIns="91425" tIns="91425" rIns="91425" bIns="91425" anchor="t" anchorCtr="0">
-            <a:noAutofit/>
-          </a:bodyPr>
-          <a:lstStyle/>
-          <a:p>
-            <a:pPr lvl="0">
-              <a:spcBef>
-                <a:spcPts val="0"/>
-              </a:spcBef>
-              <a:buNone/>
-            </a:pPr>
-            <a:endParaRPr/>
-          </a:p>
-        </p:txBody>
-      </p:sp>
-      <p:sp>
-        <p:nvSpPr>
-          <p:cNvPr id="457" name="Shape 457"/>
-          <p:cNvSpPr>
-            <a:spLocks noGrp="1" noRot="1" noChangeAspect="1"/>
-          </p:cNvSpPr>
-          <p:nvPr>
-            <p:ph type="sldImg" idx="2"/>
-          </p:nvPr>
-        </p:nvSpPr>
-        <p:spPr>
-          <a:xfrm>
-            <a:off x="376238" y="685800"/>
-            <a:ext cx="6105525" cy="3429000"/>
-          </a:xfrm>
-          <a:custGeom>
-            <a:avLst/>
-            <a:gdLst/>
-            <a:ahLst/>
-            <a:cxnLst/>
-            <a:rect l="0" t="0" r="0" b="0"/>
-            <a:pathLst>
-              <a:path w="120000" h="120000" extrusionOk="0">
-                <a:moveTo>
-                  <a:pt x="0" y="0"/>
-                </a:moveTo>
-                <a:lnTo>
-                  <a:pt x="120000" y="0"/>
-                </a:lnTo>
-                <a:lnTo>
-                  <a:pt x="120000" y="120000"/>
-                </a:lnTo>
-                <a:lnTo>
-                  <a:pt x="0" y="120000"/>
-                </a:lnTo>
-                <a:close/>
-              </a:path>
-            </a:pathLst>
-          </a:custGeom>
-        </p:spPr>
       </p:sp>
     </p:spTree>
   </p:cSld>
@@ -3127,11 +3138,6 @@
         </p:txBody>
       </p:sp>
     </p:spTree>
-    <p:extLst>
-      <p:ext uri="{BB962C8B-B14F-4D97-AF65-F5344CB8AC3E}">
-        <p14:creationId xmlns:p14="http://schemas.microsoft.com/office/powerpoint/2010/main" val="1064270525"/>
-      </p:ext>
-    </p:extLst>
   </p:cSld>
   <p:clrMapOvr>
     <a:masterClrMapping/>
@@ -3244,6 +3250,121 @@
     </p:spTree>
     <p:extLst>
       <p:ext uri="{BB962C8B-B14F-4D97-AF65-F5344CB8AC3E}">
+        <p14:creationId xmlns:p14="http://schemas.microsoft.com/office/powerpoint/2010/main" val="1064270525"/>
+      </p:ext>
+    </p:extLst>
+  </p:cSld>
+  <p:clrMapOvr>
+    <a:masterClrMapping/>
+  </p:clrMapOvr>
+</p:notes>
+</file>
+
+<file path=ppt/notesSlides/notesSlide32.xml><?xml version="1.0" encoding="utf-8"?>
+<p:notes xmlns:a="http://schemas.openxmlformats.org/drawingml/2006/main" xmlns:r="http://schemas.openxmlformats.org/officeDocument/2006/relationships" xmlns:p="http://schemas.openxmlformats.org/presentationml/2006/main" showMasterSp="0" showMasterPhAnim="0">
+  <p:cSld>
+    <p:spTree>
+      <p:nvGrpSpPr>
+        <p:cNvPr id="1" name="Shape 576"/>
+        <p:cNvGrpSpPr/>
+        <p:nvPr/>
+      </p:nvGrpSpPr>
+      <p:grpSpPr>
+        <a:xfrm>
+          <a:off x="0" y="0"/>
+          <a:ext cx="0" cy="0"/>
+          <a:chOff x="0" y="0"/>
+          <a:chExt cx="0" cy="0"/>
+        </a:xfrm>
+      </p:grpSpPr>
+      <p:sp>
+        <p:nvSpPr>
+          <p:cNvPr id="577" name="Shape 577"/>
+          <p:cNvSpPr>
+            <a:spLocks noGrp="1" noRot="1" noChangeAspect="1"/>
+          </p:cNvSpPr>
+          <p:nvPr>
+            <p:ph type="sldImg" idx="2"/>
+          </p:nvPr>
+        </p:nvSpPr>
+        <p:spPr>
+          <a:xfrm>
+            <a:off x="376238" y="685800"/>
+            <a:ext cx="6105525" cy="3429000"/>
+          </a:xfrm>
+          <a:custGeom>
+            <a:avLst/>
+            <a:gdLst/>
+            <a:ahLst/>
+            <a:cxnLst/>
+            <a:rect l="0" t="0" r="0" b="0"/>
+            <a:pathLst>
+              <a:path w="120000" h="120000" extrusionOk="0">
+                <a:moveTo>
+                  <a:pt x="0" y="0"/>
+                </a:moveTo>
+                <a:lnTo>
+                  <a:pt x="120000" y="0"/>
+                </a:lnTo>
+                <a:lnTo>
+                  <a:pt x="120000" y="120000"/>
+                </a:lnTo>
+                <a:lnTo>
+                  <a:pt x="0" y="120000"/>
+                </a:lnTo>
+                <a:close/>
+              </a:path>
+            </a:pathLst>
+          </a:custGeom>
+          <a:noFill/>
+          <a:ln>
+            <a:noFill/>
+          </a:ln>
+        </p:spPr>
+      </p:sp>
+      <p:sp>
+        <p:nvSpPr>
+          <p:cNvPr id="578" name="Shape 578"/>
+          <p:cNvSpPr txBox="1">
+            <a:spLocks noGrp="1"/>
+          </p:cNvSpPr>
+          <p:nvPr>
+            <p:ph type="body" idx="1"/>
+          </p:nvPr>
+        </p:nvSpPr>
+        <p:spPr>
+          <a:xfrm>
+            <a:off x="914400" y="4343400"/>
+            <a:ext cx="5029199" cy="4114800"/>
+          </a:xfrm>
+          <a:prstGeom prst="rect">
+            <a:avLst/>
+          </a:prstGeom>
+          <a:noFill/>
+          <a:ln>
+            <a:noFill/>
+          </a:ln>
+        </p:spPr>
+        <p:txBody>
+          <a:bodyPr lIns="91425" tIns="45700" rIns="91425" bIns="45700" anchor="t" anchorCtr="0">
+            <a:noAutofit/>
+          </a:bodyPr>
+          <a:lstStyle/>
+          <a:p>
+            <a:pPr marL="0" marR="0" lvl="0" indent="0" algn="l" rtl="0">
+              <a:spcBef>
+                <a:spcPts val="0"/>
+              </a:spcBef>
+              <a:buSzPct val="25000"/>
+              <a:buNone/>
+            </a:pPr>
+            <a:endParaRPr/>
+          </a:p>
+        </p:txBody>
+      </p:sp>
+    </p:spTree>
+    <p:extLst>
+      <p:ext uri="{BB962C8B-B14F-4D97-AF65-F5344CB8AC3E}">
         <p14:creationId xmlns:p14="http://schemas.microsoft.com/office/powerpoint/2010/main" val="394416609"/>
       </p:ext>
     </p:extLst>
@@ -3254,7 +3375,7 @@
 </p:notes>
 </file>
 
-<file path=ppt/notesSlides/notesSlide32.xml><?xml version="1.0" encoding="utf-8"?>
+<file path=ppt/notesSlides/notesSlide33.xml><?xml version="1.0" encoding="utf-8"?>
 <p:notes xmlns:a="http://schemas.openxmlformats.org/drawingml/2006/main" xmlns:r="http://schemas.openxmlformats.org/officeDocument/2006/relationships" xmlns:p="http://schemas.openxmlformats.org/presentationml/2006/main" showMasterSp="0" showMasterPhAnim="0">
   <p:cSld>
     <p:spTree>
@@ -3355,7 +3476,7 @@
 </p:notes>
 </file>
 
-<file path=ppt/notesSlides/notesSlide33.xml><?xml version="1.0" encoding="utf-8"?>
+<file path=ppt/notesSlides/notesSlide34.xml><?xml version="1.0" encoding="utf-8"?>
 <p:notes xmlns:a="http://schemas.openxmlformats.org/drawingml/2006/main" xmlns:r="http://schemas.openxmlformats.org/officeDocument/2006/relationships" xmlns:p="http://schemas.openxmlformats.org/presentationml/2006/main" showMasterSp="0" showMasterPhAnim="0">
   <p:cSld>
     <p:spTree>
@@ -3465,7 +3586,7 @@
 </p:notes>
 </file>
 
-<file path=ppt/notesSlides/notesSlide34.xml><?xml version="1.0" encoding="utf-8"?>
+<file path=ppt/notesSlides/notesSlide35.xml><?xml version="1.0" encoding="utf-8"?>
 <p:notes xmlns:a="http://schemas.openxmlformats.org/drawingml/2006/main" xmlns:r="http://schemas.openxmlformats.org/officeDocument/2006/relationships" xmlns:p="http://schemas.openxmlformats.org/presentationml/2006/main" showMasterSp="0" showMasterPhAnim="0">
   <p:cSld>
     <p:spTree>
@@ -3575,7 +3696,7 @@
 </p:notes>
 </file>
 
-<file path=ppt/notesSlides/notesSlide35.xml><?xml version="1.0" encoding="utf-8"?>
+<file path=ppt/notesSlides/notesSlide36.xml><?xml version="1.0" encoding="utf-8"?>
 <p:notes xmlns:a="http://schemas.openxmlformats.org/drawingml/2006/main" xmlns:r="http://schemas.openxmlformats.org/officeDocument/2006/relationships" xmlns:p="http://schemas.openxmlformats.org/presentationml/2006/main" showMasterSp="0" showMasterPhAnim="0">
   <p:cSld>
     <p:spTree>
@@ -3685,7 +3806,7 @@
 </p:notes>
 </file>
 
-<file path=ppt/notesSlides/notesSlide36.xml><?xml version="1.0" encoding="utf-8"?>
+<file path=ppt/notesSlides/notesSlide37.xml><?xml version="1.0" encoding="utf-8"?>
 <p:notes xmlns:a="http://schemas.openxmlformats.org/drawingml/2006/main" xmlns:r="http://schemas.openxmlformats.org/officeDocument/2006/relationships" xmlns:p="http://schemas.openxmlformats.org/presentationml/2006/main" showMasterSp="0" showMasterPhAnim="0">
   <p:cSld>
     <p:spTree>
@@ -3786,7 +3907,7 @@
 </p:notes>
 </file>
 
-<file path=ppt/notesSlides/notesSlide37.xml><?xml version="1.0" encoding="utf-8"?>
+<file path=ppt/notesSlides/notesSlide38.xml><?xml version="1.0" encoding="utf-8"?>
 <p:notes xmlns:a="http://schemas.openxmlformats.org/drawingml/2006/main" xmlns:r="http://schemas.openxmlformats.org/officeDocument/2006/relationships" xmlns:p="http://schemas.openxmlformats.org/presentationml/2006/main" showMasterSp="0" showMasterPhAnim="0">
   <p:cSld>
     <p:spTree>
@@ -3887,7 +4008,7 @@
 </p:notes>
 </file>
 
-<file path=ppt/notesSlides/notesSlide38.xml><?xml version="1.0" encoding="utf-8"?>
+<file path=ppt/notesSlides/notesSlide39.xml><?xml version="1.0" encoding="utf-8"?>
 <p:notes xmlns:a="http://schemas.openxmlformats.org/drawingml/2006/main" xmlns:r="http://schemas.openxmlformats.org/officeDocument/2006/relationships" xmlns:p="http://schemas.openxmlformats.org/presentationml/2006/main" showMasterSp="0" showMasterPhAnim="0">
   <p:cSld>
     <p:spTree>
@@ -3993,6 +4114,107 @@
   <p:cSld>
     <p:spTree>
       <p:nvGrpSpPr>
+        <p:cNvPr id="1" name="Shape 455"/>
+        <p:cNvGrpSpPr/>
+        <p:nvPr/>
+      </p:nvGrpSpPr>
+      <p:grpSpPr>
+        <a:xfrm>
+          <a:off x="0" y="0"/>
+          <a:ext cx="0" cy="0"/>
+          <a:chOff x="0" y="0"/>
+          <a:chExt cx="0" cy="0"/>
+        </a:xfrm>
+      </p:grpSpPr>
+      <p:sp>
+        <p:nvSpPr>
+          <p:cNvPr id="456" name="Shape 456"/>
+          <p:cNvSpPr txBox="1">
+            <a:spLocks noGrp="1"/>
+          </p:cNvSpPr>
+          <p:nvPr>
+            <p:ph type="body" idx="1"/>
+          </p:nvPr>
+        </p:nvSpPr>
+        <p:spPr>
+          <a:xfrm>
+            <a:off x="914400" y="4343400"/>
+            <a:ext cx="5029199" cy="4114800"/>
+          </a:xfrm>
+          <a:prstGeom prst="rect">
+            <a:avLst/>
+          </a:prstGeom>
+        </p:spPr>
+        <p:txBody>
+          <a:bodyPr lIns="91425" tIns="91425" rIns="91425" bIns="91425" anchor="t" anchorCtr="0">
+            <a:noAutofit/>
+          </a:bodyPr>
+          <a:lstStyle/>
+          <a:p>
+            <a:pPr lvl="0">
+              <a:spcBef>
+                <a:spcPts val="0"/>
+              </a:spcBef>
+              <a:buNone/>
+            </a:pPr>
+            <a:endParaRPr/>
+          </a:p>
+        </p:txBody>
+      </p:sp>
+      <p:sp>
+        <p:nvSpPr>
+          <p:cNvPr id="457" name="Shape 457"/>
+          <p:cNvSpPr>
+            <a:spLocks noGrp="1" noRot="1" noChangeAspect="1"/>
+          </p:cNvSpPr>
+          <p:nvPr>
+            <p:ph type="sldImg" idx="2"/>
+          </p:nvPr>
+        </p:nvSpPr>
+        <p:spPr>
+          <a:xfrm>
+            <a:off x="376238" y="685800"/>
+            <a:ext cx="6105525" cy="3429000"/>
+          </a:xfrm>
+          <a:custGeom>
+            <a:avLst/>
+            <a:gdLst/>
+            <a:ahLst/>
+            <a:cxnLst/>
+            <a:rect l="0" t="0" r="0" b="0"/>
+            <a:pathLst>
+              <a:path w="120000" h="120000" extrusionOk="0">
+                <a:moveTo>
+                  <a:pt x="0" y="0"/>
+                </a:moveTo>
+                <a:lnTo>
+                  <a:pt x="120000" y="0"/>
+                </a:lnTo>
+                <a:lnTo>
+                  <a:pt x="120000" y="120000"/>
+                </a:lnTo>
+                <a:lnTo>
+                  <a:pt x="0" y="120000"/>
+                </a:lnTo>
+                <a:close/>
+              </a:path>
+            </a:pathLst>
+          </a:custGeom>
+        </p:spPr>
+      </p:sp>
+    </p:spTree>
+  </p:cSld>
+  <p:clrMapOvr>
+    <a:masterClrMapping/>
+  </p:clrMapOvr>
+</p:notes>
+</file>
+
+<file path=ppt/notesSlides/notesSlide5.xml><?xml version="1.0" encoding="utf-8"?>
+<p:notes xmlns:a="http://schemas.openxmlformats.org/drawingml/2006/main" xmlns:r="http://schemas.openxmlformats.org/officeDocument/2006/relationships" xmlns:p="http://schemas.openxmlformats.org/presentationml/2006/main" showMasterSp="0" showMasterPhAnim="0">
+  <p:cSld>
+    <p:spTree>
+      <p:nvGrpSpPr>
         <p:cNvPr id="1" name="Shape 467"/>
         <p:cNvGrpSpPr/>
         <p:nvPr/>
@@ -4098,7 +4320,7 @@
 </p:notes>
 </file>
 
-<file path=ppt/notesSlides/notesSlide5.xml><?xml version="1.0" encoding="utf-8"?>
+<file path=ppt/notesSlides/notesSlide6.xml><?xml version="1.0" encoding="utf-8"?>
 <p:notes xmlns:a="http://schemas.openxmlformats.org/drawingml/2006/main" xmlns:r="http://schemas.openxmlformats.org/officeDocument/2006/relationships" xmlns:p="http://schemas.openxmlformats.org/presentationml/2006/main" showMasterSp="0" showMasterPhAnim="0">
   <p:cSld>
     <p:spTree>
@@ -4204,7 +4426,7 @@
 </p:notes>
 </file>
 
-<file path=ppt/notesSlides/notesSlide6.xml><?xml version="1.0" encoding="utf-8"?>
+<file path=ppt/notesSlides/notesSlide7.xml><?xml version="1.0" encoding="utf-8"?>
 <p:notes xmlns:a="http://schemas.openxmlformats.org/drawingml/2006/main" xmlns:r="http://schemas.openxmlformats.org/officeDocument/2006/relationships" xmlns:p="http://schemas.openxmlformats.org/presentationml/2006/main" showMasterSp="0" showMasterPhAnim="0">
   <p:cSld>
     <p:spTree>
@@ -4319,7 +4541,7 @@
 </p:notes>
 </file>
 
-<file path=ppt/notesSlides/notesSlide7.xml><?xml version="1.0" encoding="utf-8"?>
+<file path=ppt/notesSlides/notesSlide8.xml><?xml version="1.0" encoding="utf-8"?>
 <p:notes xmlns:a="http://schemas.openxmlformats.org/drawingml/2006/main" xmlns:r="http://schemas.openxmlformats.org/officeDocument/2006/relationships" xmlns:p="http://schemas.openxmlformats.org/presentationml/2006/main" showMasterSp="0" showMasterPhAnim="0">
   <p:cSld>
     <p:spTree>
@@ -4434,7 +4656,7 @@
 </p:notes>
 </file>
 
-<file path=ppt/notesSlides/notesSlide8.xml><?xml version="1.0" encoding="utf-8"?>
+<file path=ppt/notesSlides/notesSlide9.xml><?xml version="1.0" encoding="utf-8"?>
 <p:notes xmlns:a="http://schemas.openxmlformats.org/drawingml/2006/main" xmlns:r="http://schemas.openxmlformats.org/officeDocument/2006/relationships" xmlns:p="http://schemas.openxmlformats.org/presentationml/2006/main" showMasterSp="0" showMasterPhAnim="0">
   <p:cSld>
     <p:spTree>
@@ -4540,121 +4762,6 @@
     <p:extLst>
       <p:ext uri="{BB962C8B-B14F-4D97-AF65-F5344CB8AC3E}">
         <p14:creationId xmlns:p14="http://schemas.microsoft.com/office/powerpoint/2010/main" val="1903077207"/>
-      </p:ext>
-    </p:extLst>
-  </p:cSld>
-  <p:clrMapOvr>
-    <a:masterClrMapping/>
-  </p:clrMapOvr>
-</p:notes>
-</file>
-
-<file path=ppt/notesSlides/notesSlide9.xml><?xml version="1.0" encoding="utf-8"?>
-<p:notes xmlns:a="http://schemas.openxmlformats.org/drawingml/2006/main" xmlns:r="http://schemas.openxmlformats.org/officeDocument/2006/relationships" xmlns:p="http://schemas.openxmlformats.org/presentationml/2006/main" showMasterSp="0" showMasterPhAnim="0">
-  <p:cSld>
-    <p:spTree>
-      <p:nvGrpSpPr>
-        <p:cNvPr id="1" name="Shape 781"/>
-        <p:cNvGrpSpPr/>
-        <p:nvPr/>
-      </p:nvGrpSpPr>
-      <p:grpSpPr>
-        <a:xfrm>
-          <a:off x="0" y="0"/>
-          <a:ext cx="0" cy="0"/>
-          <a:chOff x="0" y="0"/>
-          <a:chExt cx="0" cy="0"/>
-        </a:xfrm>
-      </p:grpSpPr>
-      <p:sp>
-        <p:nvSpPr>
-          <p:cNvPr id="782" name="Shape 782"/>
-          <p:cNvSpPr>
-            <a:spLocks noGrp="1" noRot="1" noChangeAspect="1"/>
-          </p:cNvSpPr>
-          <p:nvPr>
-            <p:ph type="sldImg" idx="2"/>
-          </p:nvPr>
-        </p:nvSpPr>
-        <p:spPr>
-          <a:xfrm>
-            <a:off x="376238" y="685800"/>
-            <a:ext cx="6105525" cy="3429000"/>
-          </a:xfrm>
-          <a:custGeom>
-            <a:avLst/>
-            <a:gdLst/>
-            <a:ahLst/>
-            <a:cxnLst/>
-            <a:rect l="0" t="0" r="0" b="0"/>
-            <a:pathLst>
-              <a:path w="120000" h="120000" extrusionOk="0">
-                <a:moveTo>
-                  <a:pt x="0" y="0"/>
-                </a:moveTo>
-                <a:lnTo>
-                  <a:pt x="120000" y="0"/>
-                </a:lnTo>
-                <a:lnTo>
-                  <a:pt x="120000" y="120000"/>
-                </a:lnTo>
-                <a:lnTo>
-                  <a:pt x="0" y="120000"/>
-                </a:lnTo>
-                <a:close/>
-              </a:path>
-            </a:pathLst>
-          </a:custGeom>
-          <a:noFill/>
-          <a:ln>
-            <a:noFill/>
-          </a:ln>
-        </p:spPr>
-      </p:sp>
-      <p:sp>
-        <p:nvSpPr>
-          <p:cNvPr id="783" name="Shape 783"/>
-          <p:cNvSpPr txBox="1">
-            <a:spLocks noGrp="1"/>
-          </p:cNvSpPr>
-          <p:nvPr>
-            <p:ph type="body" idx="1"/>
-          </p:nvPr>
-        </p:nvSpPr>
-        <p:spPr>
-          <a:xfrm>
-            <a:off x="914400" y="4343400"/>
-            <a:ext cx="5029199" cy="4114800"/>
-          </a:xfrm>
-          <a:prstGeom prst="rect">
-            <a:avLst/>
-          </a:prstGeom>
-          <a:noFill/>
-          <a:ln>
-            <a:noFill/>
-          </a:ln>
-        </p:spPr>
-        <p:txBody>
-          <a:bodyPr lIns="91425" tIns="45700" rIns="91425" bIns="45700" anchor="t" anchorCtr="0">
-            <a:noAutofit/>
-          </a:bodyPr>
-          <a:lstStyle/>
-          <a:p>
-            <a:pPr marL="0" marR="0" lvl="0" indent="0" algn="l" rtl="0">
-              <a:spcBef>
-                <a:spcPts val="0"/>
-              </a:spcBef>
-              <a:buSzPct val="25000"/>
-              <a:buNone/>
-            </a:pPr>
-            <a:endParaRPr/>
-          </a:p>
-        </p:txBody>
-      </p:sp>
-    </p:spTree>
-    <p:extLst>
-      <p:ext uri="{BB962C8B-B14F-4D97-AF65-F5344CB8AC3E}">
-        <p14:creationId xmlns:p14="http://schemas.microsoft.com/office/powerpoint/2010/main" val="1018883341"/>
       </p:ext>
     </p:extLst>
   </p:cSld>
@@ -13704,6 +13811,193 @@
                 <a:cs typeface="Arial" charset="0"/>
                 <a:sym typeface="Oswald"/>
               </a:rPr>
+              <a:t>Hypothesis Testing</a:t>
+            </a:r>
+          </a:p>
+        </p:txBody>
+      </p:sp>
+      <p:sp>
+        <p:nvSpPr>
+          <p:cNvPr id="786" name="Shape 786"/>
+          <p:cNvSpPr txBox="1">
+            <a:spLocks noGrp="1"/>
+          </p:cNvSpPr>
+          <p:nvPr>
+            <p:ph type="body" idx="1"/>
+          </p:nvPr>
+        </p:nvSpPr>
+        <p:spPr>
+          <a:xfrm>
+            <a:off x="635006" y="1292775"/>
+            <a:ext cx="11734800" cy="3809999"/>
+          </a:xfrm>
+          <a:prstGeom prst="rect">
+            <a:avLst/>
+          </a:prstGeom>
+          <a:noFill/>
+          <a:ln>
+            <a:noFill/>
+          </a:ln>
+        </p:spPr>
+        <p:txBody>
+          <a:bodyPr lIns="0" tIns="0" rIns="0" bIns="0" anchor="t" anchorCtr="0">
+            <a:noAutofit/>
+          </a:bodyPr>
+          <a:lstStyle/>
+          <a:p>
+            <a:pPr marR="0" lvl="0" algn="l" rtl="0">
+              <a:spcBef>
+                <a:spcPts val="0"/>
+              </a:spcBef>
+              <a:buNone/>
+            </a:pPr>
+            <a:endParaRPr sz="2800" dirty="0">
+              <a:latin typeface="Georgia"/>
+              <a:ea typeface="Georgia"/>
+              <a:cs typeface="Georgia"/>
+              <a:sym typeface="Georgia"/>
+            </a:endParaRPr>
+          </a:p>
+          <a:p>
+            <a:pPr marL="203200" marR="0" lvl="0" indent="-256540" algn="l" rtl="0">
+              <a:spcBef>
+                <a:spcPts val="0"/>
+              </a:spcBef>
+              <a:buSzPct val="100000"/>
+              <a:buFont typeface="Georgia"/>
+              <a:buChar char="‣"/>
+            </a:pPr>
+            <a:r>
+              <a:rPr lang="en-US" sz="2800" dirty="0">
+                <a:latin typeface="Arial" charset="0"/>
+                <a:ea typeface="Arial" charset="0"/>
+                <a:cs typeface="Arial" charset="0"/>
+                <a:sym typeface="Georgia"/>
+              </a:rPr>
+              <a:t>When we present results, we say we found something significant using this criteria.</a:t>
+            </a:r>
+          </a:p>
+          <a:p>
+            <a:pPr marR="0" lvl="0" algn="l" rtl="0">
+              <a:spcBef>
+                <a:spcPts val="0"/>
+              </a:spcBef>
+              <a:buNone/>
+            </a:pPr>
+            <a:endParaRPr sz="2800" dirty="0">
+              <a:latin typeface="Arial" charset="0"/>
+              <a:ea typeface="Arial" charset="0"/>
+              <a:cs typeface="Arial" charset="0"/>
+              <a:sym typeface="Georgia"/>
+            </a:endParaRPr>
+          </a:p>
+          <a:p>
+            <a:pPr marL="203200" marR="0" lvl="0" indent="-256540" algn="l" rtl="0">
+              <a:spcBef>
+                <a:spcPts val="0"/>
+              </a:spcBef>
+              <a:buSzPct val="100000"/>
+              <a:buFont typeface="Georgia"/>
+              <a:buChar char="‣"/>
+            </a:pPr>
+            <a:r>
+              <a:rPr lang="en-US" sz="2800" dirty="0">
+                <a:latin typeface="Arial" charset="0"/>
+                <a:ea typeface="Arial" charset="0"/>
+                <a:cs typeface="Arial" charset="0"/>
+                <a:sym typeface="Georgia"/>
+              </a:rPr>
+              <a:t>We will use an example to dive further into this and understand p-values and confidence intervals.</a:t>
+            </a:r>
+          </a:p>
+          <a:p>
+            <a:pPr marR="0" lvl="0" algn="l" rtl="0">
+              <a:spcBef>
+                <a:spcPts val="0"/>
+              </a:spcBef>
+              <a:buNone/>
+            </a:pPr>
+            <a:endParaRPr sz="2800" dirty="0">
+              <a:latin typeface="Arial" charset="0"/>
+              <a:ea typeface="Arial" charset="0"/>
+              <a:cs typeface="Arial" charset="0"/>
+              <a:sym typeface="Georgia"/>
+            </a:endParaRPr>
+          </a:p>
+        </p:txBody>
+      </p:sp>
+    </p:spTree>
+    <p:extLst>
+      <p:ext uri="{BB962C8B-B14F-4D97-AF65-F5344CB8AC3E}">
+        <p14:creationId xmlns:p14="http://schemas.microsoft.com/office/powerpoint/2010/main" val="397179631"/>
+      </p:ext>
+    </p:extLst>
+  </p:cSld>
+  <p:clrMapOvr>
+    <a:masterClrMapping/>
+  </p:clrMapOvr>
+  <p:timing>
+    <p:tnLst>
+      <p:par>
+        <p:cTn id="1" dur="indefinite" restart="never" nodeType="tmRoot"/>
+      </p:par>
+    </p:tnLst>
+  </p:timing>
+</p:sld>
+</file>
+
+<file path=ppt/slides/slide11.xml><?xml version="1.0" encoding="utf-8"?>
+<p:sld xmlns:a="http://schemas.openxmlformats.org/drawingml/2006/main" xmlns:r="http://schemas.openxmlformats.org/officeDocument/2006/relationships" xmlns:p="http://schemas.openxmlformats.org/presentationml/2006/main">
+  <p:cSld>
+    <p:spTree>
+      <p:nvGrpSpPr>
+        <p:cNvPr id="1" name="Shape 784"/>
+        <p:cNvGrpSpPr/>
+        <p:nvPr/>
+      </p:nvGrpSpPr>
+      <p:grpSpPr>
+        <a:xfrm>
+          <a:off x="0" y="0"/>
+          <a:ext cx="0" cy="0"/>
+          <a:chOff x="0" y="0"/>
+          <a:chExt cx="0" cy="0"/>
+        </a:xfrm>
+      </p:grpSpPr>
+      <p:sp>
+        <p:nvSpPr>
+          <p:cNvPr id="785" name="Shape 785"/>
+          <p:cNvSpPr/>
+          <p:nvPr/>
+        </p:nvSpPr>
+        <p:spPr>
+          <a:xfrm>
+            <a:off x="635000" y="736600"/>
+            <a:ext cx="11734800" cy="431700"/>
+          </a:xfrm>
+          <a:prstGeom prst="rect">
+            <a:avLst/>
+          </a:prstGeom>
+          <a:noFill/>
+          <a:ln>
+            <a:noFill/>
+          </a:ln>
+        </p:spPr>
+        <p:txBody>
+          <a:bodyPr lIns="0" tIns="0" rIns="0" bIns="0" anchor="t" anchorCtr="0">
+            <a:noAutofit/>
+          </a:bodyPr>
+          <a:lstStyle/>
+          <a:p>
+            <a:pPr lvl="0">
+              <a:buSzPct val="25000"/>
+            </a:pPr>
+            <a:r>
+              <a:rPr lang="en-US" sz="3200" b="1" dirty="0">
+                <a:latin typeface="Arial" charset="0"/>
+                <a:ea typeface="Arial" charset="0"/>
+                <a:cs typeface="Arial" charset="0"/>
+                <a:sym typeface="Oswald"/>
+              </a:rPr>
               <a:t>Hypothesis </a:t>
             </a:r>
             <a:r>
@@ -14003,7 +14297,7 @@
 </p:sld>
 </file>
 
-<file path=ppt/slides/slide11.xml><?xml version="1.0" encoding="utf-8"?>
+<file path=ppt/slides/slide12.xml><?xml version="1.0" encoding="utf-8"?>
 <p:sld xmlns:a="http://schemas.openxmlformats.org/drawingml/2006/main" xmlns:r="http://schemas.openxmlformats.org/officeDocument/2006/relationships" xmlns:p="http://schemas.openxmlformats.org/presentationml/2006/main">
   <p:cSld>
     <p:spTree>
@@ -14154,7 +14448,7 @@
 </p:sld>
 </file>
 
-<file path=ppt/slides/slide12.xml><?xml version="1.0" encoding="utf-8"?>
+<file path=ppt/slides/slide13.xml><?xml version="1.0" encoding="utf-8"?>
 <p:sld xmlns:a="http://schemas.openxmlformats.org/drawingml/2006/main" xmlns:r="http://schemas.openxmlformats.org/officeDocument/2006/relationships" xmlns:p="http://schemas.openxmlformats.org/presentationml/2006/main">
   <p:cSld>
     <p:spTree>
@@ -14348,7 +14642,7 @@
 </p:sld>
 </file>
 
-<file path=ppt/slides/slide13.xml><?xml version="1.0" encoding="utf-8"?>
+<file path=ppt/slides/slide14.xml><?xml version="1.0" encoding="utf-8"?>
 <p:sld xmlns:a="http://schemas.openxmlformats.org/drawingml/2006/main" xmlns:r="http://schemas.openxmlformats.org/officeDocument/2006/relationships" xmlns:p="http://schemas.openxmlformats.org/presentationml/2006/main">
   <p:cSld>
     <p:spTree>
@@ -14741,7 +15035,7 @@
 </p:sld>
 </file>
 
-<file path=ppt/slides/slide14.xml><?xml version="1.0" encoding="utf-8"?>
+<file path=ppt/slides/slide15.xml><?xml version="1.0" encoding="utf-8"?>
 <p:sld xmlns:a="http://schemas.openxmlformats.org/drawingml/2006/main" xmlns:r="http://schemas.openxmlformats.org/officeDocument/2006/relationships" xmlns:p="http://schemas.openxmlformats.org/presentationml/2006/main">
   <p:cSld>
     <p:spTree>
@@ -14885,126 +15179,6 @@
     <p:extLst>
       <p:ext uri="{BB962C8B-B14F-4D97-AF65-F5344CB8AC3E}">
         <p14:creationId xmlns:p14="http://schemas.microsoft.com/office/powerpoint/2010/main" val="1794259116"/>
-      </p:ext>
-    </p:extLst>
-  </p:cSld>
-  <p:clrMapOvr>
-    <a:masterClrMapping/>
-  </p:clrMapOvr>
-  <p:timing>
-    <p:tnLst>
-      <p:par>
-        <p:cTn id="1" dur="indefinite" restart="never" nodeType="tmRoot"/>
-      </p:par>
-    </p:tnLst>
-  </p:timing>
-</p:sld>
-</file>
-
-<file path=ppt/slides/slide15.xml><?xml version="1.0" encoding="utf-8"?>
-<p:sld xmlns:a="http://schemas.openxmlformats.org/drawingml/2006/main" xmlns:r="http://schemas.openxmlformats.org/officeDocument/2006/relationships" xmlns:p="http://schemas.openxmlformats.org/presentationml/2006/main">
-  <p:cSld>
-    <p:spTree>
-      <p:nvGrpSpPr>
-        <p:cNvPr id="1" name="Shape 796"/>
-        <p:cNvGrpSpPr/>
-        <p:nvPr/>
-      </p:nvGrpSpPr>
-      <p:grpSpPr>
-        <a:xfrm>
-          <a:off x="0" y="0"/>
-          <a:ext cx="0" cy="0"/>
-          <a:chOff x="0" y="0"/>
-          <a:chExt cx="0" cy="0"/>
-        </a:xfrm>
-      </p:grpSpPr>
-      <p:sp>
-        <p:nvSpPr>
-          <p:cNvPr id="798" name="Shape 798"/>
-          <p:cNvSpPr/>
-          <p:nvPr/>
-        </p:nvSpPr>
-        <p:spPr>
-          <a:xfrm>
-            <a:off x="635000" y="736600"/>
-            <a:ext cx="11734800" cy="431700"/>
-          </a:xfrm>
-          <a:prstGeom prst="rect">
-            <a:avLst/>
-          </a:prstGeom>
-          <a:noFill/>
-          <a:ln>
-            <a:noFill/>
-          </a:ln>
-        </p:spPr>
-        <p:txBody>
-          <a:bodyPr lIns="0" tIns="0" rIns="0" bIns="0" anchor="t" anchorCtr="0">
-            <a:noAutofit/>
-          </a:bodyPr>
-          <a:lstStyle/>
-          <a:p>
-            <a:pPr marL="0" marR="0" lvl="0" indent="0" algn="l" rtl="0">
-              <a:lnSpc>
-                <a:spcPct val="100000"/>
-              </a:lnSpc>
-              <a:spcBef>
-                <a:spcPts val="0"/>
-              </a:spcBef>
-              <a:buSzPct val="25000"/>
-              <a:buNone/>
-            </a:pPr>
-            <a:r>
-              <a:rPr lang="en-US" sz="3200" b="1" dirty="0" smtClean="0">
-                <a:latin typeface="Arial" charset="0"/>
-                <a:ea typeface="Arial" charset="0"/>
-                <a:cs typeface="Arial" charset="0"/>
-                <a:sym typeface="Oswald"/>
-              </a:rPr>
-              <a:t>Correlations</a:t>
-            </a:r>
-            <a:endParaRPr lang="en-US" sz="3200" b="1" dirty="0">
-              <a:latin typeface="Arial" charset="0"/>
-              <a:ea typeface="Arial" charset="0"/>
-              <a:cs typeface="Arial" charset="0"/>
-              <a:sym typeface="Oswald"/>
-            </a:endParaRPr>
-          </a:p>
-        </p:txBody>
-      </p:sp>
-      <p:pic>
-        <p:nvPicPr>
-          <p:cNvPr id="2" name="Picture 1"/>
-          <p:cNvPicPr>
-            <a:picLocks noChangeAspect="1"/>
-          </p:cNvPicPr>
-          <p:nvPr/>
-        </p:nvPicPr>
-        <p:blipFill>
-          <a:blip r:embed="rId3">
-            <a:extLst>
-              <a:ext uri="{28A0092B-C50C-407E-A947-70E740481C1C}">
-                <a14:useLocalDpi xmlns:a14="http://schemas.microsoft.com/office/drawing/2010/main" val="0"/>
-              </a:ext>
-            </a:extLst>
-          </a:blip>
-          <a:stretch>
-            <a:fillRect/>
-          </a:stretch>
-        </p:blipFill>
-        <p:spPr>
-          <a:xfrm>
-            <a:off x="1712685" y="1800677"/>
-            <a:ext cx="9976757" cy="4988379"/>
-          </a:xfrm>
-          <a:prstGeom prst="rect">
-            <a:avLst/>
-          </a:prstGeom>
-        </p:spPr>
-      </p:pic>
-    </p:spTree>
-    <p:extLst>
-      <p:ext uri="{BB962C8B-B14F-4D97-AF65-F5344CB8AC3E}">
-        <p14:creationId xmlns:p14="http://schemas.microsoft.com/office/powerpoint/2010/main" val="2078979823"/>
       </p:ext>
     </p:extLst>
   </p:cSld>
@@ -15080,7 +15254,7 @@
                 <a:cs typeface="Arial" charset="0"/>
                 <a:sym typeface="Oswald"/>
               </a:rPr>
-              <a:t>LINEAR REGRESSION</a:t>
+              <a:t>Correlations</a:t>
             </a:r>
             <a:endParaRPr lang="en-US" sz="3200" b="1" dirty="0">
               <a:latin typeface="Arial" charset="0"/>
@@ -15091,221 +15265,40 @@
           </a:p>
         </p:txBody>
       </p:sp>
-      <p:sp>
-        <p:nvSpPr>
-          <p:cNvPr id="4" name="Shape 823"/>
-          <p:cNvSpPr/>
+      <p:pic>
+        <p:nvPicPr>
+          <p:cNvPr id="2" name="Picture 1"/>
+          <p:cNvPicPr>
+            <a:picLocks noChangeAspect="1"/>
+          </p:cNvPicPr>
           <p:nvPr/>
-        </p:nvSpPr>
-        <p:spPr>
-          <a:xfrm>
-            <a:off x="1190452" y="1480456"/>
-            <a:ext cx="10623896" cy="5415643"/>
+        </p:nvPicPr>
+        <p:blipFill>
+          <a:blip r:embed="rId3">
+            <a:extLst>
+              <a:ext uri="{28A0092B-C50C-407E-A947-70E740481C1C}">
+                <a14:useLocalDpi xmlns:a14="http://schemas.microsoft.com/office/drawing/2010/main" val="0"/>
+              </a:ext>
+            </a:extLst>
+          </a:blip>
+          <a:stretch>
+            <a:fillRect/>
+          </a:stretch>
+        </p:blipFill>
+        <p:spPr>
+          <a:xfrm>
+            <a:off x="1712685" y="1800677"/>
+            <a:ext cx="9976757" cy="4988379"/>
           </a:xfrm>
           <a:prstGeom prst="rect">
             <a:avLst/>
           </a:prstGeom>
-          <a:noFill/>
-          <a:ln>
-            <a:noFill/>
-          </a:ln>
-        </p:spPr>
-        <p:txBody>
-          <a:bodyPr lIns="50800" tIns="50800" rIns="50800" bIns="50800" anchor="ctr" anchorCtr="0">
-            <a:noAutofit/>
-          </a:bodyPr>
-          <a:lstStyle/>
-          <a:p>
-            <a:pPr marL="457200" lvl="0" indent="-342900" rtl="0">
-              <a:spcBef>
-                <a:spcPts val="0"/>
-              </a:spcBef>
-              <a:buClr>
-                <a:schemeClr val="dk1"/>
-              </a:buClr>
-              <a:buSzPct val="100000"/>
-              <a:buFont typeface="Georgia"/>
-              <a:buAutoNum type="arabicPeriod"/>
-            </a:pPr>
-            <a:endParaRPr lang="en-US" sz="3000" dirty="0" smtClean="0">
-              <a:solidFill>
-                <a:schemeClr val="dk1"/>
-              </a:solidFill>
-              <a:latin typeface="Arial" charset="0"/>
-              <a:ea typeface="Arial" charset="0"/>
-              <a:cs typeface="Arial" charset="0"/>
-              <a:sym typeface="Georgia"/>
-            </a:endParaRPr>
-          </a:p>
-          <a:p>
-            <a:pPr marL="457200" lvl="0" indent="-342900" rtl="0">
-              <a:spcBef>
-                <a:spcPts val="0"/>
-              </a:spcBef>
-              <a:buClr>
-                <a:schemeClr val="dk1"/>
-              </a:buClr>
-              <a:buSzPct val="100000"/>
-              <a:buFont typeface="Georgia"/>
-              <a:buAutoNum type="arabicPeriod"/>
-            </a:pPr>
-            <a:r>
-              <a:rPr lang="en-US" sz="3000" dirty="0" smtClean="0">
-                <a:solidFill>
-                  <a:schemeClr val="dk1"/>
-                </a:solidFill>
-                <a:latin typeface="Arial" charset="0"/>
-                <a:ea typeface="Arial" charset="0"/>
-                <a:cs typeface="Arial" charset="0"/>
-                <a:sym typeface="Georgia"/>
-              </a:rPr>
-              <a:t>A correlation explains a % of total variance (R squared)</a:t>
-            </a:r>
-          </a:p>
-          <a:p>
-            <a:pPr marL="457200" lvl="0" indent="-342900" rtl="0">
-              <a:spcBef>
-                <a:spcPts val="0"/>
-              </a:spcBef>
-              <a:buClr>
-                <a:schemeClr val="dk1"/>
-              </a:buClr>
-              <a:buSzPct val="100000"/>
-              <a:buFont typeface="Georgia"/>
-              <a:buAutoNum type="arabicPeriod"/>
-            </a:pPr>
-            <a:endParaRPr lang="en-US" sz="3000" dirty="0" smtClean="0">
-              <a:solidFill>
-                <a:schemeClr val="dk1"/>
-              </a:solidFill>
-              <a:latin typeface="Arial" charset="0"/>
-              <a:ea typeface="Arial" charset="0"/>
-              <a:cs typeface="Arial" charset="0"/>
-              <a:sym typeface="Georgia"/>
-            </a:endParaRPr>
-          </a:p>
-          <a:p>
-            <a:pPr marL="457200" lvl="0" indent="-342900" rtl="0">
-              <a:spcBef>
-                <a:spcPts val="0"/>
-              </a:spcBef>
-              <a:buClr>
-                <a:schemeClr val="dk1"/>
-              </a:buClr>
-              <a:buSzPct val="100000"/>
-              <a:buFont typeface="Georgia"/>
-              <a:buAutoNum type="arabicPeriod"/>
-            </a:pPr>
-            <a:r>
-              <a:rPr lang="en-US" sz="3000" dirty="0" smtClean="0">
-                <a:solidFill>
-                  <a:schemeClr val="dk1"/>
-                </a:solidFill>
-                <a:latin typeface="Arial" charset="0"/>
-                <a:ea typeface="Arial" charset="0"/>
-                <a:cs typeface="Arial" charset="0"/>
-                <a:sym typeface="Georgia"/>
-              </a:rPr>
-              <a:t>Regression is a big correlation with multiple variables</a:t>
-            </a:r>
-          </a:p>
-          <a:p>
-            <a:pPr marL="457200" lvl="0" indent="-342900" rtl="0">
-              <a:spcBef>
-                <a:spcPts val="0"/>
-              </a:spcBef>
-              <a:buClr>
-                <a:schemeClr val="dk1"/>
-              </a:buClr>
-              <a:buSzPct val="100000"/>
-              <a:buFont typeface="Georgia"/>
-              <a:buAutoNum type="arabicPeriod"/>
-            </a:pPr>
-            <a:endParaRPr lang="en-US" sz="3000" dirty="0" smtClean="0">
-              <a:solidFill>
-                <a:schemeClr val="dk1"/>
-              </a:solidFill>
-              <a:latin typeface="Arial" charset="0"/>
-              <a:ea typeface="Arial" charset="0"/>
-              <a:cs typeface="Arial" charset="0"/>
-              <a:sym typeface="Georgia"/>
-            </a:endParaRPr>
-          </a:p>
-          <a:p>
-            <a:pPr marL="457200" lvl="0" indent="-342900" rtl="0">
-              <a:spcBef>
-                <a:spcPts val="0"/>
-              </a:spcBef>
-              <a:buClr>
-                <a:schemeClr val="dk1"/>
-              </a:buClr>
-              <a:buSzPct val="100000"/>
-              <a:buFont typeface="Georgia"/>
-              <a:buAutoNum type="arabicPeriod"/>
-            </a:pPr>
-            <a:r>
-              <a:rPr lang="en-US" sz="3000" dirty="0" smtClean="0">
-                <a:solidFill>
-                  <a:schemeClr val="dk1"/>
-                </a:solidFill>
-                <a:latin typeface="Arial" charset="0"/>
-                <a:ea typeface="Arial" charset="0"/>
-                <a:cs typeface="Arial" charset="0"/>
-                <a:sym typeface="Georgia"/>
-              </a:rPr>
-              <a:t>Each variable explains a percent of remaining variance</a:t>
-            </a:r>
-          </a:p>
-          <a:p>
-            <a:pPr marL="457200" lvl="0" indent="-342900" rtl="0">
-              <a:spcBef>
-                <a:spcPts val="0"/>
-              </a:spcBef>
-              <a:buClr>
-                <a:schemeClr val="dk1"/>
-              </a:buClr>
-              <a:buSzPct val="100000"/>
-              <a:buFont typeface="Georgia"/>
-              <a:buAutoNum type="arabicPeriod"/>
-            </a:pPr>
-            <a:endParaRPr lang="en-US" sz="3000" dirty="0" smtClean="0">
-              <a:solidFill>
-                <a:schemeClr val="dk1"/>
-              </a:solidFill>
-              <a:latin typeface="Arial" charset="0"/>
-              <a:ea typeface="Arial" charset="0"/>
-              <a:cs typeface="Arial" charset="0"/>
-              <a:sym typeface="Georgia"/>
-            </a:endParaRPr>
-          </a:p>
-          <a:p>
-            <a:pPr marL="457200" lvl="0" indent="-342900" rtl="0">
-              <a:spcBef>
-                <a:spcPts val="0"/>
-              </a:spcBef>
-              <a:buClr>
-                <a:schemeClr val="dk1"/>
-              </a:buClr>
-              <a:buSzPct val="100000"/>
-              <a:buFont typeface="Georgia"/>
-              <a:buAutoNum type="arabicPeriod"/>
-            </a:pPr>
-            <a:endParaRPr lang="en-US" sz="3000" dirty="0">
-              <a:solidFill>
-                <a:schemeClr val="dk1"/>
-              </a:solidFill>
-              <a:latin typeface="Arial" charset="0"/>
-              <a:ea typeface="Arial" charset="0"/>
-              <a:cs typeface="Arial" charset="0"/>
-              <a:sym typeface="Georgia"/>
-            </a:endParaRPr>
-          </a:p>
-        </p:txBody>
-      </p:sp>
+        </p:spPr>
+      </p:pic>
     </p:spTree>
     <p:extLst>
       <p:ext uri="{BB962C8B-B14F-4D97-AF65-F5344CB8AC3E}">
-        <p14:creationId xmlns:p14="http://schemas.microsoft.com/office/powerpoint/2010/main" val="1593091873"/>
+        <p14:creationId xmlns:p14="http://schemas.microsoft.com/office/powerpoint/2010/main" val="2078979823"/>
       </p:ext>
     </p:extLst>
   </p:cSld>
@@ -15394,52 +15387,219 @@
       </p:sp>
       <p:sp>
         <p:nvSpPr>
-          <p:cNvPr id="2" name="Oval 1"/>
+          <p:cNvPr id="4" name="Shape 823"/>
           <p:cNvSpPr/>
           <p:nvPr/>
         </p:nvSpPr>
         <p:spPr>
           <a:xfrm>
-            <a:off x="3367315" y="1538514"/>
-            <a:ext cx="5239657" cy="4702628"/>
-          </a:xfrm>
-          <a:prstGeom prst="ellipse">
-            <a:avLst/>
-          </a:prstGeom>
-        </p:spPr>
-        <p:style>
-          <a:lnRef idx="2">
-            <a:schemeClr val="accent1">
-              <a:shade val="50000"/>
-            </a:schemeClr>
-          </a:lnRef>
-          <a:fillRef idx="1">
-            <a:schemeClr val="accent1"/>
-          </a:fillRef>
-          <a:effectRef idx="0">
-            <a:schemeClr val="accent1"/>
-          </a:effectRef>
-          <a:fontRef idx="minor">
-            <a:schemeClr val="lt1"/>
-          </a:fontRef>
-        </p:style>
+            <a:off x="1190452" y="1480456"/>
+            <a:ext cx="10623896" cy="5415643"/>
+          </a:xfrm>
+          <a:prstGeom prst="rect">
+            <a:avLst/>
+          </a:prstGeom>
+          <a:noFill/>
+          <a:ln>
+            <a:noFill/>
+          </a:ln>
+        </p:spPr>
         <p:txBody>
-          <a:bodyPr rtlCol="0" anchor="ctr"/>
+          <a:bodyPr lIns="50800" tIns="50800" rIns="50800" bIns="50800" anchor="ctr" anchorCtr="0">
+            <a:noAutofit/>
+          </a:bodyPr>
           <a:lstStyle/>
           <a:p>
-            <a:pPr algn="ctr"/>
-            <a:r>
-              <a:rPr lang="en-US" dirty="0" smtClean="0"/>
-              <a:t>Total VARIANCE</a:t>
-            </a:r>
-            <a:endParaRPr lang="en-US" dirty="0"/>
+            <a:pPr marL="457200" lvl="0" indent="-342900" rtl="0">
+              <a:spcBef>
+                <a:spcPts val="0"/>
+              </a:spcBef>
+              <a:buClr>
+                <a:schemeClr val="dk1"/>
+              </a:buClr>
+              <a:buSzPct val="100000"/>
+              <a:buFont typeface="Georgia"/>
+              <a:buAutoNum type="arabicPeriod"/>
+            </a:pPr>
+            <a:endParaRPr lang="en-US" sz="3000" dirty="0" smtClean="0">
+              <a:solidFill>
+                <a:schemeClr val="dk1"/>
+              </a:solidFill>
+              <a:latin typeface="Arial" charset="0"/>
+              <a:ea typeface="Arial" charset="0"/>
+              <a:cs typeface="Arial" charset="0"/>
+              <a:sym typeface="Georgia"/>
+            </a:endParaRPr>
+          </a:p>
+          <a:p>
+            <a:pPr marL="457200" lvl="0" indent="-342900" rtl="0">
+              <a:spcBef>
+                <a:spcPts val="0"/>
+              </a:spcBef>
+              <a:buClr>
+                <a:schemeClr val="dk1"/>
+              </a:buClr>
+              <a:buSzPct val="100000"/>
+              <a:buFont typeface="Georgia"/>
+              <a:buAutoNum type="arabicPeriod"/>
+            </a:pPr>
+            <a:r>
+              <a:rPr lang="en-US" sz="3000" dirty="0" smtClean="0">
+                <a:solidFill>
+                  <a:schemeClr val="dk1"/>
+                </a:solidFill>
+                <a:latin typeface="Arial" charset="0"/>
+                <a:ea typeface="Arial" charset="0"/>
+                <a:cs typeface="Arial" charset="0"/>
+                <a:sym typeface="Georgia"/>
+              </a:rPr>
+              <a:t>A correlation explains a % of total variance (R squared)</a:t>
+            </a:r>
+          </a:p>
+          <a:p>
+            <a:pPr marL="457200" lvl="0" indent="-342900" rtl="0">
+              <a:spcBef>
+                <a:spcPts val="0"/>
+              </a:spcBef>
+              <a:buClr>
+                <a:schemeClr val="dk1"/>
+              </a:buClr>
+              <a:buSzPct val="100000"/>
+              <a:buFont typeface="Georgia"/>
+              <a:buAutoNum type="arabicPeriod"/>
+            </a:pPr>
+            <a:endParaRPr lang="en-US" sz="3000" dirty="0" smtClean="0">
+              <a:solidFill>
+                <a:schemeClr val="dk1"/>
+              </a:solidFill>
+              <a:latin typeface="Arial" charset="0"/>
+              <a:ea typeface="Arial" charset="0"/>
+              <a:cs typeface="Arial" charset="0"/>
+              <a:sym typeface="Georgia"/>
+            </a:endParaRPr>
+          </a:p>
+          <a:p>
+            <a:pPr marL="457200" lvl="0" indent="-342900" rtl="0">
+              <a:spcBef>
+                <a:spcPts val="0"/>
+              </a:spcBef>
+              <a:buClr>
+                <a:schemeClr val="dk1"/>
+              </a:buClr>
+              <a:buSzPct val="100000"/>
+              <a:buFont typeface="Georgia"/>
+              <a:buAutoNum type="arabicPeriod"/>
+            </a:pPr>
+            <a:r>
+              <a:rPr lang="en-US" sz="3000" dirty="0" smtClean="0">
+                <a:solidFill>
+                  <a:schemeClr val="dk1"/>
+                </a:solidFill>
+                <a:latin typeface="Arial" charset="0"/>
+                <a:ea typeface="Arial" charset="0"/>
+                <a:cs typeface="Arial" charset="0"/>
+                <a:sym typeface="Georgia"/>
+              </a:rPr>
+              <a:t>Regression is a big correlation with multiple variables</a:t>
+            </a:r>
+          </a:p>
+          <a:p>
+            <a:pPr marL="457200" lvl="0" indent="-342900" rtl="0">
+              <a:spcBef>
+                <a:spcPts val="0"/>
+              </a:spcBef>
+              <a:buClr>
+                <a:schemeClr val="dk1"/>
+              </a:buClr>
+              <a:buSzPct val="100000"/>
+              <a:buFont typeface="Georgia"/>
+              <a:buAutoNum type="arabicPeriod"/>
+            </a:pPr>
+            <a:endParaRPr lang="en-US" sz="3000" dirty="0" smtClean="0">
+              <a:solidFill>
+                <a:schemeClr val="dk1"/>
+              </a:solidFill>
+              <a:latin typeface="Arial" charset="0"/>
+              <a:ea typeface="Arial" charset="0"/>
+              <a:cs typeface="Arial" charset="0"/>
+              <a:sym typeface="Georgia"/>
+            </a:endParaRPr>
+          </a:p>
+          <a:p>
+            <a:pPr marL="457200" lvl="0" indent="-342900" rtl="0">
+              <a:spcBef>
+                <a:spcPts val="0"/>
+              </a:spcBef>
+              <a:buClr>
+                <a:schemeClr val="dk1"/>
+              </a:buClr>
+              <a:buSzPct val="100000"/>
+              <a:buFont typeface="Georgia"/>
+              <a:buAutoNum type="arabicPeriod"/>
+            </a:pPr>
+            <a:r>
+              <a:rPr lang="en-US" sz="3000" dirty="0" smtClean="0">
+                <a:solidFill>
+                  <a:schemeClr val="dk1"/>
+                </a:solidFill>
+                <a:latin typeface="Arial" charset="0"/>
+                <a:ea typeface="Arial" charset="0"/>
+                <a:cs typeface="Arial" charset="0"/>
+                <a:sym typeface="Georgia"/>
+              </a:rPr>
+              <a:t>Each variable explains a percent of remaining variance</a:t>
+            </a:r>
+          </a:p>
+          <a:p>
+            <a:pPr marL="457200" lvl="0" indent="-342900" rtl="0">
+              <a:spcBef>
+                <a:spcPts val="0"/>
+              </a:spcBef>
+              <a:buClr>
+                <a:schemeClr val="dk1"/>
+              </a:buClr>
+              <a:buSzPct val="100000"/>
+              <a:buFont typeface="Georgia"/>
+              <a:buAutoNum type="arabicPeriod"/>
+            </a:pPr>
+            <a:endParaRPr lang="en-US" sz="3000" dirty="0" smtClean="0">
+              <a:solidFill>
+                <a:schemeClr val="dk1"/>
+              </a:solidFill>
+              <a:latin typeface="Arial" charset="0"/>
+              <a:ea typeface="Arial" charset="0"/>
+              <a:cs typeface="Arial" charset="0"/>
+              <a:sym typeface="Georgia"/>
+            </a:endParaRPr>
+          </a:p>
+          <a:p>
+            <a:pPr marL="457200" lvl="0" indent="-342900" rtl="0">
+              <a:spcBef>
+                <a:spcPts val="0"/>
+              </a:spcBef>
+              <a:buClr>
+                <a:schemeClr val="dk1"/>
+              </a:buClr>
+              <a:buSzPct val="100000"/>
+              <a:buFont typeface="Georgia"/>
+              <a:buAutoNum type="arabicPeriod"/>
+            </a:pPr>
+            <a:endParaRPr lang="en-US" sz="3000" dirty="0">
+              <a:solidFill>
+                <a:schemeClr val="dk1"/>
+              </a:solidFill>
+              <a:latin typeface="Arial" charset="0"/>
+              <a:ea typeface="Arial" charset="0"/>
+              <a:cs typeface="Arial" charset="0"/>
+              <a:sym typeface="Georgia"/>
+            </a:endParaRPr>
           </a:p>
         </p:txBody>
       </p:sp>
     </p:spTree>
     <p:extLst>
       <p:ext uri="{BB962C8B-B14F-4D97-AF65-F5344CB8AC3E}">
-        <p14:creationId xmlns:p14="http://schemas.microsoft.com/office/powerpoint/2010/main" val="1267937785"/>
+        <p14:creationId xmlns:p14="http://schemas.microsoft.com/office/powerpoint/2010/main" val="1593091873"/>
       </p:ext>
     </p:extLst>
   </p:cSld>
@@ -15540,15 +15700,6 @@
           <a:prstGeom prst="ellipse">
             <a:avLst/>
           </a:prstGeom>
-          <a:solidFill>
-            <a:schemeClr val="accent5">
-              <a:lumMod val="60000"/>
-              <a:lumOff val="40000"/>
-            </a:schemeClr>
-          </a:solidFill>
-          <a:ln>
-            <a:noFill/>
-          </a:ln>
         </p:spPr>
         <p:style>
           <a:lnRef idx="2">
@@ -15571,137 +15722,18 @@
           <a:lstStyle/>
           <a:p>
             <a:pPr algn="ctr"/>
+            <a:r>
+              <a:rPr lang="en-US" dirty="0" smtClean="0"/>
+              <a:t>Total VARIANCE</a:t>
+            </a:r>
             <a:endParaRPr lang="en-US" dirty="0"/>
-          </a:p>
-        </p:txBody>
-      </p:sp>
-      <p:sp>
-        <p:nvSpPr>
-          <p:cNvPr id="5" name="Pie 4"/>
-          <p:cNvSpPr/>
-          <p:nvPr/>
-        </p:nvSpPr>
-        <p:spPr>
-          <a:xfrm>
-            <a:off x="3367314" y="1538514"/>
-            <a:ext cx="5239657" cy="4702628"/>
-          </a:xfrm>
-          <a:prstGeom prst="pie">
-            <a:avLst>
-              <a:gd name="adj1" fmla="val 397079"/>
-              <a:gd name="adj2" fmla="val 16121660"/>
-            </a:avLst>
-          </a:prstGeom>
-        </p:spPr>
-        <p:style>
-          <a:lnRef idx="2">
-            <a:schemeClr val="accent1">
-              <a:shade val="50000"/>
-            </a:schemeClr>
-          </a:lnRef>
-          <a:fillRef idx="1">
-            <a:schemeClr val="accent1"/>
-          </a:fillRef>
-          <a:effectRef idx="0">
-            <a:schemeClr val="accent1"/>
-          </a:effectRef>
-          <a:fontRef idx="minor">
-            <a:schemeClr val="lt1"/>
-          </a:fontRef>
-        </p:style>
-        <p:txBody>
-          <a:bodyPr rtlCol="0" anchor="ctr"/>
-          <a:lstStyle/>
-          <a:p>
-            <a:pPr algn="ctr"/>
-            <a:endParaRPr lang="en-US" dirty="0" smtClean="0">
-              <a:solidFill>
-                <a:schemeClr val="tx1"/>
-              </a:solidFill>
-            </a:endParaRPr>
-          </a:p>
-          <a:p>
-            <a:pPr algn="ctr"/>
-            <a:endParaRPr lang="en-US" dirty="0">
-              <a:solidFill>
-                <a:schemeClr val="tx1"/>
-              </a:solidFill>
-            </a:endParaRPr>
-          </a:p>
-          <a:p>
-            <a:pPr algn="ctr"/>
-            <a:r>
-              <a:rPr lang="en-US" dirty="0" smtClean="0">
-                <a:solidFill>
-                  <a:schemeClr val="bg1"/>
-                </a:solidFill>
-              </a:rPr>
-              <a:t>REMAINING VARIANCE</a:t>
-            </a:r>
-            <a:endParaRPr lang="en-US" dirty="0">
-              <a:solidFill>
-                <a:schemeClr val="bg1"/>
-              </a:solidFill>
-            </a:endParaRPr>
-          </a:p>
-        </p:txBody>
-      </p:sp>
-      <p:sp>
-        <p:nvSpPr>
-          <p:cNvPr id="6" name="TextBox 5"/>
-          <p:cNvSpPr txBox="1"/>
-          <p:nvPr/>
-        </p:nvSpPr>
-        <p:spPr>
-          <a:xfrm>
-            <a:off x="6676572" y="2743200"/>
-            <a:ext cx="1011815" cy="307777"/>
-          </a:xfrm>
-          <a:prstGeom prst="rect">
-            <a:avLst/>
-          </a:prstGeom>
-          <a:noFill/>
-          <a:ln>
-            <a:noFill/>
-          </a:ln>
-        </p:spPr>
-        <p:txBody>
-          <a:bodyPr wrap="none" rtlCol="0">
-            <a:spAutoFit/>
-          </a:bodyPr>
-          <a:lstStyle/>
-          <a:p>
-            <a:r>
-              <a:rPr lang="en-US" dirty="0" smtClean="0">
-                <a:solidFill>
-                  <a:schemeClr val="bg1"/>
-                </a:solidFill>
-              </a:rPr>
-              <a:t>Variable</a:t>
-            </a:r>
-            <a:r>
-              <a:rPr lang="en-US" dirty="0" smtClean="0">
-                <a:solidFill>
-                  <a:sysClr val="windowText" lastClr="000000"/>
-                </a:solidFill>
-              </a:rPr>
-              <a:t> </a:t>
-            </a:r>
-            <a:r>
-              <a:rPr lang="en-US" dirty="0" smtClean="0">
-                <a:solidFill>
-                  <a:schemeClr val="bg1"/>
-                </a:solidFill>
-              </a:rPr>
-              <a:t>X</a:t>
-            </a:r>
           </a:p>
         </p:txBody>
       </p:sp>
     </p:spTree>
     <p:extLst>
       <p:ext uri="{BB962C8B-B14F-4D97-AF65-F5344CB8AC3E}">
-        <p14:creationId xmlns:p14="http://schemas.microsoft.com/office/powerpoint/2010/main" val="186955519"/>
+        <p14:creationId xmlns:p14="http://schemas.microsoft.com/office/powerpoint/2010/main" val="1267937785"/>
       </p:ext>
     </p:extLst>
   </p:cSld>
@@ -15839,13 +15871,13 @@
       </p:sp>
       <p:sp>
         <p:nvSpPr>
-          <p:cNvPr id="7" name="Pie 6"/>
+          <p:cNvPr id="5" name="Pie 4"/>
           <p:cNvSpPr/>
           <p:nvPr/>
         </p:nvSpPr>
         <p:spPr>
           <a:xfrm>
-            <a:off x="3367313" y="1538514"/>
+            <a:off x="3367314" y="1538514"/>
             <a:ext cx="5239657" cy="4702628"/>
           </a:xfrm>
           <a:prstGeom prst="pie">
@@ -15854,15 +15886,6 @@
               <a:gd name="adj2" fmla="val 16121660"/>
             </a:avLst>
           </a:prstGeom>
-          <a:solidFill>
-            <a:schemeClr val="accent6">
-              <a:lumMod val="60000"/>
-              <a:lumOff val="40000"/>
-            </a:schemeClr>
-          </a:solidFill>
-          <a:ln>
-            <a:noFill/>
-          </a:ln>
         </p:spPr>
         <p:style>
           <a:lnRef idx="2">
@@ -15893,14 +15916,6 @@
           </a:p>
           <a:p>
             <a:pPr algn="ctr"/>
-            <a:endParaRPr lang="en-US" dirty="0" smtClean="0">
-              <a:solidFill>
-                <a:schemeClr val="tx1"/>
-              </a:solidFill>
-            </a:endParaRPr>
-          </a:p>
-          <a:p>
-            <a:pPr algn="ctr"/>
             <a:endParaRPr lang="en-US" dirty="0">
               <a:solidFill>
                 <a:schemeClr val="tx1"/>
@@ -15909,141 +15924,13 @@
           </a:p>
           <a:p>
             <a:pPr algn="ctr"/>
-            <a:endParaRPr lang="en-US" dirty="0" smtClean="0">
-              <a:solidFill>
-                <a:schemeClr val="tx1"/>
-              </a:solidFill>
-            </a:endParaRPr>
-          </a:p>
-          <a:p>
-            <a:pPr algn="ctr"/>
-            <a:endParaRPr lang="en-US" dirty="0">
-              <a:solidFill>
-                <a:schemeClr val="tx1"/>
-              </a:solidFill>
-            </a:endParaRPr>
-          </a:p>
-          <a:p>
-            <a:pPr algn="ctr"/>
-            <a:endParaRPr lang="en-US" dirty="0" smtClean="0">
-              <a:solidFill>
-                <a:schemeClr val="tx1"/>
-              </a:solidFill>
-            </a:endParaRPr>
-          </a:p>
-          <a:p>
-            <a:pPr algn="ctr"/>
-            <a:endParaRPr lang="en-US" dirty="0">
-              <a:solidFill>
-                <a:schemeClr val="tx1"/>
-              </a:solidFill>
-            </a:endParaRPr>
-          </a:p>
-          <a:p>
-            <a:pPr algn="ctr"/>
-            <a:endParaRPr lang="en-US" dirty="0" smtClean="0">
-              <a:solidFill>
-                <a:schemeClr val="tx1"/>
-              </a:solidFill>
-            </a:endParaRPr>
-          </a:p>
-          <a:p>
-            <a:pPr algn="ctr"/>
-            <a:endParaRPr lang="en-US" dirty="0">
-              <a:solidFill>
-                <a:schemeClr val="tx1"/>
-              </a:solidFill>
-            </a:endParaRPr>
-          </a:p>
-          <a:p>
-            <a:pPr algn="r"/>
             <a:r>
               <a:rPr lang="en-US" dirty="0" smtClean="0">
                 <a:solidFill>
                   <a:schemeClr val="bg1"/>
                 </a:solidFill>
               </a:rPr>
-              <a:t>Variable X2</a:t>
-            </a:r>
-            <a:endParaRPr lang="en-US" dirty="0">
-              <a:solidFill>
-                <a:schemeClr val="bg1"/>
-              </a:solidFill>
-            </a:endParaRPr>
-          </a:p>
-        </p:txBody>
-      </p:sp>
-      <p:sp>
-        <p:nvSpPr>
-          <p:cNvPr id="5" name="Pie 4"/>
-          <p:cNvSpPr/>
-          <p:nvPr/>
-        </p:nvSpPr>
-        <p:spPr>
-          <a:xfrm>
-            <a:off x="3367314" y="1538514"/>
-            <a:ext cx="5239657" cy="4702628"/>
-          </a:xfrm>
-          <a:prstGeom prst="pie">
-            <a:avLst>
-              <a:gd name="adj1" fmla="val 6446984"/>
-              <a:gd name="adj2" fmla="val 16121660"/>
-            </a:avLst>
-          </a:prstGeom>
-        </p:spPr>
-        <p:style>
-          <a:lnRef idx="2">
-            <a:schemeClr val="accent1">
-              <a:shade val="50000"/>
-            </a:schemeClr>
-          </a:lnRef>
-          <a:fillRef idx="1">
-            <a:schemeClr val="accent1"/>
-          </a:fillRef>
-          <a:effectRef idx="0">
-            <a:schemeClr val="accent1"/>
-          </a:effectRef>
-          <a:fontRef idx="minor">
-            <a:schemeClr val="lt1"/>
-          </a:fontRef>
-        </p:style>
-        <p:txBody>
-          <a:bodyPr rtlCol="0" anchor="ctr"/>
-          <a:lstStyle/>
-          <a:p>
-            <a:pPr algn="ctr"/>
-            <a:endParaRPr lang="en-US" dirty="0" smtClean="0">
-              <a:solidFill>
-                <a:schemeClr val="tx1"/>
-              </a:solidFill>
-            </a:endParaRPr>
-          </a:p>
-          <a:p>
-            <a:pPr algn="ctr"/>
-            <a:endParaRPr lang="en-US" dirty="0">
-              <a:solidFill>
-                <a:schemeClr val="tx1"/>
-              </a:solidFill>
-            </a:endParaRPr>
-          </a:p>
-          <a:p>
-            <a:r>
-              <a:rPr lang="en-US" dirty="0" smtClean="0">
-                <a:solidFill>
-                  <a:schemeClr val="bg1"/>
-                </a:solidFill>
-              </a:rPr>
-              <a:t>REMAINING </a:t>
-            </a:r>
-          </a:p>
-          <a:p>
-            <a:r>
-              <a:rPr lang="en-US" dirty="0" smtClean="0">
-                <a:solidFill>
-                  <a:schemeClr val="bg1"/>
-                </a:solidFill>
-              </a:rPr>
-              <a:t>VARIANCE</a:t>
+              <a:t>REMAINING VARIANCE</a:t>
             </a:r>
             <a:endParaRPr lang="en-US" dirty="0">
               <a:solidFill>
@@ -16062,7 +15949,7 @@
         <p:spPr>
           <a:xfrm>
             <a:off x="6676572" y="2743200"/>
-            <a:ext cx="1111202" cy="307777"/>
+            <a:ext cx="1011815" cy="307777"/>
           </a:xfrm>
           <a:prstGeom prst="rect">
             <a:avLst/>
@@ -16100,7 +15987,7 @@
                   <a:schemeClr val="bg1"/>
                 </a:solidFill>
               </a:rPr>
-              <a:t>X1</a:t>
+              <a:t>X</a:t>
             </a:r>
           </a:p>
         </p:txBody>
@@ -16108,7 +15995,7 @@
     </p:spTree>
     <p:extLst>
       <p:ext uri="{BB962C8B-B14F-4D97-AF65-F5344CB8AC3E}">
-        <p14:creationId xmlns:p14="http://schemas.microsoft.com/office/powerpoint/2010/main" val="199852513"/>
+        <p14:creationId xmlns:p14="http://schemas.microsoft.com/office/powerpoint/2010/main" val="186955519"/>
       </p:ext>
     </p:extLst>
   </p:cSld>
@@ -16130,7 +16017,7 @@
   <p:cSld>
     <p:spTree>
       <p:nvGrpSpPr>
-        <p:cNvPr id="1" name="Shape 439"/>
+        <p:cNvPr id="1" name="Shape 433"/>
         <p:cNvGrpSpPr/>
         <p:nvPr/>
       </p:nvGrpSpPr>
@@ -16144,14 +16031,14 @@
       </p:grpSpPr>
       <p:sp>
         <p:nvSpPr>
-          <p:cNvPr id="440" name="Shape 440"/>
+          <p:cNvPr id="434" name="Shape 434"/>
           <p:cNvSpPr/>
           <p:nvPr/>
         </p:nvSpPr>
         <p:spPr>
           <a:xfrm>
-            <a:off x="635000" y="736600"/>
-            <a:ext cx="11734800" cy="431700"/>
+            <a:off x="635000" y="5778500"/>
+            <a:ext cx="11734800" cy="863700"/>
           </a:xfrm>
           <a:prstGeom prst="rect">
             <a:avLst/>
@@ -16169,7 +16056,7 @@
           <a:p>
             <a:pPr marL="0" marR="0" lvl="0" indent="0" algn="l" rtl="0">
               <a:lnSpc>
-                <a:spcPct val="100000"/>
+                <a:spcPct val="121428"/>
               </a:lnSpc>
               <a:spcBef>
                 <a:spcPts val="0"/>
@@ -16178,31 +16065,84 @@
               <a:buNone/>
             </a:pPr>
             <a:r>
-              <a:rPr lang="en-US" sz="3200" b="1" dirty="0">
+              <a:rPr lang="en-US" sz="2800" b="0" i="1" u="none" strike="noStrike" cap="none" dirty="0" smtClean="0">
+                <a:solidFill>
+                  <a:srgbClr val="E52123"/>
+                </a:solidFill>
                 <a:latin typeface="Arial" charset="0"/>
                 <a:ea typeface="Arial" charset="0"/>
                 <a:cs typeface="Arial" charset="0"/>
-                <a:sym typeface="Oswald"/>
-              </a:rPr>
-              <a:t>STATISTICS FUNDAMENTALS, PART 2</a:t>
-            </a:r>
+                <a:sym typeface="Georgia"/>
+              </a:rPr>
+              <a:t>Reid </a:t>
+            </a:r>
+            <a:r>
+              <a:rPr lang="en-US" sz="2800" b="0" i="1" u="none" strike="noStrike" cap="none" dirty="0" smtClean="0">
+                <a:solidFill>
+                  <a:srgbClr val="E52123"/>
+                </a:solidFill>
+                <a:latin typeface="Arial" charset="0"/>
+                <a:ea typeface="Arial" charset="0"/>
+                <a:cs typeface="Arial" charset="0"/>
+                <a:sym typeface="Georgia"/>
+              </a:rPr>
+              <a:t>Offringa, PhD</a:t>
+            </a:r>
+            <a:endParaRPr lang="en-US" sz="2800" b="0" i="1" u="none" strike="noStrike" cap="none" dirty="0">
+              <a:solidFill>
+                <a:srgbClr val="E52123"/>
+              </a:solidFill>
+              <a:latin typeface="Arial" charset="0"/>
+              <a:ea typeface="Arial" charset="0"/>
+              <a:cs typeface="Arial" charset="0"/>
+              <a:sym typeface="Georgia"/>
+            </a:endParaRPr>
+          </a:p>
+          <a:p>
+            <a:pPr marL="0" marR="0" lvl="0" indent="0" algn="l" rtl="0">
+              <a:lnSpc>
+                <a:spcPct val="121428"/>
+              </a:lnSpc>
+              <a:spcBef>
+                <a:spcPts val="0"/>
+              </a:spcBef>
+              <a:buSzPct val="25000"/>
+              <a:buNone/>
+            </a:pPr>
+            <a:r>
+              <a:rPr lang="en-US" sz="2800" b="0" i="1" u="none" strike="noStrike" cap="none" dirty="0" smtClean="0">
+                <a:solidFill>
+                  <a:srgbClr val="EAEAEA"/>
+                </a:solidFill>
+                <a:latin typeface="Arial" charset="0"/>
+                <a:ea typeface="Arial" charset="0"/>
+                <a:cs typeface="Arial" charset="0"/>
+                <a:sym typeface="Georgia"/>
+              </a:rPr>
+              <a:t>Data Scientist, Glooko</a:t>
+            </a:r>
+            <a:endParaRPr lang="en-US" sz="2800" b="0" i="1" u="none" strike="noStrike" cap="none" dirty="0">
+              <a:solidFill>
+                <a:srgbClr val="EAEAEA"/>
+              </a:solidFill>
+              <a:latin typeface="Arial" charset="0"/>
+              <a:ea typeface="Arial" charset="0"/>
+              <a:cs typeface="Arial" charset="0"/>
+              <a:sym typeface="Georgia"/>
+            </a:endParaRPr>
           </a:p>
         </p:txBody>
       </p:sp>
       <p:sp>
         <p:nvSpPr>
-          <p:cNvPr id="441" name="Shape 441"/>
-          <p:cNvSpPr txBox="1">
-            <a:spLocks noGrp="1"/>
-          </p:cNvSpPr>
-          <p:nvPr>
-            <p:ph type="body" idx="1"/>
-          </p:nvPr>
+          <p:cNvPr id="435" name="Shape 435"/>
+          <p:cNvSpPr/>
+          <p:nvPr/>
         </p:nvSpPr>
         <p:spPr>
           <a:xfrm>
-            <a:off x="635000" y="2738535"/>
-            <a:ext cx="11734800" cy="3809999"/>
+            <a:off x="3262085" y="1386115"/>
+            <a:ext cx="11734800" cy="3721199"/>
           </a:xfrm>
           <a:prstGeom prst="rect">
             <a:avLst/>
@@ -16218,253 +16158,63 @@
           </a:bodyPr>
           <a:lstStyle/>
           <a:p>
-            <a:pPr marR="0" lvl="0" algn="l" rtl="0">
-              <a:spcBef>
-                <a:spcPts val="0"/>
-              </a:spcBef>
+            <a:pPr marL="0" marR="0" lvl="0" indent="0" algn="l" rtl="0">
+              <a:lnSpc>
+                <a:spcPct val="75000"/>
+              </a:lnSpc>
+              <a:spcBef>
+                <a:spcPts val="0"/>
+              </a:spcBef>
+              <a:buSzPct val="25000"/>
               <a:buNone/>
             </a:pPr>
-            <a:endParaRPr sz="2800" dirty="0">
-              <a:latin typeface="Georgia"/>
-              <a:ea typeface="Georgia"/>
-              <a:cs typeface="Georgia"/>
-              <a:sym typeface="Georgia"/>
-            </a:endParaRPr>
-          </a:p>
-          <a:p>
-            <a:pPr marL="203200" marR="0" lvl="0" indent="-256540" algn="l" rtl="0">
-              <a:spcBef>
-                <a:spcPts val="1000"/>
-              </a:spcBef>
-              <a:buSzPct val="100000"/>
-              <a:buFont typeface="Georgia"/>
-              <a:buChar char="‣"/>
-            </a:pPr>
-            <a:r>
-              <a:rPr lang="en-US" sz="2800" dirty="0" smtClean="0">
+            <a:r>
+              <a:rPr lang="en-US" sz="9600" b="1" dirty="0" smtClean="0">
+                <a:solidFill>
+                  <a:srgbClr val="FFFFFF"/>
+                </a:solidFill>
                 <a:latin typeface="Arial" charset="0"/>
                 <a:ea typeface="Arial" charset="0"/>
                 <a:cs typeface="Arial" charset="0"/>
-                <a:sym typeface="Georgia"/>
-              </a:rPr>
-              <a:t>Review t-tests and Hypothesis testing</a:t>
-            </a:r>
-          </a:p>
-          <a:p>
-            <a:pPr marL="203200" indent="-256540">
-              <a:spcBef>
-                <a:spcPts val="1000"/>
-              </a:spcBef>
-              <a:buSzPct val="100000"/>
-              <a:buFont typeface="Georgia"/>
-              <a:buChar char="‣"/>
-            </a:pPr>
-            <a:r>
-              <a:rPr lang="en-US" sz="2800" dirty="0">
-                <a:latin typeface="Arial" charset="0"/>
-                <a:ea typeface="Arial" charset="0"/>
-                <a:cs typeface="Arial" charset="0"/>
-                <a:sym typeface="Georgia"/>
-              </a:rPr>
-              <a:t>Validate your findings using statistical analysis </a:t>
-            </a:r>
-            <a:endParaRPr lang="en-US" sz="2800" dirty="0" smtClean="0">
-              <a:latin typeface="Arial" charset="0"/>
-              <a:ea typeface="Arial" charset="0"/>
-              <a:cs typeface="Arial" charset="0"/>
-              <a:sym typeface="Georgia"/>
-            </a:endParaRPr>
-          </a:p>
-          <a:p>
-            <a:pPr marL="863600" lvl="1" indent="-256540">
-              <a:spcBef>
-                <a:spcPts val="1000"/>
-              </a:spcBef>
-              <a:buSzPct val="100000"/>
-              <a:buFont typeface="Georgia"/>
-              <a:buChar char="‣"/>
-            </a:pPr>
-            <a:r>
-              <a:rPr lang="en-US" sz="2800" dirty="0" smtClean="0">
-                <a:latin typeface="Arial" charset="0"/>
-                <a:ea typeface="Arial" charset="0"/>
-                <a:cs typeface="Arial" charset="0"/>
-                <a:sym typeface="Georgia"/>
-              </a:rPr>
-              <a:t>(</a:t>
-            </a:r>
-            <a:r>
-              <a:rPr lang="en-US" sz="2800" dirty="0">
-                <a:latin typeface="Arial" charset="0"/>
-                <a:ea typeface="Arial" charset="0"/>
-                <a:cs typeface="Arial" charset="0"/>
-                <a:sym typeface="Georgia"/>
-              </a:rPr>
-              <a:t>p-values, confidence intervals</a:t>
-            </a:r>
-            <a:r>
-              <a:rPr lang="en-US" sz="2800" dirty="0" smtClean="0">
-                <a:latin typeface="Arial" charset="0"/>
-                <a:ea typeface="Arial" charset="0"/>
-                <a:cs typeface="Arial" charset="0"/>
-                <a:sym typeface="Georgia"/>
-              </a:rPr>
-              <a:t>)</a:t>
-            </a:r>
-            <a:endParaRPr lang="en-US" sz="2800" dirty="0" smtClean="0">
-              <a:latin typeface="Arial" charset="0"/>
-              <a:ea typeface="Arial" charset="0"/>
-              <a:cs typeface="Arial" charset="0"/>
-              <a:sym typeface="Georgia"/>
-            </a:endParaRPr>
-          </a:p>
-          <a:p>
-            <a:pPr marL="203200" marR="0" lvl="0" indent="-256540" algn="l" rtl="0">
-              <a:spcBef>
-                <a:spcPts val="1000"/>
-              </a:spcBef>
-              <a:buSzPct val="100000"/>
-              <a:buFont typeface="Georgia"/>
-              <a:buChar char="‣"/>
-            </a:pPr>
-            <a:r>
-              <a:rPr lang="en-US" sz="2800" dirty="0" smtClean="0">
-                <a:latin typeface="Arial" charset="0"/>
-                <a:ea typeface="Arial" charset="0"/>
-                <a:cs typeface="Arial" charset="0"/>
-                <a:sym typeface="Georgia"/>
-              </a:rPr>
-              <a:t>Introduce Correlation and Linear Regression </a:t>
-            </a:r>
-            <a:endParaRPr lang="en-US" sz="2800" dirty="0">
-              <a:latin typeface="Arial" charset="0"/>
-              <a:ea typeface="Arial" charset="0"/>
-              <a:cs typeface="Arial" charset="0"/>
-              <a:sym typeface="Georgia"/>
-            </a:endParaRPr>
-          </a:p>
-          <a:p>
-            <a:pPr marL="203200" marR="0" lvl="0" indent="-256540" algn="l" rtl="0">
-              <a:spcBef>
-                <a:spcPts val="1000"/>
-              </a:spcBef>
-              <a:buSzPct val="100000"/>
-              <a:buFont typeface="Georgia"/>
-              <a:buChar char="‣"/>
-            </a:pPr>
-            <a:r>
-              <a:rPr lang="en-US" sz="2800" dirty="0" smtClean="0">
-                <a:latin typeface="Arial" charset="0"/>
-                <a:ea typeface="Arial" charset="0"/>
-                <a:cs typeface="Arial" charset="0"/>
-                <a:sym typeface="Georgia"/>
-              </a:rPr>
-              <a:t>Interpreting Results</a:t>
-            </a:r>
-            <a:endParaRPr lang="en-US" sz="2800" dirty="0" smtClean="0">
-              <a:latin typeface="Arial" charset="0"/>
-              <a:ea typeface="Arial" charset="0"/>
-              <a:cs typeface="Arial" charset="0"/>
-              <a:sym typeface="Georgia"/>
-            </a:endParaRPr>
-          </a:p>
-          <a:p>
-            <a:pPr marR="0" lvl="0" algn="l" rtl="0">
-              <a:spcBef>
-                <a:spcPts val="1000"/>
-              </a:spcBef>
-              <a:buNone/>
-            </a:pPr>
-            <a:endParaRPr sz="2800" dirty="0">
-              <a:latin typeface="Georgia"/>
-              <a:ea typeface="Georgia"/>
-              <a:cs typeface="Georgia"/>
-              <a:sym typeface="Georgia"/>
-            </a:endParaRPr>
-          </a:p>
-          <a:p>
-            <a:pPr marR="0" lvl="0" algn="l" rtl="0">
-              <a:spcBef>
-                <a:spcPts val="1000"/>
-              </a:spcBef>
-              <a:buNone/>
-            </a:pPr>
-            <a:endParaRPr sz="2800" dirty="0">
-              <a:latin typeface="Georgia"/>
-              <a:ea typeface="Georgia"/>
-              <a:cs typeface="Georgia"/>
-              <a:sym typeface="Georgia"/>
-            </a:endParaRPr>
+                <a:sym typeface="Oswald"/>
+              </a:rPr>
+              <a:t>T-tests</a:t>
+            </a:r>
           </a:p>
         </p:txBody>
       </p:sp>
       <p:sp>
         <p:nvSpPr>
-          <p:cNvPr id="442" name="Shape 442"/>
-          <p:cNvSpPr txBox="1">
-            <a:spLocks noGrp="1"/>
-          </p:cNvSpPr>
-          <p:nvPr>
-            <p:ph type="title"/>
-          </p:nvPr>
+          <p:cNvPr id="3" name="TextBox 2"/>
+          <p:cNvSpPr txBox="1"/>
+          <p:nvPr/>
         </p:nvSpPr>
         <p:spPr>
           <a:xfrm>
-            <a:off x="635000" y="1473200"/>
-            <a:ext cx="11734800" cy="711300"/>
+            <a:off x="2801257" y="943429"/>
+            <a:ext cx="184731" cy="307777"/>
           </a:xfrm>
           <a:prstGeom prst="rect">
             <a:avLst/>
           </a:prstGeom>
           <a:noFill/>
-          <a:ln>
-            <a:noFill/>
-          </a:ln>
         </p:spPr>
         <p:txBody>
-          <a:bodyPr lIns="0" tIns="0" rIns="0" bIns="0" anchor="t" anchorCtr="0">
-            <a:noAutofit/>
+          <a:bodyPr wrap="none" rtlCol="0">
+            <a:spAutoFit/>
           </a:bodyPr>
           <a:lstStyle/>
           <a:p>
-            <a:pPr marL="0" marR="0" lvl="0" indent="0" algn="l" rtl="0">
-              <a:lnSpc>
-                <a:spcPct val="92592"/>
-              </a:lnSpc>
-              <a:spcBef>
-                <a:spcPts val="0"/>
-              </a:spcBef>
-              <a:buSzPct val="25000"/>
-              <a:buNone/>
-            </a:pPr>
-            <a:r>
-              <a:rPr lang="en-US" sz="5400" b="1" dirty="0">
-                <a:latin typeface="Arial" charset="0"/>
-                <a:ea typeface="Arial" charset="0"/>
-                <a:cs typeface="Arial" charset="0"/>
-                <a:sym typeface="Oswald"/>
-              </a:rPr>
-              <a:t>LEARNING </a:t>
-            </a:r>
-            <a:r>
-              <a:rPr lang="en-US" sz="5400" b="1" dirty="0" smtClean="0">
-                <a:latin typeface="Arial" charset="0"/>
-                <a:ea typeface="Arial" charset="0"/>
-                <a:cs typeface="Arial" charset="0"/>
-                <a:sym typeface="Oswald"/>
-              </a:rPr>
-              <a:t>OBJECTIVES &amp; AGENDA</a:t>
-            </a:r>
-            <a:endParaRPr lang="en-US" sz="5400" b="1" dirty="0">
-              <a:latin typeface="Arial" charset="0"/>
-              <a:ea typeface="Arial" charset="0"/>
-              <a:cs typeface="Arial" charset="0"/>
-              <a:sym typeface="Oswald"/>
-            </a:endParaRPr>
+            <a:endParaRPr lang="en-US"/>
           </a:p>
         </p:txBody>
       </p:sp>
     </p:spTree>
+    <p:extLst>
+      <p:ext uri="{BB962C8B-B14F-4D97-AF65-F5344CB8AC3E}">
+        <p14:creationId xmlns:p14="http://schemas.microsoft.com/office/powerpoint/2010/main" val="692088749"/>
+      </p:ext>
+    </p:extLst>
   </p:cSld>
   <p:clrMapOvr>
     <a:masterClrMapping/>
@@ -16611,6 +16361,413 @@
           </a:xfrm>
           <a:prstGeom prst="pie">
             <a:avLst>
+              <a:gd name="adj1" fmla="val 397079"/>
+              <a:gd name="adj2" fmla="val 16121660"/>
+            </a:avLst>
+          </a:prstGeom>
+          <a:solidFill>
+            <a:schemeClr val="accent6">
+              <a:lumMod val="60000"/>
+              <a:lumOff val="40000"/>
+            </a:schemeClr>
+          </a:solidFill>
+          <a:ln>
+            <a:noFill/>
+          </a:ln>
+        </p:spPr>
+        <p:style>
+          <a:lnRef idx="2">
+            <a:schemeClr val="accent1">
+              <a:shade val="50000"/>
+            </a:schemeClr>
+          </a:lnRef>
+          <a:fillRef idx="1">
+            <a:schemeClr val="accent1"/>
+          </a:fillRef>
+          <a:effectRef idx="0">
+            <a:schemeClr val="accent1"/>
+          </a:effectRef>
+          <a:fontRef idx="minor">
+            <a:schemeClr val="lt1"/>
+          </a:fontRef>
+        </p:style>
+        <p:txBody>
+          <a:bodyPr rtlCol="0" anchor="ctr"/>
+          <a:lstStyle/>
+          <a:p>
+            <a:pPr algn="ctr"/>
+            <a:endParaRPr lang="en-US" dirty="0" smtClean="0">
+              <a:solidFill>
+                <a:schemeClr val="tx1"/>
+              </a:solidFill>
+            </a:endParaRPr>
+          </a:p>
+          <a:p>
+            <a:pPr algn="ctr"/>
+            <a:endParaRPr lang="en-US" dirty="0" smtClean="0">
+              <a:solidFill>
+                <a:schemeClr val="tx1"/>
+              </a:solidFill>
+            </a:endParaRPr>
+          </a:p>
+          <a:p>
+            <a:pPr algn="ctr"/>
+            <a:endParaRPr lang="en-US" dirty="0">
+              <a:solidFill>
+                <a:schemeClr val="tx1"/>
+              </a:solidFill>
+            </a:endParaRPr>
+          </a:p>
+          <a:p>
+            <a:pPr algn="ctr"/>
+            <a:endParaRPr lang="en-US" dirty="0" smtClean="0">
+              <a:solidFill>
+                <a:schemeClr val="tx1"/>
+              </a:solidFill>
+            </a:endParaRPr>
+          </a:p>
+          <a:p>
+            <a:pPr algn="ctr"/>
+            <a:endParaRPr lang="en-US" dirty="0">
+              <a:solidFill>
+                <a:schemeClr val="tx1"/>
+              </a:solidFill>
+            </a:endParaRPr>
+          </a:p>
+          <a:p>
+            <a:pPr algn="ctr"/>
+            <a:endParaRPr lang="en-US" dirty="0" smtClean="0">
+              <a:solidFill>
+                <a:schemeClr val="tx1"/>
+              </a:solidFill>
+            </a:endParaRPr>
+          </a:p>
+          <a:p>
+            <a:pPr algn="ctr"/>
+            <a:endParaRPr lang="en-US" dirty="0">
+              <a:solidFill>
+                <a:schemeClr val="tx1"/>
+              </a:solidFill>
+            </a:endParaRPr>
+          </a:p>
+          <a:p>
+            <a:pPr algn="ctr"/>
+            <a:endParaRPr lang="en-US" dirty="0" smtClean="0">
+              <a:solidFill>
+                <a:schemeClr val="tx1"/>
+              </a:solidFill>
+            </a:endParaRPr>
+          </a:p>
+          <a:p>
+            <a:pPr algn="ctr"/>
+            <a:endParaRPr lang="en-US" dirty="0">
+              <a:solidFill>
+                <a:schemeClr val="tx1"/>
+              </a:solidFill>
+            </a:endParaRPr>
+          </a:p>
+          <a:p>
+            <a:pPr algn="r"/>
+            <a:r>
+              <a:rPr lang="en-US" dirty="0" smtClean="0">
+                <a:solidFill>
+                  <a:schemeClr val="bg1"/>
+                </a:solidFill>
+              </a:rPr>
+              <a:t>Variable X2</a:t>
+            </a:r>
+            <a:endParaRPr lang="en-US" dirty="0">
+              <a:solidFill>
+                <a:schemeClr val="bg1"/>
+              </a:solidFill>
+            </a:endParaRPr>
+          </a:p>
+        </p:txBody>
+      </p:sp>
+      <p:sp>
+        <p:nvSpPr>
+          <p:cNvPr id="5" name="Pie 4"/>
+          <p:cNvSpPr/>
+          <p:nvPr/>
+        </p:nvSpPr>
+        <p:spPr>
+          <a:xfrm>
+            <a:off x="3367314" y="1538514"/>
+            <a:ext cx="5239657" cy="4702628"/>
+          </a:xfrm>
+          <a:prstGeom prst="pie">
+            <a:avLst>
+              <a:gd name="adj1" fmla="val 6446984"/>
+              <a:gd name="adj2" fmla="val 16121660"/>
+            </a:avLst>
+          </a:prstGeom>
+        </p:spPr>
+        <p:style>
+          <a:lnRef idx="2">
+            <a:schemeClr val="accent1">
+              <a:shade val="50000"/>
+            </a:schemeClr>
+          </a:lnRef>
+          <a:fillRef idx="1">
+            <a:schemeClr val="accent1"/>
+          </a:fillRef>
+          <a:effectRef idx="0">
+            <a:schemeClr val="accent1"/>
+          </a:effectRef>
+          <a:fontRef idx="minor">
+            <a:schemeClr val="lt1"/>
+          </a:fontRef>
+        </p:style>
+        <p:txBody>
+          <a:bodyPr rtlCol="0" anchor="ctr"/>
+          <a:lstStyle/>
+          <a:p>
+            <a:pPr algn="ctr"/>
+            <a:endParaRPr lang="en-US" dirty="0" smtClean="0">
+              <a:solidFill>
+                <a:schemeClr val="tx1"/>
+              </a:solidFill>
+            </a:endParaRPr>
+          </a:p>
+          <a:p>
+            <a:pPr algn="ctr"/>
+            <a:endParaRPr lang="en-US" dirty="0">
+              <a:solidFill>
+                <a:schemeClr val="tx1"/>
+              </a:solidFill>
+            </a:endParaRPr>
+          </a:p>
+          <a:p>
+            <a:r>
+              <a:rPr lang="en-US" dirty="0" smtClean="0">
+                <a:solidFill>
+                  <a:schemeClr val="bg1"/>
+                </a:solidFill>
+              </a:rPr>
+              <a:t>REMAINING </a:t>
+            </a:r>
+          </a:p>
+          <a:p>
+            <a:r>
+              <a:rPr lang="en-US" dirty="0" smtClean="0">
+                <a:solidFill>
+                  <a:schemeClr val="bg1"/>
+                </a:solidFill>
+              </a:rPr>
+              <a:t>VARIANCE</a:t>
+            </a:r>
+            <a:endParaRPr lang="en-US" dirty="0">
+              <a:solidFill>
+                <a:schemeClr val="bg1"/>
+              </a:solidFill>
+            </a:endParaRPr>
+          </a:p>
+        </p:txBody>
+      </p:sp>
+      <p:sp>
+        <p:nvSpPr>
+          <p:cNvPr id="6" name="TextBox 5"/>
+          <p:cNvSpPr txBox="1"/>
+          <p:nvPr/>
+        </p:nvSpPr>
+        <p:spPr>
+          <a:xfrm>
+            <a:off x="6676572" y="2743200"/>
+            <a:ext cx="1111202" cy="307777"/>
+          </a:xfrm>
+          <a:prstGeom prst="rect">
+            <a:avLst/>
+          </a:prstGeom>
+          <a:noFill/>
+          <a:ln>
+            <a:noFill/>
+          </a:ln>
+        </p:spPr>
+        <p:txBody>
+          <a:bodyPr wrap="none" rtlCol="0">
+            <a:spAutoFit/>
+          </a:bodyPr>
+          <a:lstStyle/>
+          <a:p>
+            <a:r>
+              <a:rPr lang="en-US" dirty="0" smtClean="0">
+                <a:solidFill>
+                  <a:schemeClr val="bg1"/>
+                </a:solidFill>
+              </a:rPr>
+              <a:t>Variable</a:t>
+            </a:r>
+            <a:r>
+              <a:rPr lang="en-US" dirty="0" smtClean="0">
+                <a:solidFill>
+                  <a:sysClr val="windowText" lastClr="000000"/>
+                </a:solidFill>
+              </a:rPr>
+              <a:t> </a:t>
+            </a:r>
+            <a:r>
+              <a:rPr lang="en-US" dirty="0" smtClean="0">
+                <a:solidFill>
+                  <a:schemeClr val="bg1"/>
+                </a:solidFill>
+              </a:rPr>
+              <a:t>X1</a:t>
+            </a:r>
+          </a:p>
+        </p:txBody>
+      </p:sp>
+    </p:spTree>
+    <p:extLst>
+      <p:ext uri="{BB962C8B-B14F-4D97-AF65-F5344CB8AC3E}">
+        <p14:creationId xmlns:p14="http://schemas.microsoft.com/office/powerpoint/2010/main" val="199852513"/>
+      </p:ext>
+    </p:extLst>
+  </p:cSld>
+  <p:clrMapOvr>
+    <a:masterClrMapping/>
+  </p:clrMapOvr>
+  <p:timing>
+    <p:tnLst>
+      <p:par>
+        <p:cTn id="1" dur="indefinite" restart="never" nodeType="tmRoot"/>
+      </p:par>
+    </p:tnLst>
+  </p:timing>
+</p:sld>
+</file>
+
+<file path=ppt/slides/slide21.xml><?xml version="1.0" encoding="utf-8"?>
+<p:sld xmlns:a="http://schemas.openxmlformats.org/drawingml/2006/main" xmlns:r="http://schemas.openxmlformats.org/officeDocument/2006/relationships" xmlns:p="http://schemas.openxmlformats.org/presentationml/2006/main">
+  <p:cSld>
+    <p:spTree>
+      <p:nvGrpSpPr>
+        <p:cNvPr id="1" name="Shape 796"/>
+        <p:cNvGrpSpPr/>
+        <p:nvPr/>
+      </p:nvGrpSpPr>
+      <p:grpSpPr>
+        <a:xfrm>
+          <a:off x="0" y="0"/>
+          <a:ext cx="0" cy="0"/>
+          <a:chOff x="0" y="0"/>
+          <a:chExt cx="0" cy="0"/>
+        </a:xfrm>
+      </p:grpSpPr>
+      <p:sp>
+        <p:nvSpPr>
+          <p:cNvPr id="798" name="Shape 798"/>
+          <p:cNvSpPr/>
+          <p:nvPr/>
+        </p:nvSpPr>
+        <p:spPr>
+          <a:xfrm>
+            <a:off x="635000" y="736600"/>
+            <a:ext cx="11734800" cy="431700"/>
+          </a:xfrm>
+          <a:prstGeom prst="rect">
+            <a:avLst/>
+          </a:prstGeom>
+          <a:noFill/>
+          <a:ln>
+            <a:noFill/>
+          </a:ln>
+        </p:spPr>
+        <p:txBody>
+          <a:bodyPr lIns="0" tIns="0" rIns="0" bIns="0" anchor="t" anchorCtr="0">
+            <a:noAutofit/>
+          </a:bodyPr>
+          <a:lstStyle/>
+          <a:p>
+            <a:pPr marL="0" marR="0" lvl="0" indent="0" algn="l" rtl="0">
+              <a:lnSpc>
+                <a:spcPct val="100000"/>
+              </a:lnSpc>
+              <a:spcBef>
+                <a:spcPts val="0"/>
+              </a:spcBef>
+              <a:buSzPct val="25000"/>
+              <a:buNone/>
+            </a:pPr>
+            <a:r>
+              <a:rPr lang="en-US" sz="3200" b="1" dirty="0" smtClean="0">
+                <a:latin typeface="Arial" charset="0"/>
+                <a:ea typeface="Arial" charset="0"/>
+                <a:cs typeface="Arial" charset="0"/>
+                <a:sym typeface="Oswald"/>
+              </a:rPr>
+              <a:t>LINEAR REGRESSION</a:t>
+            </a:r>
+            <a:endParaRPr lang="en-US" sz="3200" b="1" dirty="0">
+              <a:latin typeface="Arial" charset="0"/>
+              <a:ea typeface="Arial" charset="0"/>
+              <a:cs typeface="Arial" charset="0"/>
+              <a:sym typeface="Oswald"/>
+            </a:endParaRPr>
+          </a:p>
+        </p:txBody>
+      </p:sp>
+      <p:sp>
+        <p:nvSpPr>
+          <p:cNvPr id="2" name="Oval 1"/>
+          <p:cNvSpPr/>
+          <p:nvPr/>
+        </p:nvSpPr>
+        <p:spPr>
+          <a:xfrm>
+            <a:off x="3367315" y="1538514"/>
+            <a:ext cx="5239657" cy="4702628"/>
+          </a:xfrm>
+          <a:prstGeom prst="ellipse">
+            <a:avLst/>
+          </a:prstGeom>
+          <a:solidFill>
+            <a:schemeClr val="accent5">
+              <a:lumMod val="60000"/>
+              <a:lumOff val="40000"/>
+            </a:schemeClr>
+          </a:solidFill>
+          <a:ln>
+            <a:noFill/>
+          </a:ln>
+        </p:spPr>
+        <p:style>
+          <a:lnRef idx="2">
+            <a:schemeClr val="accent1">
+              <a:shade val="50000"/>
+            </a:schemeClr>
+          </a:lnRef>
+          <a:fillRef idx="1">
+            <a:schemeClr val="accent1"/>
+          </a:fillRef>
+          <a:effectRef idx="0">
+            <a:schemeClr val="accent1"/>
+          </a:effectRef>
+          <a:fontRef idx="minor">
+            <a:schemeClr val="lt1"/>
+          </a:fontRef>
+        </p:style>
+        <p:txBody>
+          <a:bodyPr rtlCol="0" anchor="ctr"/>
+          <a:lstStyle/>
+          <a:p>
+            <a:pPr algn="ctr"/>
+            <a:endParaRPr lang="en-US" dirty="0"/>
+          </a:p>
+        </p:txBody>
+      </p:sp>
+      <p:sp>
+        <p:nvSpPr>
+          <p:cNvPr id="7" name="Pie 6"/>
+          <p:cNvSpPr/>
+          <p:nvPr/>
+        </p:nvSpPr>
+        <p:spPr>
+          <a:xfrm>
+            <a:off x="3367313" y="1538514"/>
+            <a:ext cx="5239657" cy="4702628"/>
+          </a:xfrm>
+          <a:prstGeom prst="pie">
+            <a:avLst>
               <a:gd name="adj1" fmla="val 20513076"/>
               <a:gd name="adj2" fmla="val 16121660"/>
             </a:avLst>
@@ -16886,7 +17043,7 @@
 </p:sld>
 </file>
 
-<file path=ppt/slides/slide21.xml><?xml version="1.0" encoding="utf-8"?>
+<file path=ppt/slides/slide22.xml><?xml version="1.0" encoding="utf-8"?>
 <p:sld xmlns:a="http://schemas.openxmlformats.org/drawingml/2006/main" xmlns:r="http://schemas.openxmlformats.org/officeDocument/2006/relationships" xmlns:p="http://schemas.openxmlformats.org/presentationml/2006/main">
   <p:cSld>
     <p:spTree>
@@ -17037,7 +17194,7 @@
 </p:sld>
 </file>
 
-<file path=ppt/slides/slide22.xml><?xml version="1.0" encoding="utf-8"?>
+<file path=ppt/slides/slide23.xml><?xml version="1.0" encoding="utf-8"?>
 <p:sld xmlns:a="http://schemas.openxmlformats.org/drawingml/2006/main" xmlns:r="http://schemas.openxmlformats.org/officeDocument/2006/relationships" xmlns:p="http://schemas.openxmlformats.org/presentationml/2006/main">
   <p:cSld>
     <p:spTree>
@@ -17489,7 +17646,7 @@
 </p:sld>
 </file>
 
-<file path=ppt/slides/slide23.xml><?xml version="1.0" encoding="utf-8"?>
+<file path=ppt/slides/slide24.xml><?xml version="1.0" encoding="utf-8"?>
 <p:sld xmlns:a="http://schemas.openxmlformats.org/drawingml/2006/main" xmlns:r="http://schemas.openxmlformats.org/officeDocument/2006/relationships" xmlns:p="http://schemas.openxmlformats.org/presentationml/2006/main">
   <p:cSld>
     <p:spTree>
@@ -17635,7 +17792,7 @@
 </p:sld>
 </file>
 
-<file path=ppt/slides/slide24.xml><?xml version="1.0" encoding="utf-8"?>
+<file path=ppt/slides/slide25.xml><?xml version="1.0" encoding="utf-8"?>
 <p:sld xmlns:a="http://schemas.openxmlformats.org/drawingml/2006/main" xmlns:r="http://schemas.openxmlformats.org/officeDocument/2006/relationships" xmlns:p="http://schemas.openxmlformats.org/presentationml/2006/main">
   <p:cSld>
     <p:spTree>
@@ -17875,7 +18032,7 @@
 </p:sld>
 </file>
 
-<file path=ppt/slides/slide25.xml><?xml version="1.0" encoding="utf-8"?>
+<file path=ppt/slides/slide26.xml><?xml version="1.0" encoding="utf-8"?>
 <p:sld xmlns:a="http://schemas.openxmlformats.org/drawingml/2006/main" xmlns:r="http://schemas.openxmlformats.org/officeDocument/2006/relationships" xmlns:p="http://schemas.openxmlformats.org/presentationml/2006/main">
   <p:cSld>
     <p:spTree>
@@ -18168,7 +18325,7 @@
 </p:sld>
 </file>
 
-<file path=ppt/slides/slide26.xml><?xml version="1.0" encoding="utf-8"?>
+<file path=ppt/slides/slide27.xml><?xml version="1.0" encoding="utf-8"?>
 <p:sld xmlns:a="http://schemas.openxmlformats.org/drawingml/2006/main" xmlns:r="http://schemas.openxmlformats.org/officeDocument/2006/relationships" xmlns:p="http://schemas.openxmlformats.org/presentationml/2006/main">
   <p:cSld>
     <p:spTree>
@@ -18466,7 +18623,7 @@
 </p:sld>
 </file>
 
-<file path=ppt/slides/slide27.xml><?xml version="1.0" encoding="utf-8"?>
+<file path=ppt/slides/slide28.xml><?xml version="1.0" encoding="utf-8"?>
 <p:sld xmlns:a="http://schemas.openxmlformats.org/drawingml/2006/main" xmlns:r="http://schemas.openxmlformats.org/officeDocument/2006/relationships" xmlns:p="http://schemas.openxmlformats.org/presentationml/2006/main">
   <p:cSld>
     <p:spTree>
@@ -18677,7 +18834,7 @@
 </p:sld>
 </file>
 
-<file path=ppt/slides/slide28.xml><?xml version="1.0" encoding="utf-8"?>
+<file path=ppt/slides/slide29.xml><?xml version="1.0" encoding="utf-8"?>
 <p:sld xmlns:a="http://schemas.openxmlformats.org/drawingml/2006/main" xmlns:r="http://schemas.openxmlformats.org/officeDocument/2006/relationships" xmlns:p="http://schemas.openxmlformats.org/presentationml/2006/main">
   <p:cSld>
     <p:spTree>
@@ -18987,12 +19144,12 @@
 </p:sld>
 </file>
 
-<file path=ppt/slides/slide29.xml><?xml version="1.0" encoding="utf-8"?>
+<file path=ppt/slides/slide3.xml><?xml version="1.0" encoding="utf-8"?>
 <p:sld xmlns:a="http://schemas.openxmlformats.org/drawingml/2006/main" xmlns:r="http://schemas.openxmlformats.org/officeDocument/2006/relationships" xmlns:p="http://schemas.openxmlformats.org/presentationml/2006/main">
   <p:cSld>
     <p:spTree>
       <p:nvGrpSpPr>
-        <p:cNvPr id="1" name="Shape 579"/>
+        <p:cNvPr id="1" name="Shape 439"/>
         <p:cNvGrpSpPr/>
         <p:nvPr/>
       </p:nvGrpSpPr>
@@ -19006,7 +19163,7 @@
       </p:grpSpPr>
       <p:sp>
         <p:nvSpPr>
-          <p:cNvPr id="580" name="Shape 580"/>
+          <p:cNvPr id="440" name="Shape 440"/>
           <p:cNvSpPr/>
           <p:nvPr/>
         </p:nvSpPr>
@@ -19029,18 +19186,16 @@
           </a:bodyPr>
           <a:lstStyle/>
           <a:p>
-            <a:pPr>
+            <a:pPr marL="0" marR="0" lvl="0" indent="0" algn="l" rtl="0">
+              <a:lnSpc>
+                <a:spcPct val="100000"/>
+              </a:lnSpc>
+              <a:spcBef>
+                <a:spcPts val="0"/>
+              </a:spcBef>
               <a:buSzPct val="25000"/>
-            </a:pPr>
-            <a:r>
-              <a:rPr lang="en-US" sz="3200" b="1" dirty="0" smtClean="0">
-                <a:latin typeface="Arial" charset="0"/>
-                <a:ea typeface="Arial" charset="0"/>
-                <a:cs typeface="Arial" charset="0"/>
-                <a:sym typeface="Oswald"/>
-              </a:rPr>
-              <a:t>CONFOUNDING: </a:t>
-            </a:r>
+              <a:buNone/>
+            </a:pPr>
             <a:r>
               <a:rPr lang="en-US" sz="3200" b="1" dirty="0">
                 <a:latin typeface="Arial" charset="0"/>
@@ -19048,13 +19203,252 @@
                 <a:cs typeface="Arial" charset="0"/>
                 <a:sym typeface="Oswald"/>
               </a:rPr>
-              <a:t>DIRECTED ACYCLIC GRAPH</a:t>
-            </a:r>
-          </a:p>
+              <a:t>STATISTICS FUNDAMENTALS, PART 2</a:t>
+            </a:r>
+          </a:p>
+        </p:txBody>
+      </p:sp>
+      <p:sp>
+        <p:nvSpPr>
+          <p:cNvPr id="441" name="Shape 441"/>
+          <p:cNvSpPr txBox="1">
+            <a:spLocks noGrp="1"/>
+          </p:cNvSpPr>
+          <p:nvPr>
+            <p:ph type="body" idx="1"/>
+          </p:nvPr>
+        </p:nvSpPr>
+        <p:spPr>
+          <a:xfrm>
+            <a:off x="635000" y="2738535"/>
+            <a:ext cx="11734800" cy="3809999"/>
+          </a:xfrm>
+          <a:prstGeom prst="rect">
+            <a:avLst/>
+          </a:prstGeom>
+          <a:noFill/>
+          <a:ln>
+            <a:noFill/>
+          </a:ln>
+        </p:spPr>
+        <p:txBody>
+          <a:bodyPr lIns="0" tIns="0" rIns="0" bIns="0" anchor="t" anchorCtr="0">
+            <a:noAutofit/>
+          </a:bodyPr>
+          <a:lstStyle/>
+          <a:p>
+            <a:pPr marR="0" lvl="0" algn="l" rtl="0">
+              <a:spcBef>
+                <a:spcPts val="0"/>
+              </a:spcBef>
+              <a:buNone/>
+            </a:pPr>
+            <a:endParaRPr sz="2800" dirty="0">
+              <a:latin typeface="Georgia"/>
+              <a:ea typeface="Georgia"/>
+              <a:cs typeface="Georgia"/>
+              <a:sym typeface="Georgia"/>
+            </a:endParaRPr>
+          </a:p>
+          <a:p>
+            <a:pPr marL="203200" marR="0" lvl="0" indent="-256540" algn="l" rtl="0">
+              <a:spcBef>
+                <a:spcPts val="1000"/>
+              </a:spcBef>
+              <a:buSzPct val="100000"/>
+              <a:buFont typeface="Georgia"/>
+              <a:buChar char="‣"/>
+            </a:pPr>
+            <a:r>
+              <a:rPr lang="en-US" sz="2800" dirty="0" smtClean="0">
+                <a:latin typeface="Arial" charset="0"/>
+                <a:ea typeface="Arial" charset="0"/>
+                <a:cs typeface="Arial" charset="0"/>
+                <a:sym typeface="Georgia"/>
+              </a:rPr>
+              <a:t>Review t-tests and Hypothesis testing</a:t>
+            </a:r>
+          </a:p>
+          <a:p>
+            <a:pPr marL="203200" indent="-256540">
+              <a:spcBef>
+                <a:spcPts val="1000"/>
+              </a:spcBef>
+              <a:buSzPct val="100000"/>
+              <a:buFont typeface="Georgia"/>
+              <a:buChar char="‣"/>
+            </a:pPr>
+            <a:r>
+              <a:rPr lang="en-US" sz="2800" dirty="0">
+                <a:latin typeface="Arial" charset="0"/>
+                <a:ea typeface="Arial" charset="0"/>
+                <a:cs typeface="Arial" charset="0"/>
+                <a:sym typeface="Georgia"/>
+              </a:rPr>
+              <a:t>Validate your findings using statistical analysis </a:t>
+            </a:r>
+            <a:endParaRPr lang="en-US" sz="2800" dirty="0" smtClean="0">
+              <a:latin typeface="Arial" charset="0"/>
+              <a:ea typeface="Arial" charset="0"/>
+              <a:cs typeface="Arial" charset="0"/>
+              <a:sym typeface="Georgia"/>
+            </a:endParaRPr>
+          </a:p>
+          <a:p>
+            <a:pPr marL="863600" lvl="1" indent="-256540">
+              <a:spcBef>
+                <a:spcPts val="1000"/>
+              </a:spcBef>
+              <a:buSzPct val="100000"/>
+              <a:buFont typeface="Georgia"/>
+              <a:buChar char="‣"/>
+            </a:pPr>
+            <a:r>
+              <a:rPr lang="en-US" sz="2800" dirty="0" smtClean="0">
+                <a:latin typeface="Arial" charset="0"/>
+                <a:ea typeface="Arial" charset="0"/>
+                <a:cs typeface="Arial" charset="0"/>
+                <a:sym typeface="Georgia"/>
+              </a:rPr>
+              <a:t>(</a:t>
+            </a:r>
+            <a:r>
+              <a:rPr lang="en-US" sz="2800" dirty="0">
+                <a:latin typeface="Arial" charset="0"/>
+                <a:ea typeface="Arial" charset="0"/>
+                <a:cs typeface="Arial" charset="0"/>
+                <a:sym typeface="Georgia"/>
+              </a:rPr>
+              <a:t>p-values, confidence intervals</a:t>
+            </a:r>
+            <a:r>
+              <a:rPr lang="en-US" sz="2800" dirty="0" smtClean="0">
+                <a:latin typeface="Arial" charset="0"/>
+                <a:ea typeface="Arial" charset="0"/>
+                <a:cs typeface="Arial" charset="0"/>
+                <a:sym typeface="Georgia"/>
+              </a:rPr>
+              <a:t>)</a:t>
+            </a:r>
+            <a:endParaRPr lang="en-US" sz="2800" dirty="0" smtClean="0">
+              <a:latin typeface="Arial" charset="0"/>
+              <a:ea typeface="Arial" charset="0"/>
+              <a:cs typeface="Arial" charset="0"/>
+              <a:sym typeface="Georgia"/>
+            </a:endParaRPr>
+          </a:p>
+          <a:p>
+            <a:pPr marL="203200" marR="0" lvl="0" indent="-256540" algn="l" rtl="0">
+              <a:spcBef>
+                <a:spcPts val="1000"/>
+              </a:spcBef>
+              <a:buSzPct val="100000"/>
+              <a:buFont typeface="Georgia"/>
+              <a:buChar char="‣"/>
+            </a:pPr>
+            <a:r>
+              <a:rPr lang="en-US" sz="2800" dirty="0" smtClean="0">
+                <a:latin typeface="Arial" charset="0"/>
+                <a:ea typeface="Arial" charset="0"/>
+                <a:cs typeface="Arial" charset="0"/>
+                <a:sym typeface="Georgia"/>
+              </a:rPr>
+              <a:t>Introduce Correlation and Linear Regression </a:t>
+            </a:r>
+            <a:endParaRPr lang="en-US" sz="2800" dirty="0">
+              <a:latin typeface="Arial" charset="0"/>
+              <a:ea typeface="Arial" charset="0"/>
+              <a:cs typeface="Arial" charset="0"/>
+              <a:sym typeface="Georgia"/>
+            </a:endParaRPr>
+          </a:p>
+          <a:p>
+            <a:pPr marL="203200" marR="0" lvl="0" indent="-256540" algn="l" rtl="0">
+              <a:spcBef>
+                <a:spcPts val="1000"/>
+              </a:spcBef>
+              <a:buSzPct val="100000"/>
+              <a:buFont typeface="Georgia"/>
+              <a:buChar char="‣"/>
+            </a:pPr>
+            <a:r>
+              <a:rPr lang="en-US" sz="2800" dirty="0" smtClean="0">
+                <a:latin typeface="Arial" charset="0"/>
+                <a:ea typeface="Arial" charset="0"/>
+                <a:cs typeface="Arial" charset="0"/>
+                <a:sym typeface="Georgia"/>
+              </a:rPr>
+              <a:t>Interpreting Results</a:t>
+            </a:r>
+            <a:endParaRPr lang="en-US" sz="2800" dirty="0" smtClean="0">
+              <a:latin typeface="Arial" charset="0"/>
+              <a:ea typeface="Arial" charset="0"/>
+              <a:cs typeface="Arial" charset="0"/>
+              <a:sym typeface="Georgia"/>
+            </a:endParaRPr>
+          </a:p>
+          <a:p>
+            <a:pPr marR="0" lvl="0" algn="l" rtl="0">
+              <a:spcBef>
+                <a:spcPts val="1000"/>
+              </a:spcBef>
+              <a:buNone/>
+            </a:pPr>
+            <a:endParaRPr sz="2800" dirty="0">
+              <a:latin typeface="Georgia"/>
+              <a:ea typeface="Georgia"/>
+              <a:cs typeface="Georgia"/>
+              <a:sym typeface="Georgia"/>
+            </a:endParaRPr>
+          </a:p>
+          <a:p>
+            <a:pPr marR="0" lvl="0" algn="l" rtl="0">
+              <a:spcBef>
+                <a:spcPts val="1000"/>
+              </a:spcBef>
+              <a:buNone/>
+            </a:pPr>
+            <a:endParaRPr sz="2800" dirty="0">
+              <a:latin typeface="Georgia"/>
+              <a:ea typeface="Georgia"/>
+              <a:cs typeface="Georgia"/>
+              <a:sym typeface="Georgia"/>
+            </a:endParaRPr>
+          </a:p>
+        </p:txBody>
+      </p:sp>
+      <p:sp>
+        <p:nvSpPr>
+          <p:cNvPr id="442" name="Shape 442"/>
+          <p:cNvSpPr txBox="1">
+            <a:spLocks noGrp="1"/>
+          </p:cNvSpPr>
+          <p:nvPr>
+            <p:ph type="title"/>
+          </p:nvPr>
+        </p:nvSpPr>
+        <p:spPr>
+          <a:xfrm>
+            <a:off x="635000" y="1473200"/>
+            <a:ext cx="11734800" cy="711300"/>
+          </a:xfrm>
+          <a:prstGeom prst="rect">
+            <a:avLst/>
+          </a:prstGeom>
+          <a:noFill/>
+          <a:ln>
+            <a:noFill/>
+          </a:ln>
+        </p:spPr>
+        <p:txBody>
+          <a:bodyPr lIns="0" tIns="0" rIns="0" bIns="0" anchor="t" anchorCtr="0">
+            <a:noAutofit/>
+          </a:bodyPr>
+          <a:lstStyle/>
           <a:p>
             <a:pPr marL="0" marR="0" lvl="0" indent="0" algn="l" rtl="0">
               <a:lnSpc>
-                <a:spcPct val="100000"/>
+                <a:spcPct val="92592"/>
               </a:lnSpc>
               <a:spcBef>
                 <a:spcPts val="0"/>
@@ -19062,602 +19456,30 @@
               <a:buSzPct val="25000"/>
               <a:buNone/>
             </a:pPr>
-            <a:endParaRPr lang="en-US" sz="3200" b="1" dirty="0">
+            <a:r>
+              <a:rPr lang="en-US" sz="5400" b="1" dirty="0">
+                <a:latin typeface="Arial" charset="0"/>
+                <a:ea typeface="Arial" charset="0"/>
+                <a:cs typeface="Arial" charset="0"/>
+                <a:sym typeface="Oswald"/>
+              </a:rPr>
+              <a:t>LEARNING </a:t>
+            </a:r>
+            <a:r>
+              <a:rPr lang="en-US" sz="5400" b="1" dirty="0" smtClean="0">
+                <a:latin typeface="Arial" charset="0"/>
+                <a:ea typeface="Arial" charset="0"/>
+                <a:cs typeface="Arial" charset="0"/>
+                <a:sym typeface="Oswald"/>
+              </a:rPr>
+              <a:t>OBJECTIVES &amp; AGENDA</a:t>
+            </a:r>
+            <a:endParaRPr lang="en-US" sz="5400" b="1" dirty="0">
               <a:latin typeface="Arial" charset="0"/>
               <a:ea typeface="Arial" charset="0"/>
               <a:cs typeface="Arial" charset="0"/>
               <a:sym typeface="Oswald"/>
             </a:endParaRPr>
-          </a:p>
-        </p:txBody>
-      </p:sp>
-      <p:sp>
-        <p:nvSpPr>
-          <p:cNvPr id="2" name="Rectangle 1"/>
-          <p:cNvSpPr/>
-          <p:nvPr/>
-        </p:nvSpPr>
-        <p:spPr>
-          <a:xfrm>
-            <a:off x="635000" y="2205317"/>
-            <a:ext cx="3585882" cy="2026024"/>
-          </a:xfrm>
-          <a:prstGeom prst="rect">
-            <a:avLst/>
-          </a:prstGeom>
-          <a:solidFill>
-            <a:schemeClr val="accent3">
-              <a:lumMod val="75000"/>
-            </a:schemeClr>
-          </a:solidFill>
-          <a:ln>
-            <a:noFill/>
-          </a:ln>
-        </p:spPr>
-        <p:style>
-          <a:lnRef idx="2">
-            <a:schemeClr val="accent1">
-              <a:shade val="50000"/>
-            </a:schemeClr>
-          </a:lnRef>
-          <a:fillRef idx="1">
-            <a:schemeClr val="accent1"/>
-          </a:fillRef>
-          <a:effectRef idx="0">
-            <a:schemeClr val="accent1"/>
-          </a:effectRef>
-          <a:fontRef idx="minor">
-            <a:schemeClr val="lt1"/>
-          </a:fontRef>
-        </p:style>
-        <p:txBody>
-          <a:bodyPr rtlCol="0" anchor="ctr"/>
-          <a:lstStyle/>
-          <a:p>
-            <a:pPr algn="ctr"/>
-            <a:r>
-              <a:rPr lang="en-US" sz="3000" smtClean="0"/>
-              <a:t>Eating Raw Nuts</a:t>
-            </a:r>
-            <a:endParaRPr lang="en-US" sz="3000" dirty="0"/>
-          </a:p>
-        </p:txBody>
-      </p:sp>
-      <p:sp>
-        <p:nvSpPr>
-          <p:cNvPr id="6" name="Rectangle 5"/>
-          <p:cNvSpPr/>
-          <p:nvPr/>
-        </p:nvSpPr>
-        <p:spPr>
-          <a:xfrm>
-            <a:off x="8084670" y="2205317"/>
-            <a:ext cx="3585882" cy="2026024"/>
-          </a:xfrm>
-          <a:prstGeom prst="rect">
-            <a:avLst/>
-          </a:prstGeom>
-          <a:solidFill>
-            <a:schemeClr val="accent2">
-              <a:lumMod val="75000"/>
-            </a:schemeClr>
-          </a:solidFill>
-          <a:ln>
-            <a:noFill/>
-          </a:ln>
-        </p:spPr>
-        <p:style>
-          <a:lnRef idx="2">
-            <a:schemeClr val="accent1">
-              <a:shade val="50000"/>
-            </a:schemeClr>
-          </a:lnRef>
-          <a:fillRef idx="1">
-            <a:schemeClr val="accent1"/>
-          </a:fillRef>
-          <a:effectRef idx="0">
-            <a:schemeClr val="accent1"/>
-          </a:effectRef>
-          <a:fontRef idx="minor">
-            <a:schemeClr val="lt1"/>
-          </a:fontRef>
-        </p:style>
-        <p:txBody>
-          <a:bodyPr rtlCol="0" anchor="ctr"/>
-          <a:lstStyle/>
-          <a:p>
-            <a:pPr algn="ctr"/>
-            <a:r>
-              <a:rPr lang="en-US" sz="3000" dirty="0" smtClean="0"/>
-              <a:t>Healthy Outcomes</a:t>
-            </a:r>
-            <a:endParaRPr lang="en-US" sz="3000" dirty="0"/>
-          </a:p>
-        </p:txBody>
-      </p:sp>
-      <p:sp>
-        <p:nvSpPr>
-          <p:cNvPr id="7" name="Rectangle 6"/>
-          <p:cNvSpPr/>
-          <p:nvPr/>
-        </p:nvSpPr>
-        <p:spPr>
-          <a:xfrm>
-            <a:off x="4498788" y="5268356"/>
-            <a:ext cx="3585882" cy="1894443"/>
-          </a:xfrm>
-          <a:prstGeom prst="rect">
-            <a:avLst/>
-          </a:prstGeom>
-          <a:solidFill>
-            <a:schemeClr val="tx1"/>
-          </a:solidFill>
-          <a:ln>
-            <a:noFill/>
-          </a:ln>
-        </p:spPr>
-        <p:style>
-          <a:lnRef idx="2">
-            <a:schemeClr val="accent1">
-              <a:shade val="50000"/>
-            </a:schemeClr>
-          </a:lnRef>
-          <a:fillRef idx="1">
-            <a:schemeClr val="accent1"/>
-          </a:fillRef>
-          <a:effectRef idx="0">
-            <a:schemeClr val="accent1"/>
-          </a:effectRef>
-          <a:fontRef idx="minor">
-            <a:schemeClr val="lt1"/>
-          </a:fontRef>
-        </p:style>
-        <p:txBody>
-          <a:bodyPr rtlCol="0" anchor="ctr"/>
-          <a:lstStyle/>
-          <a:p>
-            <a:pPr algn="ctr"/>
-            <a:r>
-              <a:rPr lang="en-US" sz="2400" dirty="0" smtClean="0"/>
-              <a:t>Being a generally healthy person with disposable income who does all sorts of healthy stuff</a:t>
-            </a:r>
-            <a:endParaRPr lang="en-US" sz="2400" dirty="0"/>
-          </a:p>
-        </p:txBody>
-      </p:sp>
-      <p:sp>
-        <p:nvSpPr>
-          <p:cNvPr id="3" name="Right Arrow 2"/>
-          <p:cNvSpPr/>
-          <p:nvPr/>
-        </p:nvSpPr>
-        <p:spPr>
-          <a:xfrm>
-            <a:off x="4220882" y="2994211"/>
-            <a:ext cx="3863788" cy="519953"/>
-          </a:xfrm>
-          <a:prstGeom prst="rightArrow">
-            <a:avLst/>
-          </a:prstGeom>
-          <a:solidFill>
-            <a:schemeClr val="accent2">
-              <a:lumMod val="50000"/>
-            </a:schemeClr>
-          </a:solidFill>
-          <a:ln>
-            <a:noFill/>
-          </a:ln>
-        </p:spPr>
-        <p:style>
-          <a:lnRef idx="2">
-            <a:schemeClr val="accent1">
-              <a:shade val="50000"/>
-            </a:schemeClr>
-          </a:lnRef>
-          <a:fillRef idx="1">
-            <a:schemeClr val="accent1"/>
-          </a:fillRef>
-          <a:effectRef idx="0">
-            <a:schemeClr val="accent1"/>
-          </a:effectRef>
-          <a:fontRef idx="minor">
-            <a:schemeClr val="lt1"/>
-          </a:fontRef>
-        </p:style>
-        <p:txBody>
-          <a:bodyPr rtlCol="0" anchor="ctr"/>
-          <a:lstStyle/>
-          <a:p>
-            <a:pPr algn="ctr"/>
-            <a:endParaRPr lang="en-US"/>
-          </a:p>
-        </p:txBody>
-      </p:sp>
-      <p:sp>
-        <p:nvSpPr>
-          <p:cNvPr id="9" name="Right Arrow 8"/>
-          <p:cNvSpPr/>
-          <p:nvPr/>
-        </p:nvSpPr>
-        <p:spPr>
-          <a:xfrm rot="13939686">
-            <a:off x="2754331" y="4314457"/>
-            <a:ext cx="2335519" cy="519953"/>
-          </a:xfrm>
-          <a:prstGeom prst="rightArrow">
-            <a:avLst/>
-          </a:prstGeom>
-          <a:solidFill>
-            <a:schemeClr val="tx1"/>
-          </a:solidFill>
-          <a:ln>
-            <a:noFill/>
-          </a:ln>
-        </p:spPr>
-        <p:style>
-          <a:lnRef idx="2">
-            <a:schemeClr val="accent1">
-              <a:shade val="50000"/>
-            </a:schemeClr>
-          </a:lnRef>
-          <a:fillRef idx="1">
-            <a:schemeClr val="accent1"/>
-          </a:fillRef>
-          <a:effectRef idx="0">
-            <a:schemeClr val="accent1"/>
-          </a:effectRef>
-          <a:fontRef idx="minor">
-            <a:schemeClr val="lt1"/>
-          </a:fontRef>
-        </p:style>
-        <p:txBody>
-          <a:bodyPr rtlCol="0" anchor="ctr"/>
-          <a:lstStyle/>
-          <a:p>
-            <a:pPr algn="ctr"/>
-            <a:endParaRPr lang="en-US"/>
-          </a:p>
-        </p:txBody>
-      </p:sp>
-      <p:sp>
-        <p:nvSpPr>
-          <p:cNvPr id="10" name="Right Arrow 9"/>
-          <p:cNvSpPr/>
-          <p:nvPr/>
-        </p:nvSpPr>
-        <p:spPr>
-          <a:xfrm rot="18361609">
-            <a:off x="7033973" y="4439501"/>
-            <a:ext cx="2592524" cy="519953"/>
-          </a:xfrm>
-          <a:prstGeom prst="rightArrow">
-            <a:avLst/>
-          </a:prstGeom>
-          <a:solidFill>
-            <a:schemeClr val="tx1"/>
-          </a:solidFill>
-          <a:ln>
-            <a:noFill/>
-          </a:ln>
-        </p:spPr>
-        <p:style>
-          <a:lnRef idx="2">
-            <a:schemeClr val="accent1">
-              <a:shade val="50000"/>
-            </a:schemeClr>
-          </a:lnRef>
-          <a:fillRef idx="1">
-            <a:schemeClr val="accent1"/>
-          </a:fillRef>
-          <a:effectRef idx="0">
-            <a:schemeClr val="accent1"/>
-          </a:effectRef>
-          <a:fontRef idx="minor">
-            <a:schemeClr val="lt1"/>
-          </a:fontRef>
-        </p:style>
-        <p:txBody>
-          <a:bodyPr rtlCol="0" anchor="ctr"/>
-          <a:lstStyle/>
-          <a:p>
-            <a:pPr algn="ctr"/>
-            <a:endParaRPr lang="en-US"/>
-          </a:p>
-        </p:txBody>
-      </p:sp>
-    </p:spTree>
-  </p:cSld>
-  <p:clrMapOvr>
-    <a:masterClrMapping/>
-  </p:clrMapOvr>
-  <p:timing>
-    <p:tnLst>
-      <p:par>
-        <p:cTn id="1" dur="indefinite" restart="never" nodeType="tmRoot">
-          <p:childTnLst>
-            <p:seq concurrent="1" nextAc="seek">
-              <p:cTn id="2" dur="indefinite" nodeType="mainSeq">
-                <p:childTnLst>
-                  <p:par>
-                    <p:cTn id="3" fill="hold">
-                      <p:stCondLst>
-                        <p:cond delay="indefinite"/>
-                      </p:stCondLst>
-                      <p:childTnLst>
-                        <p:par>
-                          <p:cTn id="4" fill="hold">
-                            <p:stCondLst>
-                              <p:cond delay="0"/>
-                            </p:stCondLst>
-                            <p:childTnLst>
-                              <p:par>
-                                <p:cTn id="5" presetID="1" presetClass="entr" presetSubtype="0" fill="hold" grpId="0" nodeType="clickEffect">
-                                  <p:stCondLst>
-                                    <p:cond delay="0"/>
-                                  </p:stCondLst>
-                                  <p:childTnLst>
-                                    <p:set>
-                                      <p:cBhvr>
-                                        <p:cTn id="6" dur="1" fill="hold">
-                                          <p:stCondLst>
-                                            <p:cond delay="0"/>
-                                          </p:stCondLst>
-                                        </p:cTn>
-                                        <p:tgtEl>
-                                          <p:spTgt spid="7"/>
-                                        </p:tgtEl>
-                                        <p:attrNameLst>
-                                          <p:attrName>style.visibility</p:attrName>
-                                        </p:attrNameLst>
-                                      </p:cBhvr>
-                                      <p:to>
-                                        <p:strVal val="visible"/>
-                                      </p:to>
-                                    </p:set>
-                                  </p:childTnLst>
-                                </p:cTn>
-                              </p:par>
-                            </p:childTnLst>
-                          </p:cTn>
-                        </p:par>
-                      </p:childTnLst>
-                    </p:cTn>
-                  </p:par>
-                  <p:par>
-                    <p:cTn id="7" fill="hold">
-                      <p:stCondLst>
-                        <p:cond delay="indefinite"/>
-                      </p:stCondLst>
-                      <p:childTnLst>
-                        <p:par>
-                          <p:cTn id="8" fill="hold">
-                            <p:stCondLst>
-                              <p:cond delay="0"/>
-                            </p:stCondLst>
-                            <p:childTnLst>
-                              <p:par>
-                                <p:cTn id="9" presetID="1" presetClass="entr" presetSubtype="0" fill="hold" grpId="0" nodeType="clickEffect">
-                                  <p:stCondLst>
-                                    <p:cond delay="0"/>
-                                  </p:stCondLst>
-                                  <p:childTnLst>
-                                    <p:set>
-                                      <p:cBhvr>
-                                        <p:cTn id="10" dur="1" fill="hold">
-                                          <p:stCondLst>
-                                            <p:cond delay="0"/>
-                                          </p:stCondLst>
-                                        </p:cTn>
-                                        <p:tgtEl>
-                                          <p:spTgt spid="9"/>
-                                        </p:tgtEl>
-                                        <p:attrNameLst>
-                                          <p:attrName>style.visibility</p:attrName>
-                                        </p:attrNameLst>
-                                      </p:cBhvr>
-                                      <p:to>
-                                        <p:strVal val="visible"/>
-                                      </p:to>
-                                    </p:set>
-                                  </p:childTnLst>
-                                </p:cTn>
-                              </p:par>
-                            </p:childTnLst>
-                          </p:cTn>
-                        </p:par>
-                      </p:childTnLst>
-                    </p:cTn>
-                  </p:par>
-                  <p:par>
-                    <p:cTn id="11" fill="hold">
-                      <p:stCondLst>
-                        <p:cond delay="indefinite"/>
-                      </p:stCondLst>
-                      <p:childTnLst>
-                        <p:par>
-                          <p:cTn id="12" fill="hold">
-                            <p:stCondLst>
-                              <p:cond delay="0"/>
-                            </p:stCondLst>
-                            <p:childTnLst>
-                              <p:par>
-                                <p:cTn id="13" presetID="1" presetClass="entr" presetSubtype="0" fill="hold" grpId="0" nodeType="clickEffect">
-                                  <p:stCondLst>
-                                    <p:cond delay="0"/>
-                                  </p:stCondLst>
-                                  <p:childTnLst>
-                                    <p:set>
-                                      <p:cBhvr>
-                                        <p:cTn id="14" dur="1" fill="hold">
-                                          <p:stCondLst>
-                                            <p:cond delay="0"/>
-                                          </p:stCondLst>
-                                        </p:cTn>
-                                        <p:tgtEl>
-                                          <p:spTgt spid="10"/>
-                                        </p:tgtEl>
-                                        <p:attrNameLst>
-                                          <p:attrName>style.visibility</p:attrName>
-                                        </p:attrNameLst>
-                                      </p:cBhvr>
-                                      <p:to>
-                                        <p:strVal val="visible"/>
-                                      </p:to>
-                                    </p:set>
-                                  </p:childTnLst>
-                                </p:cTn>
-                              </p:par>
-                            </p:childTnLst>
-                          </p:cTn>
-                        </p:par>
-                      </p:childTnLst>
-                    </p:cTn>
-                  </p:par>
-                </p:childTnLst>
-              </p:cTn>
-              <p:prevCondLst>
-                <p:cond evt="onPrev" delay="0">
-                  <p:tgtEl>
-                    <p:sldTgt/>
-                  </p:tgtEl>
-                </p:cond>
-              </p:prevCondLst>
-              <p:nextCondLst>
-                <p:cond evt="onNext" delay="0">
-                  <p:tgtEl>
-                    <p:sldTgt/>
-                  </p:tgtEl>
-                </p:cond>
-              </p:nextCondLst>
-            </p:seq>
-          </p:childTnLst>
-        </p:cTn>
-      </p:par>
-    </p:tnLst>
-    <p:bldLst>
-      <p:bldP spid="7" grpId="0" animBg="1"/>
-      <p:bldP spid="9" grpId="0" animBg="1"/>
-      <p:bldP spid="10" grpId="0" animBg="1"/>
-    </p:bldLst>
-  </p:timing>
-</p:sld>
-</file>
-
-<file path=ppt/slides/slide3.xml><?xml version="1.0" encoding="utf-8"?>
-<p:sld xmlns:a="http://schemas.openxmlformats.org/drawingml/2006/main" xmlns:r="http://schemas.openxmlformats.org/officeDocument/2006/relationships" xmlns:p="http://schemas.openxmlformats.org/presentationml/2006/main">
-  <p:cSld>
-    <p:spTree>
-      <p:nvGrpSpPr>
-        <p:cNvPr id="1" name="Shape 458"/>
-        <p:cNvGrpSpPr/>
-        <p:nvPr/>
-      </p:nvGrpSpPr>
-      <p:grpSpPr>
-        <a:xfrm>
-          <a:off x="0" y="0"/>
-          <a:ext cx="0" cy="0"/>
-          <a:chOff x="0" y="0"/>
-          <a:chExt cx="0" cy="0"/>
-        </a:xfrm>
-      </p:grpSpPr>
-      <p:sp>
-        <p:nvSpPr>
-          <p:cNvPr id="459" name="Shape 459"/>
-          <p:cNvSpPr/>
-          <p:nvPr/>
-        </p:nvSpPr>
-        <p:spPr>
-          <a:xfrm>
-            <a:off x="635000" y="736600"/>
-            <a:ext cx="11734800" cy="431700"/>
-          </a:xfrm>
-          <a:prstGeom prst="rect">
-            <a:avLst/>
-          </a:prstGeom>
-          <a:noFill/>
-          <a:ln>
-            <a:noFill/>
-          </a:ln>
-        </p:spPr>
-        <p:txBody>
-          <a:bodyPr lIns="0" tIns="0" rIns="0" bIns="0" anchor="t" anchorCtr="0">
-            <a:noAutofit/>
-          </a:bodyPr>
-          <a:lstStyle/>
-          <a:p>
-            <a:pPr marL="0" marR="0" lvl="0" indent="0" algn="l" rtl="0">
-              <a:lnSpc>
-                <a:spcPct val="100000"/>
-              </a:lnSpc>
-              <a:spcBef>
-                <a:spcPts val="0"/>
-              </a:spcBef>
-              <a:buSzPct val="25000"/>
-              <a:buNone/>
-            </a:pPr>
-            <a:r>
-              <a:rPr lang="en-US" sz="3200" b="1" dirty="0">
-                <a:latin typeface="Arial" charset="0"/>
-                <a:ea typeface="Arial" charset="0"/>
-                <a:cs typeface="Arial" charset="0"/>
-                <a:sym typeface="Oswald"/>
-              </a:rPr>
-              <a:t>OPENING</a:t>
-            </a:r>
-          </a:p>
-        </p:txBody>
-      </p:sp>
-      <p:sp>
-        <p:nvSpPr>
-          <p:cNvPr id="460" name="Shape 460"/>
-          <p:cNvSpPr/>
-          <p:nvPr/>
-        </p:nvSpPr>
-        <p:spPr>
-          <a:xfrm>
-            <a:off x="635000" y="1473200"/>
-            <a:ext cx="11734800" cy="2806699"/>
-          </a:xfrm>
-          <a:prstGeom prst="rect">
-            <a:avLst/>
-          </a:prstGeom>
-          <a:noFill/>
-          <a:ln>
-            <a:noFill/>
-          </a:ln>
-        </p:spPr>
-        <p:txBody>
-          <a:bodyPr lIns="0" tIns="0" rIns="0" bIns="0" anchor="t" anchorCtr="0">
-            <a:noAutofit/>
-          </a:bodyPr>
-          <a:lstStyle/>
-          <a:p>
-            <a:pPr lvl="0" rtl="0">
-              <a:lnSpc>
-                <a:spcPct val="75000"/>
-              </a:lnSpc>
-              <a:spcBef>
-                <a:spcPts val="0"/>
-              </a:spcBef>
-              <a:buClr>
-                <a:schemeClr val="dk1"/>
-              </a:buClr>
-              <a:buSzPct val="25000"/>
-              <a:buFont typeface="Arial"/>
-              <a:buNone/>
-            </a:pPr>
-            <a:r>
-              <a:rPr lang="en-US" sz="9600" b="1" dirty="0">
-                <a:solidFill>
-                  <a:schemeClr val="lt1"/>
-                </a:solidFill>
-                <a:latin typeface="Arial" charset="0"/>
-                <a:ea typeface="Arial" charset="0"/>
-                <a:cs typeface="Arial" charset="0"/>
-                <a:sym typeface="Oswald"/>
-              </a:rPr>
-              <a:t>STATISTICS FUNDAMENTALS, PART 2</a:t>
-            </a:r>
           </a:p>
         </p:txBody>
       </p:sp>
@@ -19728,7 +19550,7 @@
                 <a:cs typeface="Arial" charset="0"/>
                 <a:sym typeface="Oswald"/>
               </a:rPr>
-              <a:t>MEDIATION: </a:t>
+              <a:t>CONFOUNDING: </a:t>
             </a:r>
             <a:r>
               <a:rPr lang="en-US" sz="3200" b="1" dirty="0">
@@ -19908,7 +19730,7 @@
             <a:pPr algn="ctr"/>
             <a:r>
               <a:rPr lang="en-US" sz="2400" dirty="0" smtClean="0"/>
-              <a:t>Drinking more water</a:t>
+              <a:t>Being a generally healthy person with disposable income who does all sorts of healthy stuff</a:t>
             </a:r>
             <a:endParaRPr lang="en-US" sz="2400" dirty="0"/>
           </a:p>
@@ -19969,9 +19791,9 @@
           <p:nvPr/>
         </p:nvSpPr>
         <p:spPr>
-          <a:xfrm rot="2575488">
-            <a:off x="2507335" y="4214109"/>
-            <a:ext cx="2335519" cy="593137"/>
+          <a:xfrm rot="13939686">
+            <a:off x="2754331" y="4314457"/>
+            <a:ext cx="2335519" cy="519953"/>
           </a:xfrm>
           <a:prstGeom prst="rightArrow">
             <a:avLst/>
@@ -20055,11 +19877,6 @@
         </p:txBody>
       </p:sp>
     </p:spTree>
-    <p:extLst>
-      <p:ext uri="{BB962C8B-B14F-4D97-AF65-F5344CB8AC3E}">
-        <p14:creationId xmlns:p14="http://schemas.microsoft.com/office/powerpoint/2010/main" val="757247121"/>
-      </p:ext>
-    </p:extLst>
   </p:cSld>
   <p:clrMapOvr>
     <a:masterClrMapping/>
@@ -20289,6 +20106,567 @@
                 <a:cs typeface="Arial" charset="0"/>
                 <a:sym typeface="Oswald"/>
               </a:rPr>
+              <a:t>MEDIATION: </a:t>
+            </a:r>
+            <a:r>
+              <a:rPr lang="en-US" sz="3200" b="1" dirty="0">
+                <a:latin typeface="Arial" charset="0"/>
+                <a:ea typeface="Arial" charset="0"/>
+                <a:cs typeface="Arial" charset="0"/>
+                <a:sym typeface="Oswald"/>
+              </a:rPr>
+              <a:t>DIRECTED ACYCLIC GRAPH</a:t>
+            </a:r>
+          </a:p>
+          <a:p>
+            <a:pPr marL="0" marR="0" lvl="0" indent="0" algn="l" rtl="0">
+              <a:lnSpc>
+                <a:spcPct val="100000"/>
+              </a:lnSpc>
+              <a:spcBef>
+                <a:spcPts val="0"/>
+              </a:spcBef>
+              <a:buSzPct val="25000"/>
+              <a:buNone/>
+            </a:pPr>
+            <a:endParaRPr lang="en-US" sz="3200" b="1" dirty="0">
+              <a:latin typeface="Arial" charset="0"/>
+              <a:ea typeface="Arial" charset="0"/>
+              <a:cs typeface="Arial" charset="0"/>
+              <a:sym typeface="Oswald"/>
+            </a:endParaRPr>
+          </a:p>
+        </p:txBody>
+      </p:sp>
+      <p:sp>
+        <p:nvSpPr>
+          <p:cNvPr id="2" name="Rectangle 1"/>
+          <p:cNvSpPr/>
+          <p:nvPr/>
+        </p:nvSpPr>
+        <p:spPr>
+          <a:xfrm>
+            <a:off x="635000" y="2205317"/>
+            <a:ext cx="3585882" cy="2026024"/>
+          </a:xfrm>
+          <a:prstGeom prst="rect">
+            <a:avLst/>
+          </a:prstGeom>
+          <a:solidFill>
+            <a:schemeClr val="accent3">
+              <a:lumMod val="75000"/>
+            </a:schemeClr>
+          </a:solidFill>
+          <a:ln>
+            <a:noFill/>
+          </a:ln>
+        </p:spPr>
+        <p:style>
+          <a:lnRef idx="2">
+            <a:schemeClr val="accent1">
+              <a:shade val="50000"/>
+            </a:schemeClr>
+          </a:lnRef>
+          <a:fillRef idx="1">
+            <a:schemeClr val="accent1"/>
+          </a:fillRef>
+          <a:effectRef idx="0">
+            <a:schemeClr val="accent1"/>
+          </a:effectRef>
+          <a:fontRef idx="minor">
+            <a:schemeClr val="lt1"/>
+          </a:fontRef>
+        </p:style>
+        <p:txBody>
+          <a:bodyPr rtlCol="0" anchor="ctr"/>
+          <a:lstStyle/>
+          <a:p>
+            <a:pPr algn="ctr"/>
+            <a:r>
+              <a:rPr lang="en-US" sz="3000" smtClean="0"/>
+              <a:t>Eating Raw Nuts</a:t>
+            </a:r>
+            <a:endParaRPr lang="en-US" sz="3000" dirty="0"/>
+          </a:p>
+        </p:txBody>
+      </p:sp>
+      <p:sp>
+        <p:nvSpPr>
+          <p:cNvPr id="6" name="Rectangle 5"/>
+          <p:cNvSpPr/>
+          <p:nvPr/>
+        </p:nvSpPr>
+        <p:spPr>
+          <a:xfrm>
+            <a:off x="8084670" y="2205317"/>
+            <a:ext cx="3585882" cy="2026024"/>
+          </a:xfrm>
+          <a:prstGeom prst="rect">
+            <a:avLst/>
+          </a:prstGeom>
+          <a:solidFill>
+            <a:schemeClr val="accent2">
+              <a:lumMod val="75000"/>
+            </a:schemeClr>
+          </a:solidFill>
+          <a:ln>
+            <a:noFill/>
+          </a:ln>
+        </p:spPr>
+        <p:style>
+          <a:lnRef idx="2">
+            <a:schemeClr val="accent1">
+              <a:shade val="50000"/>
+            </a:schemeClr>
+          </a:lnRef>
+          <a:fillRef idx="1">
+            <a:schemeClr val="accent1"/>
+          </a:fillRef>
+          <a:effectRef idx="0">
+            <a:schemeClr val="accent1"/>
+          </a:effectRef>
+          <a:fontRef idx="minor">
+            <a:schemeClr val="lt1"/>
+          </a:fontRef>
+        </p:style>
+        <p:txBody>
+          <a:bodyPr rtlCol="0" anchor="ctr"/>
+          <a:lstStyle/>
+          <a:p>
+            <a:pPr algn="ctr"/>
+            <a:r>
+              <a:rPr lang="en-US" sz="3000" dirty="0" smtClean="0"/>
+              <a:t>Healthy Outcomes</a:t>
+            </a:r>
+            <a:endParaRPr lang="en-US" sz="3000" dirty="0"/>
+          </a:p>
+        </p:txBody>
+      </p:sp>
+      <p:sp>
+        <p:nvSpPr>
+          <p:cNvPr id="7" name="Rectangle 6"/>
+          <p:cNvSpPr/>
+          <p:nvPr/>
+        </p:nvSpPr>
+        <p:spPr>
+          <a:xfrm>
+            <a:off x="4498788" y="5268356"/>
+            <a:ext cx="3585882" cy="1894443"/>
+          </a:xfrm>
+          <a:prstGeom prst="rect">
+            <a:avLst/>
+          </a:prstGeom>
+          <a:solidFill>
+            <a:schemeClr val="tx1"/>
+          </a:solidFill>
+          <a:ln>
+            <a:noFill/>
+          </a:ln>
+        </p:spPr>
+        <p:style>
+          <a:lnRef idx="2">
+            <a:schemeClr val="accent1">
+              <a:shade val="50000"/>
+            </a:schemeClr>
+          </a:lnRef>
+          <a:fillRef idx="1">
+            <a:schemeClr val="accent1"/>
+          </a:fillRef>
+          <a:effectRef idx="0">
+            <a:schemeClr val="accent1"/>
+          </a:effectRef>
+          <a:fontRef idx="minor">
+            <a:schemeClr val="lt1"/>
+          </a:fontRef>
+        </p:style>
+        <p:txBody>
+          <a:bodyPr rtlCol="0" anchor="ctr"/>
+          <a:lstStyle/>
+          <a:p>
+            <a:pPr algn="ctr"/>
+            <a:r>
+              <a:rPr lang="en-US" sz="2400" dirty="0" smtClean="0"/>
+              <a:t>Drinking more water</a:t>
+            </a:r>
+            <a:endParaRPr lang="en-US" sz="2400" dirty="0"/>
+          </a:p>
+        </p:txBody>
+      </p:sp>
+      <p:sp>
+        <p:nvSpPr>
+          <p:cNvPr id="3" name="Right Arrow 2"/>
+          <p:cNvSpPr/>
+          <p:nvPr/>
+        </p:nvSpPr>
+        <p:spPr>
+          <a:xfrm>
+            <a:off x="4220882" y="2994211"/>
+            <a:ext cx="3863788" cy="519953"/>
+          </a:xfrm>
+          <a:prstGeom prst="rightArrow">
+            <a:avLst/>
+          </a:prstGeom>
+          <a:solidFill>
+            <a:schemeClr val="accent2">
+              <a:lumMod val="50000"/>
+            </a:schemeClr>
+          </a:solidFill>
+          <a:ln>
+            <a:noFill/>
+          </a:ln>
+        </p:spPr>
+        <p:style>
+          <a:lnRef idx="2">
+            <a:schemeClr val="accent1">
+              <a:shade val="50000"/>
+            </a:schemeClr>
+          </a:lnRef>
+          <a:fillRef idx="1">
+            <a:schemeClr val="accent1"/>
+          </a:fillRef>
+          <a:effectRef idx="0">
+            <a:schemeClr val="accent1"/>
+          </a:effectRef>
+          <a:fontRef idx="minor">
+            <a:schemeClr val="lt1"/>
+          </a:fontRef>
+        </p:style>
+        <p:txBody>
+          <a:bodyPr rtlCol="0" anchor="ctr"/>
+          <a:lstStyle/>
+          <a:p>
+            <a:pPr algn="ctr"/>
+            <a:endParaRPr lang="en-US"/>
+          </a:p>
+        </p:txBody>
+      </p:sp>
+      <p:sp>
+        <p:nvSpPr>
+          <p:cNvPr id="9" name="Right Arrow 8"/>
+          <p:cNvSpPr/>
+          <p:nvPr/>
+        </p:nvSpPr>
+        <p:spPr>
+          <a:xfrm rot="2575488">
+            <a:off x="2507335" y="4214109"/>
+            <a:ext cx="2335519" cy="593137"/>
+          </a:xfrm>
+          <a:prstGeom prst="rightArrow">
+            <a:avLst/>
+          </a:prstGeom>
+          <a:solidFill>
+            <a:schemeClr val="tx1"/>
+          </a:solidFill>
+          <a:ln>
+            <a:noFill/>
+          </a:ln>
+        </p:spPr>
+        <p:style>
+          <a:lnRef idx="2">
+            <a:schemeClr val="accent1">
+              <a:shade val="50000"/>
+            </a:schemeClr>
+          </a:lnRef>
+          <a:fillRef idx="1">
+            <a:schemeClr val="accent1"/>
+          </a:fillRef>
+          <a:effectRef idx="0">
+            <a:schemeClr val="accent1"/>
+          </a:effectRef>
+          <a:fontRef idx="minor">
+            <a:schemeClr val="lt1"/>
+          </a:fontRef>
+        </p:style>
+        <p:txBody>
+          <a:bodyPr rtlCol="0" anchor="ctr"/>
+          <a:lstStyle/>
+          <a:p>
+            <a:pPr algn="ctr"/>
+            <a:endParaRPr lang="en-US"/>
+          </a:p>
+        </p:txBody>
+      </p:sp>
+      <p:sp>
+        <p:nvSpPr>
+          <p:cNvPr id="10" name="Right Arrow 9"/>
+          <p:cNvSpPr/>
+          <p:nvPr/>
+        </p:nvSpPr>
+        <p:spPr>
+          <a:xfrm rot="18361609">
+            <a:off x="7033973" y="4439501"/>
+            <a:ext cx="2592524" cy="519953"/>
+          </a:xfrm>
+          <a:prstGeom prst="rightArrow">
+            <a:avLst/>
+          </a:prstGeom>
+          <a:solidFill>
+            <a:schemeClr val="tx1"/>
+          </a:solidFill>
+          <a:ln>
+            <a:noFill/>
+          </a:ln>
+        </p:spPr>
+        <p:style>
+          <a:lnRef idx="2">
+            <a:schemeClr val="accent1">
+              <a:shade val="50000"/>
+            </a:schemeClr>
+          </a:lnRef>
+          <a:fillRef idx="1">
+            <a:schemeClr val="accent1"/>
+          </a:fillRef>
+          <a:effectRef idx="0">
+            <a:schemeClr val="accent1"/>
+          </a:effectRef>
+          <a:fontRef idx="minor">
+            <a:schemeClr val="lt1"/>
+          </a:fontRef>
+        </p:style>
+        <p:txBody>
+          <a:bodyPr rtlCol="0" anchor="ctr"/>
+          <a:lstStyle/>
+          <a:p>
+            <a:pPr algn="ctr"/>
+            <a:endParaRPr lang="en-US"/>
+          </a:p>
+        </p:txBody>
+      </p:sp>
+    </p:spTree>
+    <p:extLst>
+      <p:ext uri="{BB962C8B-B14F-4D97-AF65-F5344CB8AC3E}">
+        <p14:creationId xmlns:p14="http://schemas.microsoft.com/office/powerpoint/2010/main" val="757247121"/>
+      </p:ext>
+    </p:extLst>
+  </p:cSld>
+  <p:clrMapOvr>
+    <a:masterClrMapping/>
+  </p:clrMapOvr>
+  <p:timing>
+    <p:tnLst>
+      <p:par>
+        <p:cTn id="1" dur="indefinite" restart="never" nodeType="tmRoot">
+          <p:childTnLst>
+            <p:seq concurrent="1" nextAc="seek">
+              <p:cTn id="2" dur="indefinite" nodeType="mainSeq">
+                <p:childTnLst>
+                  <p:par>
+                    <p:cTn id="3" fill="hold">
+                      <p:stCondLst>
+                        <p:cond delay="indefinite"/>
+                      </p:stCondLst>
+                      <p:childTnLst>
+                        <p:par>
+                          <p:cTn id="4" fill="hold">
+                            <p:stCondLst>
+                              <p:cond delay="0"/>
+                            </p:stCondLst>
+                            <p:childTnLst>
+                              <p:par>
+                                <p:cTn id="5" presetID="1" presetClass="entr" presetSubtype="0" fill="hold" grpId="0" nodeType="clickEffect">
+                                  <p:stCondLst>
+                                    <p:cond delay="0"/>
+                                  </p:stCondLst>
+                                  <p:childTnLst>
+                                    <p:set>
+                                      <p:cBhvr>
+                                        <p:cTn id="6" dur="1" fill="hold">
+                                          <p:stCondLst>
+                                            <p:cond delay="0"/>
+                                          </p:stCondLst>
+                                        </p:cTn>
+                                        <p:tgtEl>
+                                          <p:spTgt spid="7"/>
+                                        </p:tgtEl>
+                                        <p:attrNameLst>
+                                          <p:attrName>style.visibility</p:attrName>
+                                        </p:attrNameLst>
+                                      </p:cBhvr>
+                                      <p:to>
+                                        <p:strVal val="visible"/>
+                                      </p:to>
+                                    </p:set>
+                                  </p:childTnLst>
+                                </p:cTn>
+                              </p:par>
+                            </p:childTnLst>
+                          </p:cTn>
+                        </p:par>
+                      </p:childTnLst>
+                    </p:cTn>
+                  </p:par>
+                  <p:par>
+                    <p:cTn id="7" fill="hold">
+                      <p:stCondLst>
+                        <p:cond delay="indefinite"/>
+                      </p:stCondLst>
+                      <p:childTnLst>
+                        <p:par>
+                          <p:cTn id="8" fill="hold">
+                            <p:stCondLst>
+                              <p:cond delay="0"/>
+                            </p:stCondLst>
+                            <p:childTnLst>
+                              <p:par>
+                                <p:cTn id="9" presetID="1" presetClass="entr" presetSubtype="0" fill="hold" grpId="0" nodeType="clickEffect">
+                                  <p:stCondLst>
+                                    <p:cond delay="0"/>
+                                  </p:stCondLst>
+                                  <p:childTnLst>
+                                    <p:set>
+                                      <p:cBhvr>
+                                        <p:cTn id="10" dur="1" fill="hold">
+                                          <p:stCondLst>
+                                            <p:cond delay="0"/>
+                                          </p:stCondLst>
+                                        </p:cTn>
+                                        <p:tgtEl>
+                                          <p:spTgt spid="9"/>
+                                        </p:tgtEl>
+                                        <p:attrNameLst>
+                                          <p:attrName>style.visibility</p:attrName>
+                                        </p:attrNameLst>
+                                      </p:cBhvr>
+                                      <p:to>
+                                        <p:strVal val="visible"/>
+                                      </p:to>
+                                    </p:set>
+                                  </p:childTnLst>
+                                </p:cTn>
+                              </p:par>
+                            </p:childTnLst>
+                          </p:cTn>
+                        </p:par>
+                      </p:childTnLst>
+                    </p:cTn>
+                  </p:par>
+                  <p:par>
+                    <p:cTn id="11" fill="hold">
+                      <p:stCondLst>
+                        <p:cond delay="indefinite"/>
+                      </p:stCondLst>
+                      <p:childTnLst>
+                        <p:par>
+                          <p:cTn id="12" fill="hold">
+                            <p:stCondLst>
+                              <p:cond delay="0"/>
+                            </p:stCondLst>
+                            <p:childTnLst>
+                              <p:par>
+                                <p:cTn id="13" presetID="1" presetClass="entr" presetSubtype="0" fill="hold" grpId="0" nodeType="clickEffect">
+                                  <p:stCondLst>
+                                    <p:cond delay="0"/>
+                                  </p:stCondLst>
+                                  <p:childTnLst>
+                                    <p:set>
+                                      <p:cBhvr>
+                                        <p:cTn id="14" dur="1" fill="hold">
+                                          <p:stCondLst>
+                                            <p:cond delay="0"/>
+                                          </p:stCondLst>
+                                        </p:cTn>
+                                        <p:tgtEl>
+                                          <p:spTgt spid="10"/>
+                                        </p:tgtEl>
+                                        <p:attrNameLst>
+                                          <p:attrName>style.visibility</p:attrName>
+                                        </p:attrNameLst>
+                                      </p:cBhvr>
+                                      <p:to>
+                                        <p:strVal val="visible"/>
+                                      </p:to>
+                                    </p:set>
+                                  </p:childTnLst>
+                                </p:cTn>
+                              </p:par>
+                            </p:childTnLst>
+                          </p:cTn>
+                        </p:par>
+                      </p:childTnLst>
+                    </p:cTn>
+                  </p:par>
+                </p:childTnLst>
+              </p:cTn>
+              <p:prevCondLst>
+                <p:cond evt="onPrev" delay="0">
+                  <p:tgtEl>
+                    <p:sldTgt/>
+                  </p:tgtEl>
+                </p:cond>
+              </p:prevCondLst>
+              <p:nextCondLst>
+                <p:cond evt="onNext" delay="0">
+                  <p:tgtEl>
+                    <p:sldTgt/>
+                  </p:tgtEl>
+                </p:cond>
+              </p:nextCondLst>
+            </p:seq>
+          </p:childTnLst>
+        </p:cTn>
+      </p:par>
+    </p:tnLst>
+    <p:bldLst>
+      <p:bldP spid="7" grpId="0" animBg="1"/>
+      <p:bldP spid="9" grpId="0" animBg="1"/>
+      <p:bldP spid="10" grpId="0" animBg="1"/>
+    </p:bldLst>
+  </p:timing>
+</p:sld>
+</file>
+
+<file path=ppt/slides/slide32.xml><?xml version="1.0" encoding="utf-8"?>
+<p:sld xmlns:a="http://schemas.openxmlformats.org/drawingml/2006/main" xmlns:r="http://schemas.openxmlformats.org/officeDocument/2006/relationships" xmlns:p="http://schemas.openxmlformats.org/presentationml/2006/main">
+  <p:cSld>
+    <p:spTree>
+      <p:nvGrpSpPr>
+        <p:cNvPr id="1" name="Shape 579"/>
+        <p:cNvGrpSpPr/>
+        <p:nvPr/>
+      </p:nvGrpSpPr>
+      <p:grpSpPr>
+        <a:xfrm>
+          <a:off x="0" y="0"/>
+          <a:ext cx="0" cy="0"/>
+          <a:chOff x="0" y="0"/>
+          <a:chExt cx="0" cy="0"/>
+        </a:xfrm>
+      </p:grpSpPr>
+      <p:sp>
+        <p:nvSpPr>
+          <p:cNvPr id="580" name="Shape 580"/>
+          <p:cNvSpPr/>
+          <p:nvPr/>
+        </p:nvSpPr>
+        <p:spPr>
+          <a:xfrm>
+            <a:off x="635000" y="736600"/>
+            <a:ext cx="11734800" cy="431700"/>
+          </a:xfrm>
+          <a:prstGeom prst="rect">
+            <a:avLst/>
+          </a:prstGeom>
+          <a:noFill/>
+          <a:ln>
+            <a:noFill/>
+          </a:ln>
+        </p:spPr>
+        <p:txBody>
+          <a:bodyPr lIns="0" tIns="0" rIns="0" bIns="0" anchor="t" anchorCtr="0">
+            <a:noAutofit/>
+          </a:bodyPr>
+          <a:lstStyle/>
+          <a:p>
+            <a:pPr>
+              <a:buSzPct val="25000"/>
+            </a:pPr>
+            <a:r>
+              <a:rPr lang="en-US" sz="3200" b="1" dirty="0" smtClean="0">
+                <a:latin typeface="Arial" charset="0"/>
+                <a:ea typeface="Arial" charset="0"/>
+                <a:cs typeface="Arial" charset="0"/>
+                <a:sym typeface="Oswald"/>
+              </a:rPr>
               <a:t>MODERATION: </a:t>
             </a:r>
             <a:r>
@@ -20706,7 +21084,7 @@
 </p:sld>
 </file>
 
-<file path=ppt/slides/slide32.xml><?xml version="1.0" encoding="utf-8"?>
+<file path=ppt/slides/slide33.xml><?xml version="1.0" encoding="utf-8"?>
 <p:sld xmlns:a="http://schemas.openxmlformats.org/drawingml/2006/main" xmlns:r="http://schemas.openxmlformats.org/officeDocument/2006/relationships" xmlns:p="http://schemas.openxmlformats.org/presentationml/2006/main">
   <p:cSld>
     <p:spTree>
@@ -21278,7 +21656,7 @@
 </p:sld>
 </file>
 
-<file path=ppt/slides/slide33.xml><?xml version="1.0" encoding="utf-8"?>
+<file path=ppt/slides/slide34.xml><?xml version="1.0" encoding="utf-8"?>
 <p:sld xmlns:a="http://schemas.openxmlformats.org/drawingml/2006/main" xmlns:r="http://schemas.openxmlformats.org/officeDocument/2006/relationships" xmlns:p="http://schemas.openxmlformats.org/presentationml/2006/main">
   <p:cSld>
     <p:spTree>
@@ -21627,7 +22005,7 @@
 </p:sld>
 </file>
 
-<file path=ppt/slides/slide34.xml><?xml version="1.0" encoding="utf-8"?>
+<file path=ppt/slides/slide35.xml><?xml version="1.0" encoding="utf-8"?>
 <p:sld xmlns:a="http://schemas.openxmlformats.org/drawingml/2006/main" xmlns:r="http://schemas.openxmlformats.org/officeDocument/2006/relationships" xmlns:p="http://schemas.openxmlformats.org/presentationml/2006/main">
   <p:cSld>
     <p:spTree>
@@ -21904,7 +22282,7 @@
 </p:sld>
 </file>
 
-<file path=ppt/slides/slide35.xml><?xml version="1.0" encoding="utf-8"?>
+<file path=ppt/slides/slide36.xml><?xml version="1.0" encoding="utf-8"?>
 <p:sld xmlns:a="http://schemas.openxmlformats.org/drawingml/2006/main" xmlns:r="http://schemas.openxmlformats.org/officeDocument/2006/relationships" xmlns:p="http://schemas.openxmlformats.org/presentationml/2006/main">
   <p:cSld>
     <p:spTree>
@@ -22111,7 +22489,7 @@
 </p:sld>
 </file>
 
-<file path=ppt/slides/slide36.xml><?xml version="1.0" encoding="utf-8"?>
+<file path=ppt/slides/slide37.xml><?xml version="1.0" encoding="utf-8"?>
 <p:sld xmlns:a="http://schemas.openxmlformats.org/drawingml/2006/main" xmlns:r="http://schemas.openxmlformats.org/officeDocument/2006/relationships" xmlns:p="http://schemas.openxmlformats.org/presentationml/2006/main">
   <p:cSld>
     <p:bg>
@@ -22293,7 +22671,7 @@
 </p:sld>
 </file>
 
-<file path=ppt/slides/slide37.xml><?xml version="1.0" encoding="utf-8"?>
+<file path=ppt/slides/slide38.xml><?xml version="1.0" encoding="utf-8"?>
 <p:sld xmlns:a="http://schemas.openxmlformats.org/drawingml/2006/main" xmlns:r="http://schemas.openxmlformats.org/officeDocument/2006/relationships" xmlns:p="http://schemas.openxmlformats.org/presentationml/2006/main">
   <p:cSld>
     <p:bg>
@@ -22542,7 +22920,7 @@
 </p:sld>
 </file>
 
-<file path=ppt/slides/slide38.xml><?xml version="1.0" encoding="utf-8"?>
+<file path=ppt/slides/slide39.xml><?xml version="1.0" encoding="utf-8"?>
 <p:sld xmlns:a="http://schemas.openxmlformats.org/drawingml/2006/main" xmlns:r="http://schemas.openxmlformats.org/officeDocument/2006/relationships" xmlns:p="http://schemas.openxmlformats.org/presentationml/2006/main">
   <p:cSld>
     <p:spTree>
@@ -23194,6 +23572,139 @@
   <p:cSld>
     <p:spTree>
       <p:nvGrpSpPr>
+        <p:cNvPr id="1" name="Shape 458"/>
+        <p:cNvGrpSpPr/>
+        <p:nvPr/>
+      </p:nvGrpSpPr>
+      <p:grpSpPr>
+        <a:xfrm>
+          <a:off x="0" y="0"/>
+          <a:ext cx="0" cy="0"/>
+          <a:chOff x="0" y="0"/>
+          <a:chExt cx="0" cy="0"/>
+        </a:xfrm>
+      </p:grpSpPr>
+      <p:sp>
+        <p:nvSpPr>
+          <p:cNvPr id="459" name="Shape 459"/>
+          <p:cNvSpPr/>
+          <p:nvPr/>
+        </p:nvSpPr>
+        <p:spPr>
+          <a:xfrm>
+            <a:off x="635000" y="736600"/>
+            <a:ext cx="11734800" cy="431700"/>
+          </a:xfrm>
+          <a:prstGeom prst="rect">
+            <a:avLst/>
+          </a:prstGeom>
+          <a:noFill/>
+          <a:ln>
+            <a:noFill/>
+          </a:ln>
+        </p:spPr>
+        <p:txBody>
+          <a:bodyPr lIns="0" tIns="0" rIns="0" bIns="0" anchor="t" anchorCtr="0">
+            <a:noAutofit/>
+          </a:bodyPr>
+          <a:lstStyle/>
+          <a:p>
+            <a:pPr marL="0" marR="0" lvl="0" indent="0" algn="l" rtl="0">
+              <a:lnSpc>
+                <a:spcPct val="100000"/>
+              </a:lnSpc>
+              <a:spcBef>
+                <a:spcPts val="0"/>
+              </a:spcBef>
+              <a:buSzPct val="25000"/>
+              <a:buNone/>
+            </a:pPr>
+            <a:r>
+              <a:rPr lang="en-US" sz="3200" b="1" dirty="0">
+                <a:latin typeface="Arial" charset="0"/>
+                <a:ea typeface="Arial" charset="0"/>
+                <a:cs typeface="Arial" charset="0"/>
+                <a:sym typeface="Oswald"/>
+              </a:rPr>
+              <a:t>OPENING</a:t>
+            </a:r>
+          </a:p>
+        </p:txBody>
+      </p:sp>
+      <p:sp>
+        <p:nvSpPr>
+          <p:cNvPr id="460" name="Shape 460"/>
+          <p:cNvSpPr/>
+          <p:nvPr/>
+        </p:nvSpPr>
+        <p:spPr>
+          <a:xfrm>
+            <a:off x="635000" y="1473200"/>
+            <a:ext cx="11734800" cy="2806699"/>
+          </a:xfrm>
+          <a:prstGeom prst="rect">
+            <a:avLst/>
+          </a:prstGeom>
+          <a:noFill/>
+          <a:ln>
+            <a:noFill/>
+          </a:ln>
+        </p:spPr>
+        <p:txBody>
+          <a:bodyPr lIns="0" tIns="0" rIns="0" bIns="0" anchor="t" anchorCtr="0">
+            <a:noAutofit/>
+          </a:bodyPr>
+          <a:lstStyle/>
+          <a:p>
+            <a:pPr lvl="0" rtl="0">
+              <a:lnSpc>
+                <a:spcPct val="75000"/>
+              </a:lnSpc>
+              <a:spcBef>
+                <a:spcPts val="0"/>
+              </a:spcBef>
+              <a:buClr>
+                <a:schemeClr val="dk1"/>
+              </a:buClr>
+              <a:buSzPct val="25000"/>
+              <a:buFont typeface="Arial"/>
+              <a:buNone/>
+            </a:pPr>
+            <a:r>
+              <a:rPr lang="en-US" sz="9600" b="1" dirty="0">
+                <a:solidFill>
+                  <a:schemeClr val="lt1"/>
+                </a:solidFill>
+                <a:latin typeface="Arial" charset="0"/>
+                <a:ea typeface="Arial" charset="0"/>
+                <a:cs typeface="Arial" charset="0"/>
+                <a:sym typeface="Oswald"/>
+              </a:rPr>
+              <a:t>STATISTICS FUNDAMENTALS, PART 2</a:t>
+            </a:r>
+          </a:p>
+        </p:txBody>
+      </p:sp>
+    </p:spTree>
+  </p:cSld>
+  <p:clrMapOvr>
+    <a:masterClrMapping/>
+  </p:clrMapOvr>
+  <p:timing>
+    <p:tnLst>
+      <p:par>
+        <p:cTn id="1" dur="indefinite" restart="never" nodeType="tmRoot"/>
+      </p:par>
+    </p:tnLst>
+  </p:timing>
+</p:sld>
+</file>
+
+<file path=ppt/slides/slide5.xml><?xml version="1.0" encoding="utf-8"?>
+<p:sld xmlns:a="http://schemas.openxmlformats.org/drawingml/2006/main" xmlns:r="http://schemas.openxmlformats.org/officeDocument/2006/relationships" xmlns:p="http://schemas.openxmlformats.org/presentationml/2006/main">
+  <p:cSld>
+    <p:spTree>
+      <p:nvGrpSpPr>
         <p:cNvPr id="1" name="Shape 470"/>
         <p:cNvGrpSpPr/>
         <p:nvPr/>
@@ -23397,7 +23908,7 @@
 </p:sld>
 </file>
 
-<file path=ppt/slides/slide5.xml><?xml version="1.0" encoding="utf-8"?>
+<file path=ppt/slides/slide6.xml><?xml version="1.0" encoding="utf-8"?>
 <p:sld xmlns:a="http://schemas.openxmlformats.org/drawingml/2006/main" xmlns:r="http://schemas.openxmlformats.org/officeDocument/2006/relationships" xmlns:p="http://schemas.openxmlformats.org/presentationml/2006/main">
   <p:cSld>
     <p:spTree>
@@ -23567,7 +24078,7 @@
 </p:sld>
 </file>
 
-<file path=ppt/slides/slide6.xml><?xml version="1.0" encoding="utf-8"?>
+<file path=ppt/slides/slide7.xml><?xml version="1.0" encoding="utf-8"?>
 <p:sld xmlns:a="http://schemas.openxmlformats.org/drawingml/2006/main" xmlns:r="http://schemas.openxmlformats.org/officeDocument/2006/relationships" xmlns:p="http://schemas.openxmlformats.org/presentationml/2006/main">
   <p:cSld>
     <p:spTree>
@@ -23974,7 +24485,7 @@
 </p:sld>
 </file>
 
-<file path=ppt/slides/slide7.xml><?xml version="1.0" encoding="utf-8"?>
+<file path=ppt/slides/slide8.xml><?xml version="1.0" encoding="utf-8"?>
 <p:sld xmlns:a="http://schemas.openxmlformats.org/drawingml/2006/main" xmlns:r="http://schemas.openxmlformats.org/officeDocument/2006/relationships" xmlns:p="http://schemas.openxmlformats.org/presentationml/2006/main">
   <p:cSld>
     <p:spTree>
@@ -24156,7 +24667,7 @@
 </p:sld>
 </file>
 
-<file path=ppt/slides/slide8.xml><?xml version="1.0" encoding="utf-8"?>
+<file path=ppt/slides/slide9.xml><?xml version="1.0" encoding="utf-8"?>
 <p:sld xmlns:a="http://schemas.openxmlformats.org/drawingml/2006/main" xmlns:r="http://schemas.openxmlformats.org/officeDocument/2006/relationships" xmlns:p="http://schemas.openxmlformats.org/presentationml/2006/main">
   <p:cSld>
     <p:spTree>
@@ -24289,193 +24800,6 @@
     <p:extLst>
       <p:ext uri="{BB962C8B-B14F-4D97-AF65-F5344CB8AC3E}">
         <p14:creationId xmlns:p14="http://schemas.microsoft.com/office/powerpoint/2010/main" val="746564083"/>
-      </p:ext>
-    </p:extLst>
-  </p:cSld>
-  <p:clrMapOvr>
-    <a:masterClrMapping/>
-  </p:clrMapOvr>
-  <p:timing>
-    <p:tnLst>
-      <p:par>
-        <p:cTn id="1" dur="indefinite" restart="never" nodeType="tmRoot"/>
-      </p:par>
-    </p:tnLst>
-  </p:timing>
-</p:sld>
-</file>
-
-<file path=ppt/slides/slide9.xml><?xml version="1.0" encoding="utf-8"?>
-<p:sld xmlns:a="http://schemas.openxmlformats.org/drawingml/2006/main" xmlns:r="http://schemas.openxmlformats.org/officeDocument/2006/relationships" xmlns:p="http://schemas.openxmlformats.org/presentationml/2006/main">
-  <p:cSld>
-    <p:spTree>
-      <p:nvGrpSpPr>
-        <p:cNvPr id="1" name="Shape 784"/>
-        <p:cNvGrpSpPr/>
-        <p:nvPr/>
-      </p:nvGrpSpPr>
-      <p:grpSpPr>
-        <a:xfrm>
-          <a:off x="0" y="0"/>
-          <a:ext cx="0" cy="0"/>
-          <a:chOff x="0" y="0"/>
-          <a:chExt cx="0" cy="0"/>
-        </a:xfrm>
-      </p:grpSpPr>
-      <p:sp>
-        <p:nvSpPr>
-          <p:cNvPr id="785" name="Shape 785"/>
-          <p:cNvSpPr/>
-          <p:nvPr/>
-        </p:nvSpPr>
-        <p:spPr>
-          <a:xfrm>
-            <a:off x="635000" y="736600"/>
-            <a:ext cx="11734800" cy="431700"/>
-          </a:xfrm>
-          <a:prstGeom prst="rect">
-            <a:avLst/>
-          </a:prstGeom>
-          <a:noFill/>
-          <a:ln>
-            <a:noFill/>
-          </a:ln>
-        </p:spPr>
-        <p:txBody>
-          <a:bodyPr lIns="0" tIns="0" rIns="0" bIns="0" anchor="t" anchorCtr="0">
-            <a:noAutofit/>
-          </a:bodyPr>
-          <a:lstStyle/>
-          <a:p>
-            <a:pPr lvl="0">
-              <a:buSzPct val="25000"/>
-            </a:pPr>
-            <a:r>
-              <a:rPr lang="en-US" sz="3200" b="1" dirty="0">
-                <a:latin typeface="Arial" charset="0"/>
-                <a:ea typeface="Arial" charset="0"/>
-                <a:cs typeface="Arial" charset="0"/>
-                <a:sym typeface="Oswald"/>
-              </a:rPr>
-              <a:t>Hypothesis Testing</a:t>
-            </a:r>
-          </a:p>
-        </p:txBody>
-      </p:sp>
-      <p:sp>
-        <p:nvSpPr>
-          <p:cNvPr id="786" name="Shape 786"/>
-          <p:cNvSpPr txBox="1">
-            <a:spLocks noGrp="1"/>
-          </p:cNvSpPr>
-          <p:nvPr>
-            <p:ph type="body" idx="1"/>
-          </p:nvPr>
-        </p:nvSpPr>
-        <p:spPr>
-          <a:xfrm>
-            <a:off x="635006" y="1292775"/>
-            <a:ext cx="11734800" cy="3809999"/>
-          </a:xfrm>
-          <a:prstGeom prst="rect">
-            <a:avLst/>
-          </a:prstGeom>
-          <a:noFill/>
-          <a:ln>
-            <a:noFill/>
-          </a:ln>
-        </p:spPr>
-        <p:txBody>
-          <a:bodyPr lIns="0" tIns="0" rIns="0" bIns="0" anchor="t" anchorCtr="0">
-            <a:noAutofit/>
-          </a:bodyPr>
-          <a:lstStyle/>
-          <a:p>
-            <a:pPr marR="0" lvl="0" algn="l" rtl="0">
-              <a:spcBef>
-                <a:spcPts val="0"/>
-              </a:spcBef>
-              <a:buNone/>
-            </a:pPr>
-            <a:endParaRPr sz="2800" dirty="0">
-              <a:latin typeface="Georgia"/>
-              <a:ea typeface="Georgia"/>
-              <a:cs typeface="Georgia"/>
-              <a:sym typeface="Georgia"/>
-            </a:endParaRPr>
-          </a:p>
-          <a:p>
-            <a:pPr marL="203200" marR="0" lvl="0" indent="-256540" algn="l" rtl="0">
-              <a:spcBef>
-                <a:spcPts val="0"/>
-              </a:spcBef>
-              <a:buSzPct val="100000"/>
-              <a:buFont typeface="Georgia"/>
-              <a:buChar char="‣"/>
-            </a:pPr>
-            <a:r>
-              <a:rPr lang="en-US" sz="2800" dirty="0">
-                <a:latin typeface="Arial" charset="0"/>
-                <a:ea typeface="Arial" charset="0"/>
-                <a:cs typeface="Arial" charset="0"/>
-                <a:sym typeface="Georgia"/>
-              </a:rPr>
-              <a:t>When we present results, we say we found something significant using this criteria.</a:t>
-            </a:r>
-          </a:p>
-          <a:p>
-            <a:pPr marR="0" lvl="0" algn="l" rtl="0">
-              <a:spcBef>
-                <a:spcPts val="0"/>
-              </a:spcBef>
-              <a:buNone/>
-            </a:pPr>
-            <a:endParaRPr sz="2800" dirty="0">
-              <a:latin typeface="Arial" charset="0"/>
-              <a:ea typeface="Arial" charset="0"/>
-              <a:cs typeface="Arial" charset="0"/>
-              <a:sym typeface="Georgia"/>
-            </a:endParaRPr>
-          </a:p>
-          <a:p>
-            <a:pPr marL="203200" marR="0" lvl="0" indent="-256540" algn="l" rtl="0">
-              <a:spcBef>
-                <a:spcPts val="0"/>
-              </a:spcBef>
-              <a:buSzPct val="100000"/>
-              <a:buFont typeface="Georgia"/>
-              <a:buChar char="‣"/>
-            </a:pPr>
-            <a:r>
-              <a:rPr lang="en-US" sz="2800" dirty="0">
-                <a:latin typeface="Arial" charset="0"/>
-                <a:ea typeface="Arial" charset="0"/>
-                <a:cs typeface="Arial" charset="0"/>
-                <a:sym typeface="Georgia"/>
-              </a:rPr>
-              <a:t>We will use an example to dive further into this and understand p-values and confidence intervals.</a:t>
-            </a:r>
-          </a:p>
-          <a:p>
-            <a:pPr marR="0" lvl="0" algn="l" rtl="0">
-              <a:spcBef>
-                <a:spcPts val="0"/>
-              </a:spcBef>
-              <a:buNone/>
-            </a:pPr>
-            <a:endParaRPr sz="2800" dirty="0">
-              <a:latin typeface="Arial" charset="0"/>
-              <a:ea typeface="Arial" charset="0"/>
-              <a:cs typeface="Arial" charset="0"/>
-              <a:sym typeface="Georgia"/>
-            </a:endParaRPr>
-          </a:p>
-        </p:txBody>
-      </p:sp>
-    </p:spTree>
-    <p:extLst>
-      <p:ext uri="{BB962C8B-B14F-4D97-AF65-F5344CB8AC3E}">
-        <p14:creationId xmlns:p14="http://schemas.microsoft.com/office/powerpoint/2010/main" val="397179631"/>
       </p:ext>
     </p:extLst>
   </p:cSld>
